--- a/receipt.pptx
+++ b/receipt.pptx
@@ -17,14 +17,6 @@
     <p:sldId id="265" r:id="rId11"/>
     <p:sldId id="266" r:id="rId12"/>
     <p:sldId id="267" r:id="rId13"/>
-    <p:sldId id="268" r:id="rId14"/>
-    <p:sldId id="269" r:id="rId15"/>
-    <p:sldId id="270" r:id="rId16"/>
-    <p:sldId id="271" r:id="rId17"/>
-    <p:sldId id="272" r:id="rId18"/>
-    <p:sldId id="273" r:id="rId19"/>
-    <p:sldId id="274" r:id="rId20"/>
-    <p:sldId id="275" r:id="rId21"/>
   </p:sldIdLst>
   <p:sldSz cx="12192000" cy="6858000"/>
   <p:notesSz cx="6858000" cy="9144000"/>
@@ -123,6 +115,11 @@
       </a:defRPr>
     </a:lvl9pPr>
   </p:defaultTextStyle>
+  <p:extLst>
+    <p:ext uri="{EFAFB233-063F-42B5-8137-9DF3F51BA10A}">
+      <p15:sldGuideLst xmlns:p15="http://schemas.microsoft.com/office/powerpoint/2012/main"/>
+    </p:ext>
+  </p:extLst>
 </p:presentation>
 </file>
 
@@ -273,7 +270,7 @@
           <a:p>
             <a:fld id="{4291F35A-A149-6D41-83FC-CDFE93DD8427}" type="datetimeFigureOut">
               <a:rPr lang="en-US" smtClean="0"/>
-              <a:t>9/17/19</a:t>
+              <a:t>10/3/19</a:t>
             </a:fld>
             <a:endParaRPr lang="en-US"/>
           </a:p>
@@ -471,7 +468,7 @@
           <a:p>
             <a:fld id="{4291F35A-A149-6D41-83FC-CDFE93DD8427}" type="datetimeFigureOut">
               <a:rPr lang="en-US" smtClean="0"/>
-              <a:t>9/17/19</a:t>
+              <a:t>10/3/19</a:t>
             </a:fld>
             <a:endParaRPr lang="en-US"/>
           </a:p>
@@ -679,7 +676,7 @@
           <a:p>
             <a:fld id="{4291F35A-A149-6D41-83FC-CDFE93DD8427}" type="datetimeFigureOut">
               <a:rPr lang="en-US" smtClean="0"/>
-              <a:t>9/17/19</a:t>
+              <a:t>10/3/19</a:t>
             </a:fld>
             <a:endParaRPr lang="en-US"/>
           </a:p>
@@ -877,7 +874,7 @@
           <a:p>
             <a:fld id="{4291F35A-A149-6D41-83FC-CDFE93DD8427}" type="datetimeFigureOut">
               <a:rPr lang="en-US" smtClean="0"/>
-              <a:t>9/17/19</a:t>
+              <a:t>10/3/19</a:t>
             </a:fld>
             <a:endParaRPr lang="en-US"/>
           </a:p>
@@ -1152,7 +1149,7 @@
           <a:p>
             <a:fld id="{4291F35A-A149-6D41-83FC-CDFE93DD8427}" type="datetimeFigureOut">
               <a:rPr lang="en-US" smtClean="0"/>
-              <a:t>9/17/19</a:t>
+              <a:t>10/3/19</a:t>
             </a:fld>
             <a:endParaRPr lang="en-US"/>
           </a:p>
@@ -1417,7 +1414,7 @@
           <a:p>
             <a:fld id="{4291F35A-A149-6D41-83FC-CDFE93DD8427}" type="datetimeFigureOut">
               <a:rPr lang="en-US" smtClean="0"/>
-              <a:t>9/17/19</a:t>
+              <a:t>10/3/19</a:t>
             </a:fld>
             <a:endParaRPr lang="en-US"/>
           </a:p>
@@ -1829,7 +1826,7 @@
           <a:p>
             <a:fld id="{4291F35A-A149-6D41-83FC-CDFE93DD8427}" type="datetimeFigureOut">
               <a:rPr lang="en-US" smtClean="0"/>
-              <a:t>9/17/19</a:t>
+              <a:t>10/3/19</a:t>
             </a:fld>
             <a:endParaRPr lang="en-US"/>
           </a:p>
@@ -1970,7 +1967,7 @@
           <a:p>
             <a:fld id="{4291F35A-A149-6D41-83FC-CDFE93DD8427}" type="datetimeFigureOut">
               <a:rPr lang="en-US" smtClean="0"/>
-              <a:t>9/17/19</a:t>
+              <a:t>10/3/19</a:t>
             </a:fld>
             <a:endParaRPr lang="en-US"/>
           </a:p>
@@ -2083,7 +2080,7 @@
           <a:p>
             <a:fld id="{4291F35A-A149-6D41-83FC-CDFE93DD8427}" type="datetimeFigureOut">
               <a:rPr lang="en-US" smtClean="0"/>
-              <a:t>9/17/19</a:t>
+              <a:t>10/3/19</a:t>
             </a:fld>
             <a:endParaRPr lang="en-US"/>
           </a:p>
@@ -2394,7 +2391,7 @@
           <a:p>
             <a:fld id="{4291F35A-A149-6D41-83FC-CDFE93DD8427}" type="datetimeFigureOut">
               <a:rPr lang="en-US" smtClean="0"/>
-              <a:t>9/17/19</a:t>
+              <a:t>10/3/19</a:t>
             </a:fld>
             <a:endParaRPr lang="en-US"/>
           </a:p>
@@ -2682,7 +2679,7 @@
           <a:p>
             <a:fld id="{4291F35A-A149-6D41-83FC-CDFE93DD8427}" type="datetimeFigureOut">
               <a:rPr lang="en-US" smtClean="0"/>
-              <a:t>9/17/19</a:t>
+              <a:t>10/3/19</a:t>
             </a:fld>
             <a:endParaRPr lang="en-US"/>
           </a:p>
@@ -2923,7 +2920,7 @@
           <a:p>
             <a:fld id="{4291F35A-A149-6D41-83FC-CDFE93DD8427}" type="datetimeFigureOut">
               <a:rPr lang="en-US" smtClean="0"/>
-              <a:t>9/17/19</a:t>
+              <a:t>10/3/19</a:t>
             </a:fld>
             <a:endParaRPr lang="en-US"/>
           </a:p>
@@ -3398,7 +3395,7 @@
         <p:spPr>
           <a:xfrm>
             <a:off x="8407189" y="546538"/>
-            <a:ext cx="1696298" cy="369332"/>
+            <a:ext cx="1685077" cy="369332"/>
           </a:xfrm>
           <a:prstGeom prst="rect">
             <a:avLst/>
@@ -3430,7 +3427,7 @@
                 <a:latin typeface="MS PMincho" panose="02020600040205080304" pitchFamily="18" charset="-128"/>
                 <a:ea typeface="MS PMincho" panose="02020600040205080304" pitchFamily="18" charset="-128"/>
               </a:rPr>
-              <a:t>9</a:t>
+              <a:t>10</a:t>
             </a:r>
             <a:r>
               <a:rPr lang="ja-JP" altLang="en-US" u="sng">
@@ -3444,7 +3441,7 @@
                 <a:latin typeface="MS PMincho" panose="02020600040205080304" pitchFamily="18" charset="-128"/>
                 <a:ea typeface="MS PMincho" panose="02020600040205080304" pitchFamily="18" charset="-128"/>
               </a:rPr>
-              <a:t>19</a:t>
+              <a:t>3</a:t>
             </a:r>
             <a:r>
               <a:rPr lang="ja-JP" altLang="en-US" u="sng">
@@ -3516,8 +3513,8 @@
         </p:nvSpPr>
         <p:spPr>
           <a:xfrm>
-            <a:off x="4423106" y="2282740"/>
-            <a:ext cx="3345788" cy="1015663"/>
+            <a:off x="4217922" y="2282740"/>
+            <a:ext cx="3756157" cy="1015663"/>
           </a:xfrm>
           <a:prstGeom prst="rect">
             <a:avLst/>
@@ -3536,7 +3533,7 @@
                 <a:latin typeface="MS PMincho" panose="02020600040205080304" pitchFamily="18" charset="-128"/>
                 <a:ea typeface="MS PMincho" panose="02020600040205080304" pitchFamily="18" charset="-128"/>
               </a:rPr>
-              <a:t>￥500 </a:t>
+              <a:t>￥2000 </a:t>
             </a:r>
             <a:r>
               <a:rPr lang="en-US" sz="3000" b="1" u="sng" dirty="0">
@@ -3639,7 +3636,7 @@
         <p:spPr>
           <a:xfrm>
             <a:off x="1618635" y="4888507"/>
-            <a:ext cx="2448106" cy="1015663"/>
+            <a:ext cx="2497800" cy="1015663"/>
           </a:xfrm>
           <a:prstGeom prst="rect">
             <a:avLst/>
@@ -3705,7 +3702,7 @@
                 <a:latin typeface="MS PMincho" panose="02020600040205080304" pitchFamily="18" charset="-128"/>
                 <a:ea typeface="MS PMincho" panose="02020600040205080304" pitchFamily="18" charset="-128"/>
               </a:rPr>
-              <a:t>463</a:t>
+              <a:t>1819</a:t>
             </a:r>
           </a:p>
           <a:p>
@@ -3721,7 +3718,7 @@
                 <a:latin typeface="MS PMincho" panose="02020600040205080304" pitchFamily="18" charset="-128"/>
                 <a:ea typeface="MS PMincho" panose="02020600040205080304" pitchFamily="18" charset="-128"/>
               </a:rPr>
-              <a:t>(8%)</a:t>
+              <a:t>(10%)</a:t>
             </a:r>
             <a:r>
               <a:rPr lang="ja-JP" altLang="en-US" sz="2000">
@@ -3742,14 +3739,14 @@
                 <a:latin typeface="MS PMincho" panose="02020600040205080304" pitchFamily="18" charset="-128"/>
                 <a:ea typeface="MS PMincho" panose="02020600040205080304" pitchFamily="18" charset="-128"/>
               </a:rPr>
-              <a:t>  ￥</a:t>
+              <a:t>￥</a:t>
             </a:r>
             <a:r>
               <a:rPr lang="en-US" altLang="ja-JP" sz="2000" dirty="0">
                 <a:latin typeface="MS PMincho" panose="02020600040205080304" pitchFamily="18" charset="-128"/>
                 <a:ea typeface="MS PMincho" panose="02020600040205080304" pitchFamily="18" charset="-128"/>
               </a:rPr>
-              <a:t>37</a:t>
+              <a:t>181</a:t>
             </a:r>
             <a:endParaRPr lang="en-US" sz="2000" dirty="0">
               <a:latin typeface="MS PMincho" panose="02020600040205080304" pitchFamily="18" charset="-128"/>
@@ -3798,21 +3795,7 @@
                 <a:latin typeface="MS PMincho" panose="02020600040205080304" pitchFamily="18" charset="-128"/>
                 <a:ea typeface="MS PMincho" panose="02020600040205080304" pitchFamily="18" charset="-128"/>
               </a:rPr>
-              <a:t>1</a:t>
-            </a:r>
-            <a:r>
-              <a:rPr lang="ja-JP" altLang="en-US">
-                <a:latin typeface="MS PMincho" panose="02020600040205080304" pitchFamily="18" charset="-128"/>
-                <a:ea typeface="MS PMincho" panose="02020600040205080304" pitchFamily="18" charset="-128"/>
-              </a:rPr>
-              <a:t> </a:t>
-            </a:r>
-            <a:r>
-              <a:rPr lang="en-US" altLang="ja-JP" dirty="0">
-                <a:latin typeface="MS PMincho" panose="02020600040205080304" pitchFamily="18" charset="-128"/>
-                <a:ea typeface="MS PMincho" panose="02020600040205080304" pitchFamily="18" charset="-128"/>
-              </a:rPr>
-              <a:t>03-0023</a:t>
+              <a:t>103-0023</a:t>
             </a:r>
             <a:br>
               <a:rPr lang="en-US" altLang="ja-JP" dirty="0">
@@ -3979,7 +3962,7 @@
         <p:spPr>
           <a:xfrm>
             <a:off x="8407189" y="546538"/>
-            <a:ext cx="1696298" cy="369332"/>
+            <a:ext cx="1685077" cy="369332"/>
           </a:xfrm>
           <a:prstGeom prst="rect">
             <a:avLst/>
@@ -4011,7 +3994,7 @@
                 <a:latin typeface="MS PMincho" panose="02020600040205080304" pitchFamily="18" charset="-128"/>
                 <a:ea typeface="MS PMincho" panose="02020600040205080304" pitchFamily="18" charset="-128"/>
               </a:rPr>
-              <a:t>9</a:t>
+              <a:t>10</a:t>
             </a:r>
             <a:r>
               <a:rPr lang="ja-JP" altLang="en-US" u="sng">
@@ -4025,7 +4008,7 @@
                 <a:latin typeface="MS PMincho" panose="02020600040205080304" pitchFamily="18" charset="-128"/>
                 <a:ea typeface="MS PMincho" panose="02020600040205080304" pitchFamily="18" charset="-128"/>
               </a:rPr>
-              <a:t>19</a:t>
+              <a:t>3</a:t>
             </a:r>
             <a:r>
               <a:rPr lang="ja-JP" altLang="en-US" u="sng">
@@ -4097,8 +4080,8 @@
         </p:nvSpPr>
         <p:spPr>
           <a:xfrm>
-            <a:off x="4423106" y="2282740"/>
-            <a:ext cx="3345788" cy="1015663"/>
+            <a:off x="4217922" y="2282740"/>
+            <a:ext cx="3756157" cy="1015663"/>
           </a:xfrm>
           <a:prstGeom prst="rect">
             <a:avLst/>
@@ -4117,7 +4100,7 @@
                 <a:latin typeface="MS PMincho" panose="02020600040205080304" pitchFamily="18" charset="-128"/>
                 <a:ea typeface="MS PMincho" panose="02020600040205080304" pitchFamily="18" charset="-128"/>
               </a:rPr>
-              <a:t>￥500 </a:t>
+              <a:t>￥2000 </a:t>
             </a:r>
             <a:r>
               <a:rPr lang="en-US" sz="3000" b="1" u="sng" dirty="0">
@@ -4220,7 +4203,7 @@
         <p:spPr>
           <a:xfrm>
             <a:off x="1618635" y="4888507"/>
-            <a:ext cx="2448106" cy="1015663"/>
+            <a:ext cx="2497800" cy="1015663"/>
           </a:xfrm>
           <a:prstGeom prst="rect">
             <a:avLst/>
@@ -4286,7 +4269,7 @@
                 <a:latin typeface="MS PMincho" panose="02020600040205080304" pitchFamily="18" charset="-128"/>
                 <a:ea typeface="MS PMincho" panose="02020600040205080304" pitchFamily="18" charset="-128"/>
               </a:rPr>
-              <a:t>463</a:t>
+              <a:t>1819</a:t>
             </a:r>
           </a:p>
           <a:p>
@@ -4302,7 +4285,7 @@
                 <a:latin typeface="MS PMincho" panose="02020600040205080304" pitchFamily="18" charset="-128"/>
                 <a:ea typeface="MS PMincho" panose="02020600040205080304" pitchFamily="18" charset="-128"/>
               </a:rPr>
-              <a:t>(8%)</a:t>
+              <a:t>(10%)</a:t>
             </a:r>
             <a:r>
               <a:rPr lang="ja-JP" altLang="en-US" sz="2000">
@@ -4323,14 +4306,14 @@
                 <a:latin typeface="MS PMincho" panose="02020600040205080304" pitchFamily="18" charset="-128"/>
                 <a:ea typeface="MS PMincho" panose="02020600040205080304" pitchFamily="18" charset="-128"/>
               </a:rPr>
-              <a:t>  ￥</a:t>
+              <a:t>￥</a:t>
             </a:r>
             <a:r>
               <a:rPr lang="en-US" altLang="ja-JP" sz="2000" dirty="0">
                 <a:latin typeface="MS PMincho" panose="02020600040205080304" pitchFamily="18" charset="-128"/>
                 <a:ea typeface="MS PMincho" panose="02020600040205080304" pitchFamily="18" charset="-128"/>
               </a:rPr>
-              <a:t>37</a:t>
+              <a:t>181</a:t>
             </a:r>
             <a:endParaRPr lang="en-US" sz="2000" dirty="0">
               <a:latin typeface="MS PMincho" panose="02020600040205080304" pitchFamily="18" charset="-128"/>
@@ -4379,21 +4362,7 @@
                 <a:latin typeface="MS PMincho" panose="02020600040205080304" pitchFamily="18" charset="-128"/>
                 <a:ea typeface="MS PMincho" panose="02020600040205080304" pitchFamily="18" charset="-128"/>
               </a:rPr>
-              <a:t>1</a:t>
-            </a:r>
-            <a:r>
-              <a:rPr lang="ja-JP" altLang="en-US">
-                <a:latin typeface="MS PMincho" panose="02020600040205080304" pitchFamily="18" charset="-128"/>
-                <a:ea typeface="MS PMincho" panose="02020600040205080304" pitchFamily="18" charset="-128"/>
-              </a:rPr>
-              <a:t> </a:t>
-            </a:r>
-            <a:r>
-              <a:rPr lang="en-US" altLang="ja-JP" dirty="0">
-                <a:latin typeface="MS PMincho" panose="02020600040205080304" pitchFamily="18" charset="-128"/>
-                <a:ea typeface="MS PMincho" panose="02020600040205080304" pitchFamily="18" charset="-128"/>
-              </a:rPr>
-              <a:t>03-0023</a:t>
+              <a:t>103-0023</a:t>
             </a:r>
             <a:br>
               <a:rPr lang="en-US" altLang="ja-JP" dirty="0">
@@ -4475,7 +4444,7 @@
     </p:spTree>
     <p:extLst>
       <p:ext uri="{BB962C8B-B14F-4D97-AF65-F5344CB8AC3E}">
-        <p14:creationId xmlns:p14="http://schemas.microsoft.com/office/powerpoint/2010/main" val="2399936804"/>
+        <p14:creationId xmlns:p14="http://schemas.microsoft.com/office/powerpoint/2010/main" val="3003083382"/>
       </p:ext>
     </p:extLst>
   </p:cSld>
@@ -4560,7 +4529,7 @@
         <p:spPr>
           <a:xfrm>
             <a:off x="8407189" y="546538"/>
-            <a:ext cx="1696298" cy="369332"/>
+            <a:ext cx="1685077" cy="369332"/>
           </a:xfrm>
           <a:prstGeom prst="rect">
             <a:avLst/>
@@ -4592,7 +4561,7 @@
                 <a:latin typeface="MS PMincho" panose="02020600040205080304" pitchFamily="18" charset="-128"/>
                 <a:ea typeface="MS PMincho" panose="02020600040205080304" pitchFamily="18" charset="-128"/>
               </a:rPr>
-              <a:t>9</a:t>
+              <a:t>10</a:t>
             </a:r>
             <a:r>
               <a:rPr lang="ja-JP" altLang="en-US" u="sng">
@@ -4606,7 +4575,7 @@
                 <a:latin typeface="MS PMincho" panose="02020600040205080304" pitchFamily="18" charset="-128"/>
                 <a:ea typeface="MS PMincho" panose="02020600040205080304" pitchFamily="18" charset="-128"/>
               </a:rPr>
-              <a:t>19</a:t>
+              <a:t>3</a:t>
             </a:r>
             <a:r>
               <a:rPr lang="ja-JP" altLang="en-US" u="sng">
@@ -4678,8 +4647,8 @@
         </p:nvSpPr>
         <p:spPr>
           <a:xfrm>
-            <a:off x="4423106" y="2282740"/>
-            <a:ext cx="3345788" cy="1015663"/>
+            <a:off x="4217922" y="2282740"/>
+            <a:ext cx="3756157" cy="1015663"/>
           </a:xfrm>
           <a:prstGeom prst="rect">
             <a:avLst/>
@@ -4698,7 +4667,7 @@
                 <a:latin typeface="MS PMincho" panose="02020600040205080304" pitchFamily="18" charset="-128"/>
                 <a:ea typeface="MS PMincho" panose="02020600040205080304" pitchFamily="18" charset="-128"/>
               </a:rPr>
-              <a:t>￥500 </a:t>
+              <a:t>￥2000 </a:t>
             </a:r>
             <a:r>
               <a:rPr lang="en-US" sz="3000" b="1" u="sng" dirty="0">
@@ -4801,7 +4770,7 @@
         <p:spPr>
           <a:xfrm>
             <a:off x="1618635" y="4888507"/>
-            <a:ext cx="2448106" cy="1015663"/>
+            <a:ext cx="2497800" cy="1015663"/>
           </a:xfrm>
           <a:prstGeom prst="rect">
             <a:avLst/>
@@ -4867,7 +4836,7 @@
                 <a:latin typeface="MS PMincho" panose="02020600040205080304" pitchFamily="18" charset="-128"/>
                 <a:ea typeface="MS PMincho" panose="02020600040205080304" pitchFamily="18" charset="-128"/>
               </a:rPr>
-              <a:t>463</a:t>
+              <a:t>1819</a:t>
             </a:r>
           </a:p>
           <a:p>
@@ -4883,7 +4852,7 @@
                 <a:latin typeface="MS PMincho" panose="02020600040205080304" pitchFamily="18" charset="-128"/>
                 <a:ea typeface="MS PMincho" panose="02020600040205080304" pitchFamily="18" charset="-128"/>
               </a:rPr>
-              <a:t>(8%)</a:t>
+              <a:t>(10%)</a:t>
             </a:r>
             <a:r>
               <a:rPr lang="ja-JP" altLang="en-US" sz="2000">
@@ -4904,14 +4873,14 @@
                 <a:latin typeface="MS PMincho" panose="02020600040205080304" pitchFamily="18" charset="-128"/>
                 <a:ea typeface="MS PMincho" panose="02020600040205080304" pitchFamily="18" charset="-128"/>
               </a:rPr>
-              <a:t>  ￥</a:t>
+              <a:t>￥</a:t>
             </a:r>
             <a:r>
               <a:rPr lang="en-US" altLang="ja-JP" sz="2000" dirty="0">
                 <a:latin typeface="MS PMincho" panose="02020600040205080304" pitchFamily="18" charset="-128"/>
                 <a:ea typeface="MS PMincho" panose="02020600040205080304" pitchFamily="18" charset="-128"/>
               </a:rPr>
-              <a:t>37</a:t>
+              <a:t>181</a:t>
             </a:r>
             <a:endParaRPr lang="en-US" sz="2000" dirty="0">
               <a:latin typeface="MS PMincho" panose="02020600040205080304" pitchFamily="18" charset="-128"/>
@@ -4960,21 +4929,7 @@
                 <a:latin typeface="MS PMincho" panose="02020600040205080304" pitchFamily="18" charset="-128"/>
                 <a:ea typeface="MS PMincho" panose="02020600040205080304" pitchFamily="18" charset="-128"/>
               </a:rPr>
-              <a:t>1</a:t>
-            </a:r>
-            <a:r>
-              <a:rPr lang="ja-JP" altLang="en-US">
-                <a:latin typeface="MS PMincho" panose="02020600040205080304" pitchFamily="18" charset="-128"/>
-                <a:ea typeface="MS PMincho" panose="02020600040205080304" pitchFamily="18" charset="-128"/>
-              </a:rPr>
-              <a:t> </a:t>
-            </a:r>
-            <a:r>
-              <a:rPr lang="en-US" altLang="ja-JP" dirty="0">
-                <a:latin typeface="MS PMincho" panose="02020600040205080304" pitchFamily="18" charset="-128"/>
-                <a:ea typeface="MS PMincho" panose="02020600040205080304" pitchFamily="18" charset="-128"/>
-              </a:rPr>
-              <a:t>03-0023</a:t>
+              <a:t>103-0023</a:t>
             </a:r>
             <a:br>
               <a:rPr lang="en-US" altLang="ja-JP" dirty="0">
@@ -5056,7 +5011,7 @@
     </p:spTree>
     <p:extLst>
       <p:ext uri="{BB962C8B-B14F-4D97-AF65-F5344CB8AC3E}">
-        <p14:creationId xmlns:p14="http://schemas.microsoft.com/office/powerpoint/2010/main" val="3832048369"/>
+        <p14:creationId xmlns:p14="http://schemas.microsoft.com/office/powerpoint/2010/main" val="4224791200"/>
       </p:ext>
     </p:extLst>
   </p:cSld>
@@ -5141,7 +5096,7 @@
         <p:spPr>
           <a:xfrm>
             <a:off x="8407189" y="546538"/>
-            <a:ext cx="1696298" cy="369332"/>
+            <a:ext cx="1685077" cy="369332"/>
           </a:xfrm>
           <a:prstGeom prst="rect">
             <a:avLst/>
@@ -5173,7 +5128,7 @@
                 <a:latin typeface="MS PMincho" panose="02020600040205080304" pitchFamily="18" charset="-128"/>
                 <a:ea typeface="MS PMincho" panose="02020600040205080304" pitchFamily="18" charset="-128"/>
               </a:rPr>
-              <a:t>9</a:t>
+              <a:t>10</a:t>
             </a:r>
             <a:r>
               <a:rPr lang="ja-JP" altLang="en-US" u="sng">
@@ -5187,7 +5142,7 @@
                 <a:latin typeface="MS PMincho" panose="02020600040205080304" pitchFamily="18" charset="-128"/>
                 <a:ea typeface="MS PMincho" panose="02020600040205080304" pitchFamily="18" charset="-128"/>
               </a:rPr>
-              <a:t>19</a:t>
+              <a:t>3</a:t>
             </a:r>
             <a:r>
               <a:rPr lang="ja-JP" altLang="en-US" u="sng">
@@ -5259,8 +5214,8 @@
         </p:nvSpPr>
         <p:spPr>
           <a:xfrm>
-            <a:off x="4423106" y="2282740"/>
-            <a:ext cx="3345788" cy="1015663"/>
+            <a:off x="4217922" y="2282740"/>
+            <a:ext cx="3756157" cy="1015663"/>
           </a:xfrm>
           <a:prstGeom prst="rect">
             <a:avLst/>
@@ -5279,7 +5234,7 @@
                 <a:latin typeface="MS PMincho" panose="02020600040205080304" pitchFamily="18" charset="-128"/>
                 <a:ea typeface="MS PMincho" panose="02020600040205080304" pitchFamily="18" charset="-128"/>
               </a:rPr>
-              <a:t>￥500 </a:t>
+              <a:t>￥2000 </a:t>
             </a:r>
             <a:r>
               <a:rPr lang="en-US" sz="3000" b="1" u="sng" dirty="0">
@@ -5382,7 +5337,7 @@
         <p:spPr>
           <a:xfrm>
             <a:off x="1618635" y="4888507"/>
-            <a:ext cx="2448106" cy="1015663"/>
+            <a:ext cx="2497800" cy="1015663"/>
           </a:xfrm>
           <a:prstGeom prst="rect">
             <a:avLst/>
@@ -5448,7 +5403,7 @@
                 <a:latin typeface="MS PMincho" panose="02020600040205080304" pitchFamily="18" charset="-128"/>
                 <a:ea typeface="MS PMincho" panose="02020600040205080304" pitchFamily="18" charset="-128"/>
               </a:rPr>
-              <a:t>463</a:t>
+              <a:t>1819</a:t>
             </a:r>
           </a:p>
           <a:p>
@@ -5464,7 +5419,7 @@
                 <a:latin typeface="MS PMincho" panose="02020600040205080304" pitchFamily="18" charset="-128"/>
                 <a:ea typeface="MS PMincho" panose="02020600040205080304" pitchFamily="18" charset="-128"/>
               </a:rPr>
-              <a:t>(8%)</a:t>
+              <a:t>(10%)</a:t>
             </a:r>
             <a:r>
               <a:rPr lang="ja-JP" altLang="en-US" sz="2000">
@@ -5485,14 +5440,14 @@
                 <a:latin typeface="MS PMincho" panose="02020600040205080304" pitchFamily="18" charset="-128"/>
                 <a:ea typeface="MS PMincho" panose="02020600040205080304" pitchFamily="18" charset="-128"/>
               </a:rPr>
-              <a:t>  ￥</a:t>
+              <a:t>￥</a:t>
             </a:r>
             <a:r>
               <a:rPr lang="en-US" altLang="ja-JP" sz="2000" dirty="0">
                 <a:latin typeface="MS PMincho" panose="02020600040205080304" pitchFamily="18" charset="-128"/>
                 <a:ea typeface="MS PMincho" panose="02020600040205080304" pitchFamily="18" charset="-128"/>
               </a:rPr>
-              <a:t>37</a:t>
+              <a:t>181</a:t>
             </a:r>
             <a:endParaRPr lang="en-US" sz="2000" dirty="0">
               <a:latin typeface="MS PMincho" panose="02020600040205080304" pitchFamily="18" charset="-128"/>
@@ -5541,21 +5496,7 @@
                 <a:latin typeface="MS PMincho" panose="02020600040205080304" pitchFamily="18" charset="-128"/>
                 <a:ea typeface="MS PMincho" panose="02020600040205080304" pitchFamily="18" charset="-128"/>
               </a:rPr>
-              <a:t>1</a:t>
-            </a:r>
-            <a:r>
-              <a:rPr lang="ja-JP" altLang="en-US">
-                <a:latin typeface="MS PMincho" panose="02020600040205080304" pitchFamily="18" charset="-128"/>
-                <a:ea typeface="MS PMincho" panose="02020600040205080304" pitchFamily="18" charset="-128"/>
-              </a:rPr>
-              <a:t> </a:t>
-            </a:r>
-            <a:r>
-              <a:rPr lang="en-US" altLang="ja-JP" dirty="0">
-                <a:latin typeface="MS PMincho" panose="02020600040205080304" pitchFamily="18" charset="-128"/>
-                <a:ea typeface="MS PMincho" panose="02020600040205080304" pitchFamily="18" charset="-128"/>
-              </a:rPr>
-              <a:t>03-0023</a:t>
+              <a:t>103-0023</a:t>
             </a:r>
             <a:br>
               <a:rPr lang="en-US" altLang="ja-JP" dirty="0">
@@ -5637,4074 +5578,7 @@
     </p:spTree>
     <p:extLst>
       <p:ext uri="{BB962C8B-B14F-4D97-AF65-F5344CB8AC3E}">
-        <p14:creationId xmlns:p14="http://schemas.microsoft.com/office/powerpoint/2010/main" val="1543680404"/>
-      </p:ext>
-    </p:extLst>
-  </p:cSld>
-  <p:clrMapOvr>
-    <a:masterClrMapping/>
-  </p:clrMapOvr>
-</p:sld>
-</file>
-
-<file path=ppt/slides/slide13.xml><?xml version="1.0" encoding="utf-8"?>
-<p:sld xmlns:a="http://schemas.openxmlformats.org/drawingml/2006/main" xmlns:r="http://schemas.openxmlformats.org/officeDocument/2006/relationships" xmlns:p="http://schemas.openxmlformats.org/presentationml/2006/main">
-  <p:cSld>
-    <p:spTree>
-      <p:nvGrpSpPr>
-        <p:cNvPr id="1" name=""/>
-        <p:cNvGrpSpPr/>
-        <p:nvPr/>
-      </p:nvGrpSpPr>
-      <p:grpSpPr>
-        <a:xfrm>
-          <a:off x="0" y="0"/>
-          <a:ext cx="0" cy="0"/>
-          <a:chOff x="0" y="0"/>
-          <a:chExt cx="0" cy="0"/>
-        </a:xfrm>
-      </p:grpSpPr>
-      <p:sp>
-        <p:nvSpPr>
-          <p:cNvPr id="4" name="TextBox 3">
-            <a:extLst>
-              <a:ext uri="{FF2B5EF4-FFF2-40B4-BE49-F238E27FC236}">
-                <a16:creationId xmlns:a16="http://schemas.microsoft.com/office/drawing/2014/main" id="{CE4A5ADC-C63F-5C4B-BF79-AB5FFF7F654A}"/>
-              </a:ext>
-            </a:extLst>
-          </p:cNvPr>
-          <p:cNvSpPr txBox="1"/>
-          <p:nvPr/>
-        </p:nvSpPr>
-        <p:spPr>
-          <a:xfrm>
-            <a:off x="5037056" y="546538"/>
-            <a:ext cx="2117887" cy="861774"/>
-          </a:xfrm>
-          <a:prstGeom prst="rect">
-            <a:avLst/>
-          </a:prstGeom>
-          <a:noFill/>
-        </p:spPr>
-        <p:txBody>
-          <a:bodyPr wrap="none" rtlCol="0">
-            <a:spAutoFit/>
-          </a:bodyPr>
-          <a:lstStyle/>
-          <a:p>
-            <a:pPr algn="ctr"/>
-            <a:r>
-              <a:rPr lang="ja-JP" altLang="en-US" sz="5000" b="1">
-                <a:latin typeface="MS PMincho" panose="02020600040205080304" pitchFamily="18" charset="-128"/>
-                <a:ea typeface="MS PMincho" panose="02020600040205080304" pitchFamily="18" charset="-128"/>
-              </a:rPr>
-              <a:t>領収書</a:t>
-            </a:r>
-            <a:endParaRPr lang="en-US" sz="5000" b="1" dirty="0">
-              <a:latin typeface="MS PMincho" panose="02020600040205080304" pitchFamily="18" charset="-128"/>
-              <a:ea typeface="MS PMincho" panose="02020600040205080304" pitchFamily="18" charset="-128"/>
-            </a:endParaRPr>
-          </a:p>
-        </p:txBody>
-      </p:sp>
-      <p:sp>
-        <p:nvSpPr>
-          <p:cNvPr id="5" name="TextBox 4">
-            <a:extLst>
-              <a:ext uri="{FF2B5EF4-FFF2-40B4-BE49-F238E27FC236}">
-                <a16:creationId xmlns:a16="http://schemas.microsoft.com/office/drawing/2014/main" id="{6AB7C405-EBA8-2D41-A6E8-9C8C1B1B8913}"/>
-              </a:ext>
-            </a:extLst>
-          </p:cNvPr>
-          <p:cNvSpPr txBox="1"/>
-          <p:nvPr/>
-        </p:nvSpPr>
-        <p:spPr>
-          <a:xfrm>
-            <a:off x="8407189" y="546538"/>
-            <a:ext cx="1696298" cy="369332"/>
-          </a:xfrm>
-          <a:prstGeom prst="rect">
-            <a:avLst/>
-          </a:prstGeom>
-          <a:noFill/>
-        </p:spPr>
-        <p:txBody>
-          <a:bodyPr wrap="none" rtlCol="0">
-            <a:spAutoFit/>
-          </a:bodyPr>
-          <a:lstStyle/>
-          <a:p>
-            <a:r>
-              <a:rPr lang="en-US" u="sng" dirty="0">
-                <a:latin typeface="MS PMincho" panose="02020600040205080304" pitchFamily="18" charset="-128"/>
-                <a:ea typeface="MS PMincho" panose="02020600040205080304" pitchFamily="18" charset="-128"/>
-              </a:rPr>
-              <a:t>2019</a:t>
-            </a:r>
-            <a:r>
-              <a:rPr lang="ja-JP" altLang="en-US" u="sng">
-                <a:latin typeface="MS PMincho" panose="02020600040205080304" pitchFamily="18" charset="-128"/>
-                <a:ea typeface="MS PMincho" panose="02020600040205080304" pitchFamily="18" charset="-128"/>
-              </a:rPr>
-              <a:t>年</a:t>
-            </a:r>
-            <a:r>
-              <a:rPr lang="en-US" altLang="ja-JP" u="sng" dirty="0">
-                <a:latin typeface="MS PMincho" panose="02020600040205080304" pitchFamily="18" charset="-128"/>
-                <a:ea typeface="MS PMincho" panose="02020600040205080304" pitchFamily="18" charset="-128"/>
-              </a:rPr>
-              <a:t>9</a:t>
-            </a:r>
-            <a:r>
-              <a:rPr lang="ja-JP" altLang="en-US" u="sng">
-                <a:latin typeface="MS PMincho" panose="02020600040205080304" pitchFamily="18" charset="-128"/>
-                <a:ea typeface="MS PMincho" panose="02020600040205080304" pitchFamily="18" charset="-128"/>
-              </a:rPr>
-              <a:t>月</a:t>
-            </a:r>
-            <a:r>
-              <a:rPr lang="en-US" altLang="ja-JP" u="sng" dirty="0">
-                <a:latin typeface="MS PMincho" panose="02020600040205080304" pitchFamily="18" charset="-128"/>
-                <a:ea typeface="MS PMincho" panose="02020600040205080304" pitchFamily="18" charset="-128"/>
-              </a:rPr>
-              <a:t>19</a:t>
-            </a:r>
-            <a:r>
-              <a:rPr lang="ja-JP" altLang="en-US" u="sng">
-                <a:latin typeface="MS PMincho" panose="02020600040205080304" pitchFamily="18" charset="-128"/>
-                <a:ea typeface="MS PMincho" panose="02020600040205080304" pitchFamily="18" charset="-128"/>
-              </a:rPr>
-              <a:t>日</a:t>
-            </a:r>
-            <a:endParaRPr lang="en-US" u="sng" dirty="0">
-              <a:latin typeface="MS PMincho" panose="02020600040205080304" pitchFamily="18" charset="-128"/>
-              <a:ea typeface="MS PMincho" panose="02020600040205080304" pitchFamily="18" charset="-128"/>
-            </a:endParaRPr>
-          </a:p>
-        </p:txBody>
-      </p:sp>
-      <p:sp>
-        <p:nvSpPr>
-          <p:cNvPr id="6" name="TextBox 5">
-            <a:extLst>
-              <a:ext uri="{FF2B5EF4-FFF2-40B4-BE49-F238E27FC236}">
-                <a16:creationId xmlns:a16="http://schemas.microsoft.com/office/drawing/2014/main" id="{57203D7A-B859-D54C-AFC2-25EE7E0097D2}"/>
-              </a:ext>
-            </a:extLst>
-          </p:cNvPr>
-          <p:cNvSpPr txBox="1"/>
-          <p:nvPr/>
-        </p:nvSpPr>
-        <p:spPr>
-          <a:xfrm>
-            <a:off x="1360812" y="1775296"/>
-            <a:ext cx="3159839" cy="400110"/>
-          </a:xfrm>
-          <a:prstGeom prst="rect">
-            <a:avLst/>
-          </a:prstGeom>
-          <a:noFill/>
-        </p:spPr>
-        <p:txBody>
-          <a:bodyPr wrap="none" rtlCol="0">
-            <a:spAutoFit/>
-          </a:bodyPr>
-          <a:lstStyle/>
-          <a:p>
-            <a:r>
-              <a:rPr lang="ja-JP" altLang="en-US" sz="2000" u="sng">
-                <a:latin typeface="MS PMincho" panose="02020600040205080304" pitchFamily="18" charset="-128"/>
-                <a:ea typeface="MS PMincho" panose="02020600040205080304" pitchFamily="18" charset="-128"/>
-              </a:rPr>
-              <a:t>　　　　　　　　　　　　　　　　様</a:t>
-            </a:r>
-            <a:endParaRPr lang="en-US" sz="2000" u="sng" dirty="0">
-              <a:latin typeface="MS PMincho" panose="02020600040205080304" pitchFamily="18" charset="-128"/>
-              <a:ea typeface="MS PMincho" panose="02020600040205080304" pitchFamily="18" charset="-128"/>
-            </a:endParaRPr>
-          </a:p>
-        </p:txBody>
-      </p:sp>
-      <p:sp>
-        <p:nvSpPr>
-          <p:cNvPr id="7" name="TextBox 6">
-            <a:extLst>
-              <a:ext uri="{FF2B5EF4-FFF2-40B4-BE49-F238E27FC236}">
-                <a16:creationId xmlns:a16="http://schemas.microsoft.com/office/drawing/2014/main" id="{B4D4C185-2E76-9744-BDC4-89CC1E44A0D7}"/>
-              </a:ext>
-            </a:extLst>
-          </p:cNvPr>
-          <p:cNvSpPr txBox="1"/>
-          <p:nvPr/>
-        </p:nvSpPr>
-        <p:spPr>
-          <a:xfrm>
-            <a:off x="4423106" y="2282740"/>
-            <a:ext cx="3345788" cy="1015663"/>
-          </a:xfrm>
-          <a:prstGeom prst="rect">
-            <a:avLst/>
-          </a:prstGeom>
-          <a:noFill/>
-        </p:spPr>
-        <p:txBody>
-          <a:bodyPr wrap="none" rtlCol="0">
-            <a:spAutoFit/>
-          </a:bodyPr>
-          <a:lstStyle/>
-          <a:p>
-            <a:pPr algn="ctr"/>
-            <a:r>
-              <a:rPr lang="en-US" sz="6000" b="1" u="sng" dirty="0">
-                <a:latin typeface="MS PMincho" panose="02020600040205080304" pitchFamily="18" charset="-128"/>
-                <a:ea typeface="MS PMincho" panose="02020600040205080304" pitchFamily="18" charset="-128"/>
-              </a:rPr>
-              <a:t>￥500 </a:t>
-            </a:r>
-            <a:r>
-              <a:rPr lang="en-US" sz="3000" b="1" u="sng" dirty="0">
-                <a:latin typeface="MS PMincho" panose="02020600040205080304" pitchFamily="18" charset="-128"/>
-                <a:ea typeface="MS PMincho" panose="02020600040205080304" pitchFamily="18" charset="-128"/>
-              </a:rPr>
-              <a:t>(</a:t>
-            </a:r>
-            <a:r>
-              <a:rPr lang="ja-JP" altLang="en-US" sz="3000" b="1" u="sng">
-                <a:latin typeface="MS PMincho" panose="02020600040205080304" pitchFamily="18" charset="-128"/>
-                <a:ea typeface="MS PMincho" panose="02020600040205080304" pitchFamily="18" charset="-128"/>
-              </a:rPr>
-              <a:t>税込</a:t>
-            </a:r>
-            <a:r>
-              <a:rPr lang="en-US" sz="3000" b="1" u="sng" dirty="0">
-                <a:latin typeface="MS PMincho" panose="02020600040205080304" pitchFamily="18" charset="-128"/>
-                <a:ea typeface="MS PMincho" panose="02020600040205080304" pitchFamily="18" charset="-128"/>
-              </a:rPr>
-              <a:t>)</a:t>
-            </a:r>
-          </a:p>
-        </p:txBody>
-      </p:sp>
-      <p:sp>
-        <p:nvSpPr>
-          <p:cNvPr id="8" name="TextBox 7">
-            <a:extLst>
-              <a:ext uri="{FF2B5EF4-FFF2-40B4-BE49-F238E27FC236}">
-                <a16:creationId xmlns:a16="http://schemas.microsoft.com/office/drawing/2014/main" id="{29B684C0-7E0F-DB46-B6AC-A6849DBDC544}"/>
-              </a:ext>
-            </a:extLst>
-          </p:cNvPr>
-          <p:cNvSpPr txBox="1"/>
-          <p:nvPr/>
-        </p:nvSpPr>
-        <p:spPr>
-          <a:xfrm>
-            <a:off x="4297269" y="3675130"/>
-            <a:ext cx="3597460" cy="830997"/>
-          </a:xfrm>
-          <a:prstGeom prst="rect">
-            <a:avLst/>
-          </a:prstGeom>
-          <a:noFill/>
-        </p:spPr>
-        <p:txBody>
-          <a:bodyPr wrap="none" rtlCol="0">
-            <a:spAutoFit/>
-          </a:bodyPr>
-          <a:lstStyle/>
-          <a:p>
-            <a:r>
-              <a:rPr lang="ja-JP" altLang="en-US" sz="2400">
-                <a:latin typeface="MS PMincho" panose="02020600040205080304" pitchFamily="18" charset="-128"/>
-                <a:ea typeface="MS PMincho" panose="02020600040205080304" pitchFamily="18" charset="-128"/>
-              </a:rPr>
-              <a:t>但　</a:t>
-            </a:r>
-            <a:r>
-              <a:rPr lang="ja-JP" altLang="en-US" sz="2400" u="sng">
-                <a:latin typeface="MS PMincho" panose="02020600040205080304" pitchFamily="18" charset="-128"/>
-                <a:ea typeface="MS PMincho" panose="02020600040205080304" pitchFamily="18" charset="-128"/>
-              </a:rPr>
-              <a:t>勉強会参加費として</a:t>
-            </a:r>
-            <a:endParaRPr lang="en-US" altLang="ja-JP" sz="2400" u="sng" dirty="0">
-              <a:latin typeface="MS PMincho" panose="02020600040205080304" pitchFamily="18" charset="-128"/>
-              <a:ea typeface="MS PMincho" panose="02020600040205080304" pitchFamily="18" charset="-128"/>
-            </a:endParaRPr>
-          </a:p>
-          <a:p>
-            <a:r>
-              <a:rPr lang="ja-JP" altLang="en-US" sz="2400">
-                <a:latin typeface="MS PMincho" panose="02020600040205080304" pitchFamily="18" charset="-128"/>
-                <a:ea typeface="MS PMincho" panose="02020600040205080304" pitchFamily="18" charset="-128"/>
-              </a:rPr>
-              <a:t>上記正に領収いたしました</a:t>
-            </a:r>
-            <a:endParaRPr lang="en-US" sz="2400" dirty="0">
-              <a:latin typeface="MS PMincho" panose="02020600040205080304" pitchFamily="18" charset="-128"/>
-              <a:ea typeface="MS PMincho" panose="02020600040205080304" pitchFamily="18" charset="-128"/>
-            </a:endParaRPr>
-          </a:p>
-        </p:txBody>
-      </p:sp>
-      <p:sp>
-        <p:nvSpPr>
-          <p:cNvPr id="10" name="TextBox 9">
-            <a:extLst>
-              <a:ext uri="{FF2B5EF4-FFF2-40B4-BE49-F238E27FC236}">
-                <a16:creationId xmlns:a16="http://schemas.microsoft.com/office/drawing/2014/main" id="{56C5080F-05F1-074F-8A8F-100D1D7CFEE3}"/>
-              </a:ext>
-            </a:extLst>
-          </p:cNvPr>
-          <p:cNvSpPr txBox="1"/>
-          <p:nvPr/>
-        </p:nvSpPr>
-        <p:spPr>
-          <a:xfrm>
-            <a:off x="1618635" y="4888507"/>
-            <a:ext cx="2448106" cy="1015663"/>
-          </a:xfrm>
-          <a:prstGeom prst="rect">
-            <a:avLst/>
-          </a:prstGeom>
-          <a:noFill/>
-        </p:spPr>
-        <p:txBody>
-          <a:bodyPr wrap="none" rtlCol="0">
-            <a:spAutoFit/>
-          </a:bodyPr>
-          <a:lstStyle/>
-          <a:p>
-            <a:r>
-              <a:rPr lang="ja-JP" altLang="en-US" sz="2000" u="sng">
-                <a:latin typeface="MS PMincho" panose="02020600040205080304" pitchFamily="18" charset="-128"/>
-                <a:ea typeface="MS PMincho" panose="02020600040205080304" pitchFamily="18" charset="-128"/>
-              </a:rPr>
-              <a:t>内訳　　　　　　　　</a:t>
-            </a:r>
-            <a:r>
-              <a:rPr lang="en-US" altLang="ja-JP" sz="2000" u="sng" dirty="0">
-                <a:latin typeface="MS PMincho" panose="02020600040205080304" pitchFamily="18" charset="-128"/>
-                <a:ea typeface="MS PMincho" panose="02020600040205080304" pitchFamily="18" charset="-128"/>
-              </a:rPr>
-              <a:t>   </a:t>
-            </a:r>
-            <a:r>
-              <a:rPr lang="ja-JP" altLang="en-US" sz="2000" u="sng">
-                <a:latin typeface="MS PMincho" panose="02020600040205080304" pitchFamily="18" charset="-128"/>
-                <a:ea typeface="MS PMincho" panose="02020600040205080304" pitchFamily="18" charset="-128"/>
-              </a:rPr>
-              <a:t>　</a:t>
-            </a:r>
-            <a:endParaRPr lang="en-US" altLang="ja-JP" sz="2000" u="sng" dirty="0">
-              <a:latin typeface="MS PMincho" panose="02020600040205080304" pitchFamily="18" charset="-128"/>
-              <a:ea typeface="MS PMincho" panose="02020600040205080304" pitchFamily="18" charset="-128"/>
-            </a:endParaRPr>
-          </a:p>
-          <a:p>
-            <a:r>
-              <a:rPr lang="ja-JP" altLang="en-US" sz="2000">
-                <a:latin typeface="MS PMincho" panose="02020600040205080304" pitchFamily="18" charset="-128"/>
-                <a:ea typeface="MS PMincho" panose="02020600040205080304" pitchFamily="18" charset="-128"/>
-              </a:rPr>
-              <a:t>税抜き金額  </a:t>
-            </a:r>
-            <a:r>
-              <a:rPr lang="en-US" altLang="ja-JP" sz="2000" dirty="0">
-                <a:latin typeface="MS PMincho" panose="02020600040205080304" pitchFamily="18" charset="-128"/>
-                <a:ea typeface="MS PMincho" panose="02020600040205080304" pitchFamily="18" charset="-128"/>
-              </a:rPr>
-              <a:t>  </a:t>
-            </a:r>
-            <a:r>
-              <a:rPr lang="ja-JP" altLang="en-US" sz="2000">
-                <a:latin typeface="MS PMincho" panose="02020600040205080304" pitchFamily="18" charset="-128"/>
-                <a:ea typeface="MS PMincho" panose="02020600040205080304" pitchFamily="18" charset="-128"/>
-              </a:rPr>
-              <a:t>￥</a:t>
-            </a:r>
-            <a:r>
-              <a:rPr lang="en-US" altLang="ja-JP" sz="2000" dirty="0">
-                <a:latin typeface="MS PMincho" panose="02020600040205080304" pitchFamily="18" charset="-128"/>
-                <a:ea typeface="MS PMincho" panose="02020600040205080304" pitchFamily="18" charset="-128"/>
-              </a:rPr>
-              <a:t>463</a:t>
-            </a:r>
-          </a:p>
-          <a:p>
-            <a:r>
-              <a:rPr lang="ja-JP" altLang="en-US" sz="2000">
-                <a:latin typeface="MS PMincho" panose="02020600040205080304" pitchFamily="18" charset="-128"/>
-                <a:ea typeface="MS PMincho" panose="02020600040205080304" pitchFamily="18" charset="-128"/>
-              </a:rPr>
-              <a:t>消費税</a:t>
-            </a:r>
-            <a:r>
-              <a:rPr lang="en-US" altLang="ja-JP" sz="2000" dirty="0">
-                <a:latin typeface="MS PMincho" panose="02020600040205080304" pitchFamily="18" charset="-128"/>
-                <a:ea typeface="MS PMincho" panose="02020600040205080304" pitchFamily="18" charset="-128"/>
-              </a:rPr>
-              <a:t>(8%)</a:t>
-            </a:r>
-            <a:r>
-              <a:rPr lang="ja-JP" altLang="en-US" sz="2000">
-                <a:latin typeface="MS PMincho" panose="02020600040205080304" pitchFamily="18" charset="-128"/>
-                <a:ea typeface="MS PMincho" panose="02020600040205080304" pitchFamily="18" charset="-128"/>
-              </a:rPr>
-              <a:t>額</a:t>
-            </a:r>
-            <a:r>
-              <a:rPr lang="en-US" altLang="ja-JP" sz="2000" dirty="0">
-                <a:latin typeface="MS PMincho" panose="02020600040205080304" pitchFamily="18" charset="-128"/>
-                <a:ea typeface="MS PMincho" panose="02020600040205080304" pitchFamily="18" charset="-128"/>
-              </a:rPr>
-              <a:t> </a:t>
-            </a:r>
-            <a:r>
-              <a:rPr lang="ja-JP" altLang="en-US" sz="2000">
-                <a:latin typeface="MS PMincho" panose="02020600040205080304" pitchFamily="18" charset="-128"/>
-                <a:ea typeface="MS PMincho" panose="02020600040205080304" pitchFamily="18" charset="-128"/>
-              </a:rPr>
-              <a:t>  ￥</a:t>
-            </a:r>
-            <a:r>
-              <a:rPr lang="en-US" altLang="ja-JP" sz="2000" dirty="0">
-                <a:latin typeface="MS PMincho" panose="02020600040205080304" pitchFamily="18" charset="-128"/>
-                <a:ea typeface="MS PMincho" panose="02020600040205080304" pitchFamily="18" charset="-128"/>
-              </a:rPr>
-              <a:t>37</a:t>
-            </a:r>
-            <a:endParaRPr lang="en-US" sz="2000" dirty="0">
-              <a:latin typeface="MS PMincho" panose="02020600040205080304" pitchFamily="18" charset="-128"/>
-              <a:ea typeface="MS PMincho" panose="02020600040205080304" pitchFamily="18" charset="-128"/>
-            </a:endParaRPr>
-          </a:p>
-        </p:txBody>
-      </p:sp>
-      <p:sp>
-        <p:nvSpPr>
-          <p:cNvPr id="11" name="TextBox 10">
-            <a:extLst>
-              <a:ext uri="{FF2B5EF4-FFF2-40B4-BE49-F238E27FC236}">
-                <a16:creationId xmlns:a16="http://schemas.microsoft.com/office/drawing/2014/main" id="{6E16820D-7117-6C49-986E-38BC06D76494}"/>
-              </a:ext>
-            </a:extLst>
-          </p:cNvPr>
-          <p:cNvSpPr txBox="1"/>
-          <p:nvPr/>
-        </p:nvSpPr>
-        <p:spPr>
-          <a:xfrm>
-            <a:off x="6545670" y="4882854"/>
-            <a:ext cx="5112297" cy="1200329"/>
-          </a:xfrm>
-          <a:prstGeom prst="rect">
-            <a:avLst/>
-          </a:prstGeom>
-          <a:noFill/>
-        </p:spPr>
-        <p:txBody>
-          <a:bodyPr wrap="none" rtlCol="0">
-            <a:spAutoFit/>
-          </a:bodyPr>
-          <a:lstStyle/>
-          <a:p>
-            <a:r>
-              <a:rPr lang="ja-JP" altLang="en-US">
-                <a:latin typeface="MS PMincho" panose="02020600040205080304" pitchFamily="18" charset="-128"/>
-                <a:ea typeface="MS PMincho" panose="02020600040205080304" pitchFamily="18" charset="-128"/>
-              </a:rPr>
-              <a:t>〒</a:t>
-            </a:r>
-            <a:r>
-              <a:rPr lang="en-US" altLang="ja-JP" dirty="0">
-                <a:latin typeface="MS PMincho" panose="02020600040205080304" pitchFamily="18" charset="-128"/>
-                <a:ea typeface="MS PMincho" panose="02020600040205080304" pitchFamily="18" charset="-128"/>
-              </a:rPr>
-              <a:t>1</a:t>
-            </a:r>
-            <a:r>
-              <a:rPr lang="ja-JP" altLang="en-US">
-                <a:latin typeface="MS PMincho" panose="02020600040205080304" pitchFamily="18" charset="-128"/>
-                <a:ea typeface="MS PMincho" panose="02020600040205080304" pitchFamily="18" charset="-128"/>
-              </a:rPr>
-              <a:t> </a:t>
-            </a:r>
-            <a:r>
-              <a:rPr lang="en-US" altLang="ja-JP" dirty="0">
-                <a:latin typeface="MS PMincho" panose="02020600040205080304" pitchFamily="18" charset="-128"/>
-                <a:ea typeface="MS PMincho" panose="02020600040205080304" pitchFamily="18" charset="-128"/>
-              </a:rPr>
-              <a:t>03-0023</a:t>
-            </a:r>
-            <a:br>
-              <a:rPr lang="en-US" altLang="ja-JP" dirty="0">
-                <a:latin typeface="MS PMincho" panose="02020600040205080304" pitchFamily="18" charset="-128"/>
-                <a:ea typeface="MS PMincho" panose="02020600040205080304" pitchFamily="18" charset="-128"/>
-              </a:rPr>
-            </a:br>
-            <a:r>
-              <a:rPr lang="ja-JP" altLang="en-US">
-                <a:latin typeface="MS PMincho" panose="02020600040205080304" pitchFamily="18" charset="-128"/>
-                <a:ea typeface="MS PMincho" panose="02020600040205080304" pitchFamily="18" charset="-128"/>
-              </a:rPr>
-              <a:t>東京都中央区日本橋本町</a:t>
-            </a:r>
-            <a:r>
-              <a:rPr lang="en-US" altLang="ja-JP" dirty="0">
-                <a:latin typeface="MS PMincho" panose="02020600040205080304" pitchFamily="18" charset="-128"/>
-                <a:ea typeface="MS PMincho" panose="02020600040205080304" pitchFamily="18" charset="-128"/>
-              </a:rPr>
-              <a:t>4-8-16 </a:t>
-            </a:r>
-            <a:r>
-              <a:rPr lang="ja-JP" altLang="en-US">
-                <a:latin typeface="MS PMincho" panose="02020600040205080304" pitchFamily="18" charset="-128"/>
-                <a:ea typeface="MS PMincho" panose="02020600040205080304" pitchFamily="18" charset="-128"/>
-              </a:rPr>
-              <a:t>千城ビル</a:t>
-            </a:r>
-            <a:r>
-              <a:rPr lang="en-US" altLang="ja-JP" dirty="0">
-                <a:latin typeface="MS PMincho" panose="02020600040205080304" pitchFamily="18" charset="-128"/>
-                <a:ea typeface="MS PMincho" panose="02020600040205080304" pitchFamily="18" charset="-128"/>
-              </a:rPr>
-              <a:t>5</a:t>
-            </a:r>
-            <a:r>
-              <a:rPr lang="en-US" dirty="0">
-                <a:latin typeface="MS PMincho" panose="02020600040205080304" pitchFamily="18" charset="-128"/>
-                <a:ea typeface="MS PMincho" panose="02020600040205080304" pitchFamily="18" charset="-128"/>
-              </a:rPr>
-              <a:t>F </a:t>
-            </a:r>
-            <a:r>
-              <a:rPr lang="en-US" dirty="0" err="1">
-                <a:latin typeface="MS PMincho" panose="02020600040205080304" pitchFamily="18" charset="-128"/>
-                <a:ea typeface="MS PMincho" panose="02020600040205080304" pitchFamily="18" charset="-128"/>
-              </a:rPr>
-              <a:t>BcH</a:t>
-            </a:r>
-            <a:endParaRPr lang="en-US" altLang="ja-JP" dirty="0">
-              <a:latin typeface="MS PMincho" panose="02020600040205080304" pitchFamily="18" charset="-128"/>
-              <a:ea typeface="MS PMincho" panose="02020600040205080304" pitchFamily="18" charset="-128"/>
-            </a:endParaRPr>
-          </a:p>
-          <a:p>
-            <a:r>
-              <a:rPr lang="ja-JP" altLang="en-US">
-                <a:latin typeface="MS PMincho" panose="02020600040205080304" pitchFamily="18" charset="-128"/>
-                <a:ea typeface="MS PMincho" panose="02020600040205080304" pitchFamily="18" charset="-128"/>
-              </a:rPr>
-              <a:t>株式会社ゼタント</a:t>
-            </a:r>
-            <a:endParaRPr lang="en-US" altLang="ja-JP" dirty="0">
-              <a:latin typeface="MS PMincho" panose="02020600040205080304" pitchFamily="18" charset="-128"/>
-              <a:ea typeface="MS PMincho" panose="02020600040205080304" pitchFamily="18" charset="-128"/>
-            </a:endParaRPr>
-          </a:p>
-          <a:p>
-            <a:r>
-              <a:rPr lang="en-US" dirty="0">
-                <a:latin typeface="MS PMincho" panose="02020600040205080304" pitchFamily="18" charset="-128"/>
-                <a:ea typeface="MS PMincho" panose="02020600040205080304" pitchFamily="18" charset="-128"/>
-              </a:rPr>
-              <a:t>TEL: 03-5734-1161</a:t>
-            </a:r>
-          </a:p>
-        </p:txBody>
-      </p:sp>
-    </p:spTree>
-    <p:extLst>
-      <p:ext uri="{BB962C8B-B14F-4D97-AF65-F5344CB8AC3E}">
-        <p14:creationId xmlns:p14="http://schemas.microsoft.com/office/powerpoint/2010/main" val="14052415"/>
-      </p:ext>
-    </p:extLst>
-  </p:cSld>
-  <p:clrMapOvr>
-    <a:masterClrMapping/>
-  </p:clrMapOvr>
-</p:sld>
-</file>
-
-<file path=ppt/slides/slide14.xml><?xml version="1.0" encoding="utf-8"?>
-<p:sld xmlns:a="http://schemas.openxmlformats.org/drawingml/2006/main" xmlns:r="http://schemas.openxmlformats.org/officeDocument/2006/relationships" xmlns:p="http://schemas.openxmlformats.org/presentationml/2006/main">
-  <p:cSld>
-    <p:spTree>
-      <p:nvGrpSpPr>
-        <p:cNvPr id="1" name=""/>
-        <p:cNvGrpSpPr/>
-        <p:nvPr/>
-      </p:nvGrpSpPr>
-      <p:grpSpPr>
-        <a:xfrm>
-          <a:off x="0" y="0"/>
-          <a:ext cx="0" cy="0"/>
-          <a:chOff x="0" y="0"/>
-          <a:chExt cx="0" cy="0"/>
-        </a:xfrm>
-      </p:grpSpPr>
-      <p:sp>
-        <p:nvSpPr>
-          <p:cNvPr id="4" name="TextBox 3">
-            <a:extLst>
-              <a:ext uri="{FF2B5EF4-FFF2-40B4-BE49-F238E27FC236}">
-                <a16:creationId xmlns:a16="http://schemas.microsoft.com/office/drawing/2014/main" id="{CE4A5ADC-C63F-5C4B-BF79-AB5FFF7F654A}"/>
-              </a:ext>
-            </a:extLst>
-          </p:cNvPr>
-          <p:cNvSpPr txBox="1"/>
-          <p:nvPr/>
-        </p:nvSpPr>
-        <p:spPr>
-          <a:xfrm>
-            <a:off x="5037056" y="546538"/>
-            <a:ext cx="2117887" cy="861774"/>
-          </a:xfrm>
-          <a:prstGeom prst="rect">
-            <a:avLst/>
-          </a:prstGeom>
-          <a:noFill/>
-        </p:spPr>
-        <p:txBody>
-          <a:bodyPr wrap="none" rtlCol="0">
-            <a:spAutoFit/>
-          </a:bodyPr>
-          <a:lstStyle/>
-          <a:p>
-            <a:pPr algn="ctr"/>
-            <a:r>
-              <a:rPr lang="ja-JP" altLang="en-US" sz="5000" b="1">
-                <a:latin typeface="MS PMincho" panose="02020600040205080304" pitchFamily="18" charset="-128"/>
-                <a:ea typeface="MS PMincho" panose="02020600040205080304" pitchFamily="18" charset="-128"/>
-              </a:rPr>
-              <a:t>領収書</a:t>
-            </a:r>
-            <a:endParaRPr lang="en-US" sz="5000" b="1" dirty="0">
-              <a:latin typeface="MS PMincho" panose="02020600040205080304" pitchFamily="18" charset="-128"/>
-              <a:ea typeface="MS PMincho" panose="02020600040205080304" pitchFamily="18" charset="-128"/>
-            </a:endParaRPr>
-          </a:p>
-        </p:txBody>
-      </p:sp>
-      <p:sp>
-        <p:nvSpPr>
-          <p:cNvPr id="5" name="TextBox 4">
-            <a:extLst>
-              <a:ext uri="{FF2B5EF4-FFF2-40B4-BE49-F238E27FC236}">
-                <a16:creationId xmlns:a16="http://schemas.microsoft.com/office/drawing/2014/main" id="{6AB7C405-EBA8-2D41-A6E8-9C8C1B1B8913}"/>
-              </a:ext>
-            </a:extLst>
-          </p:cNvPr>
-          <p:cNvSpPr txBox="1"/>
-          <p:nvPr/>
-        </p:nvSpPr>
-        <p:spPr>
-          <a:xfrm>
-            <a:off x="8407189" y="546538"/>
-            <a:ext cx="1696298" cy="369332"/>
-          </a:xfrm>
-          <a:prstGeom prst="rect">
-            <a:avLst/>
-          </a:prstGeom>
-          <a:noFill/>
-        </p:spPr>
-        <p:txBody>
-          <a:bodyPr wrap="none" rtlCol="0">
-            <a:spAutoFit/>
-          </a:bodyPr>
-          <a:lstStyle/>
-          <a:p>
-            <a:r>
-              <a:rPr lang="en-US" u="sng" dirty="0">
-                <a:latin typeface="MS PMincho" panose="02020600040205080304" pitchFamily="18" charset="-128"/>
-                <a:ea typeface="MS PMincho" panose="02020600040205080304" pitchFamily="18" charset="-128"/>
-              </a:rPr>
-              <a:t>2019</a:t>
-            </a:r>
-            <a:r>
-              <a:rPr lang="ja-JP" altLang="en-US" u="sng">
-                <a:latin typeface="MS PMincho" panose="02020600040205080304" pitchFamily="18" charset="-128"/>
-                <a:ea typeface="MS PMincho" panose="02020600040205080304" pitchFamily="18" charset="-128"/>
-              </a:rPr>
-              <a:t>年</a:t>
-            </a:r>
-            <a:r>
-              <a:rPr lang="en-US" altLang="ja-JP" u="sng" dirty="0">
-                <a:latin typeface="MS PMincho" panose="02020600040205080304" pitchFamily="18" charset="-128"/>
-                <a:ea typeface="MS PMincho" panose="02020600040205080304" pitchFamily="18" charset="-128"/>
-              </a:rPr>
-              <a:t>9</a:t>
-            </a:r>
-            <a:r>
-              <a:rPr lang="ja-JP" altLang="en-US" u="sng">
-                <a:latin typeface="MS PMincho" panose="02020600040205080304" pitchFamily="18" charset="-128"/>
-                <a:ea typeface="MS PMincho" panose="02020600040205080304" pitchFamily="18" charset="-128"/>
-              </a:rPr>
-              <a:t>月</a:t>
-            </a:r>
-            <a:r>
-              <a:rPr lang="en-US" altLang="ja-JP" u="sng" dirty="0">
-                <a:latin typeface="MS PMincho" panose="02020600040205080304" pitchFamily="18" charset="-128"/>
-                <a:ea typeface="MS PMincho" panose="02020600040205080304" pitchFamily="18" charset="-128"/>
-              </a:rPr>
-              <a:t>19</a:t>
-            </a:r>
-            <a:r>
-              <a:rPr lang="ja-JP" altLang="en-US" u="sng">
-                <a:latin typeface="MS PMincho" panose="02020600040205080304" pitchFamily="18" charset="-128"/>
-                <a:ea typeface="MS PMincho" panose="02020600040205080304" pitchFamily="18" charset="-128"/>
-              </a:rPr>
-              <a:t>日</a:t>
-            </a:r>
-            <a:endParaRPr lang="en-US" u="sng" dirty="0">
-              <a:latin typeface="MS PMincho" panose="02020600040205080304" pitchFamily="18" charset="-128"/>
-              <a:ea typeface="MS PMincho" panose="02020600040205080304" pitchFamily="18" charset="-128"/>
-            </a:endParaRPr>
-          </a:p>
-        </p:txBody>
-      </p:sp>
-      <p:sp>
-        <p:nvSpPr>
-          <p:cNvPr id="6" name="TextBox 5">
-            <a:extLst>
-              <a:ext uri="{FF2B5EF4-FFF2-40B4-BE49-F238E27FC236}">
-                <a16:creationId xmlns:a16="http://schemas.microsoft.com/office/drawing/2014/main" id="{57203D7A-B859-D54C-AFC2-25EE7E0097D2}"/>
-              </a:ext>
-            </a:extLst>
-          </p:cNvPr>
-          <p:cNvSpPr txBox="1"/>
-          <p:nvPr/>
-        </p:nvSpPr>
-        <p:spPr>
-          <a:xfrm>
-            <a:off x="1360812" y="1775296"/>
-            <a:ext cx="3159839" cy="400110"/>
-          </a:xfrm>
-          <a:prstGeom prst="rect">
-            <a:avLst/>
-          </a:prstGeom>
-          <a:noFill/>
-        </p:spPr>
-        <p:txBody>
-          <a:bodyPr wrap="none" rtlCol="0">
-            <a:spAutoFit/>
-          </a:bodyPr>
-          <a:lstStyle/>
-          <a:p>
-            <a:r>
-              <a:rPr lang="ja-JP" altLang="en-US" sz="2000" u="sng">
-                <a:latin typeface="MS PMincho" panose="02020600040205080304" pitchFamily="18" charset="-128"/>
-                <a:ea typeface="MS PMincho" panose="02020600040205080304" pitchFamily="18" charset="-128"/>
-              </a:rPr>
-              <a:t>　　　　　　　　　　　　　　　　様</a:t>
-            </a:r>
-            <a:endParaRPr lang="en-US" sz="2000" u="sng" dirty="0">
-              <a:latin typeface="MS PMincho" panose="02020600040205080304" pitchFamily="18" charset="-128"/>
-              <a:ea typeface="MS PMincho" panose="02020600040205080304" pitchFamily="18" charset="-128"/>
-            </a:endParaRPr>
-          </a:p>
-        </p:txBody>
-      </p:sp>
-      <p:sp>
-        <p:nvSpPr>
-          <p:cNvPr id="7" name="TextBox 6">
-            <a:extLst>
-              <a:ext uri="{FF2B5EF4-FFF2-40B4-BE49-F238E27FC236}">
-                <a16:creationId xmlns:a16="http://schemas.microsoft.com/office/drawing/2014/main" id="{B4D4C185-2E76-9744-BDC4-89CC1E44A0D7}"/>
-              </a:ext>
-            </a:extLst>
-          </p:cNvPr>
-          <p:cNvSpPr txBox="1"/>
-          <p:nvPr/>
-        </p:nvSpPr>
-        <p:spPr>
-          <a:xfrm>
-            <a:off x="4423106" y="2282740"/>
-            <a:ext cx="3345788" cy="1015663"/>
-          </a:xfrm>
-          <a:prstGeom prst="rect">
-            <a:avLst/>
-          </a:prstGeom>
-          <a:noFill/>
-        </p:spPr>
-        <p:txBody>
-          <a:bodyPr wrap="none" rtlCol="0">
-            <a:spAutoFit/>
-          </a:bodyPr>
-          <a:lstStyle/>
-          <a:p>
-            <a:pPr algn="ctr"/>
-            <a:r>
-              <a:rPr lang="en-US" sz="6000" b="1" u="sng" dirty="0">
-                <a:latin typeface="MS PMincho" panose="02020600040205080304" pitchFamily="18" charset="-128"/>
-                <a:ea typeface="MS PMincho" panose="02020600040205080304" pitchFamily="18" charset="-128"/>
-              </a:rPr>
-              <a:t>￥500 </a:t>
-            </a:r>
-            <a:r>
-              <a:rPr lang="en-US" sz="3000" b="1" u="sng" dirty="0">
-                <a:latin typeface="MS PMincho" panose="02020600040205080304" pitchFamily="18" charset="-128"/>
-                <a:ea typeface="MS PMincho" panose="02020600040205080304" pitchFamily="18" charset="-128"/>
-              </a:rPr>
-              <a:t>(</a:t>
-            </a:r>
-            <a:r>
-              <a:rPr lang="ja-JP" altLang="en-US" sz="3000" b="1" u="sng">
-                <a:latin typeface="MS PMincho" panose="02020600040205080304" pitchFamily="18" charset="-128"/>
-                <a:ea typeface="MS PMincho" panose="02020600040205080304" pitchFamily="18" charset="-128"/>
-              </a:rPr>
-              <a:t>税込</a:t>
-            </a:r>
-            <a:r>
-              <a:rPr lang="en-US" sz="3000" b="1" u="sng" dirty="0">
-                <a:latin typeface="MS PMincho" panose="02020600040205080304" pitchFamily="18" charset="-128"/>
-                <a:ea typeface="MS PMincho" panose="02020600040205080304" pitchFamily="18" charset="-128"/>
-              </a:rPr>
-              <a:t>)</a:t>
-            </a:r>
-          </a:p>
-        </p:txBody>
-      </p:sp>
-      <p:sp>
-        <p:nvSpPr>
-          <p:cNvPr id="8" name="TextBox 7">
-            <a:extLst>
-              <a:ext uri="{FF2B5EF4-FFF2-40B4-BE49-F238E27FC236}">
-                <a16:creationId xmlns:a16="http://schemas.microsoft.com/office/drawing/2014/main" id="{29B684C0-7E0F-DB46-B6AC-A6849DBDC544}"/>
-              </a:ext>
-            </a:extLst>
-          </p:cNvPr>
-          <p:cNvSpPr txBox="1"/>
-          <p:nvPr/>
-        </p:nvSpPr>
-        <p:spPr>
-          <a:xfrm>
-            <a:off x="4297269" y="3675130"/>
-            <a:ext cx="3597460" cy="830997"/>
-          </a:xfrm>
-          <a:prstGeom prst="rect">
-            <a:avLst/>
-          </a:prstGeom>
-          <a:noFill/>
-        </p:spPr>
-        <p:txBody>
-          <a:bodyPr wrap="none" rtlCol="0">
-            <a:spAutoFit/>
-          </a:bodyPr>
-          <a:lstStyle/>
-          <a:p>
-            <a:r>
-              <a:rPr lang="ja-JP" altLang="en-US" sz="2400">
-                <a:latin typeface="MS PMincho" panose="02020600040205080304" pitchFamily="18" charset="-128"/>
-                <a:ea typeface="MS PMincho" panose="02020600040205080304" pitchFamily="18" charset="-128"/>
-              </a:rPr>
-              <a:t>但　</a:t>
-            </a:r>
-            <a:r>
-              <a:rPr lang="ja-JP" altLang="en-US" sz="2400" u="sng">
-                <a:latin typeface="MS PMincho" panose="02020600040205080304" pitchFamily="18" charset="-128"/>
-                <a:ea typeface="MS PMincho" panose="02020600040205080304" pitchFamily="18" charset="-128"/>
-              </a:rPr>
-              <a:t>勉強会参加費として</a:t>
-            </a:r>
-            <a:endParaRPr lang="en-US" altLang="ja-JP" sz="2400" u="sng" dirty="0">
-              <a:latin typeface="MS PMincho" panose="02020600040205080304" pitchFamily="18" charset="-128"/>
-              <a:ea typeface="MS PMincho" panose="02020600040205080304" pitchFamily="18" charset="-128"/>
-            </a:endParaRPr>
-          </a:p>
-          <a:p>
-            <a:r>
-              <a:rPr lang="ja-JP" altLang="en-US" sz="2400">
-                <a:latin typeface="MS PMincho" panose="02020600040205080304" pitchFamily="18" charset="-128"/>
-                <a:ea typeface="MS PMincho" panose="02020600040205080304" pitchFamily="18" charset="-128"/>
-              </a:rPr>
-              <a:t>上記正に領収いたしました</a:t>
-            </a:r>
-            <a:endParaRPr lang="en-US" sz="2400" dirty="0">
-              <a:latin typeface="MS PMincho" panose="02020600040205080304" pitchFamily="18" charset="-128"/>
-              <a:ea typeface="MS PMincho" panose="02020600040205080304" pitchFamily="18" charset="-128"/>
-            </a:endParaRPr>
-          </a:p>
-        </p:txBody>
-      </p:sp>
-      <p:sp>
-        <p:nvSpPr>
-          <p:cNvPr id="10" name="TextBox 9">
-            <a:extLst>
-              <a:ext uri="{FF2B5EF4-FFF2-40B4-BE49-F238E27FC236}">
-                <a16:creationId xmlns:a16="http://schemas.microsoft.com/office/drawing/2014/main" id="{56C5080F-05F1-074F-8A8F-100D1D7CFEE3}"/>
-              </a:ext>
-            </a:extLst>
-          </p:cNvPr>
-          <p:cNvSpPr txBox="1"/>
-          <p:nvPr/>
-        </p:nvSpPr>
-        <p:spPr>
-          <a:xfrm>
-            <a:off x="1618635" y="4888507"/>
-            <a:ext cx="2448106" cy="1015663"/>
-          </a:xfrm>
-          <a:prstGeom prst="rect">
-            <a:avLst/>
-          </a:prstGeom>
-          <a:noFill/>
-        </p:spPr>
-        <p:txBody>
-          <a:bodyPr wrap="none" rtlCol="0">
-            <a:spAutoFit/>
-          </a:bodyPr>
-          <a:lstStyle/>
-          <a:p>
-            <a:r>
-              <a:rPr lang="ja-JP" altLang="en-US" sz="2000" u="sng">
-                <a:latin typeface="MS PMincho" panose="02020600040205080304" pitchFamily="18" charset="-128"/>
-                <a:ea typeface="MS PMincho" panose="02020600040205080304" pitchFamily="18" charset="-128"/>
-              </a:rPr>
-              <a:t>内訳　　　　　　　　</a:t>
-            </a:r>
-            <a:r>
-              <a:rPr lang="en-US" altLang="ja-JP" sz="2000" u="sng" dirty="0">
-                <a:latin typeface="MS PMincho" panose="02020600040205080304" pitchFamily="18" charset="-128"/>
-                <a:ea typeface="MS PMincho" panose="02020600040205080304" pitchFamily="18" charset="-128"/>
-              </a:rPr>
-              <a:t>   </a:t>
-            </a:r>
-            <a:r>
-              <a:rPr lang="ja-JP" altLang="en-US" sz="2000" u="sng">
-                <a:latin typeface="MS PMincho" panose="02020600040205080304" pitchFamily="18" charset="-128"/>
-                <a:ea typeface="MS PMincho" panose="02020600040205080304" pitchFamily="18" charset="-128"/>
-              </a:rPr>
-              <a:t>　</a:t>
-            </a:r>
-            <a:endParaRPr lang="en-US" altLang="ja-JP" sz="2000" u="sng" dirty="0">
-              <a:latin typeface="MS PMincho" panose="02020600040205080304" pitchFamily="18" charset="-128"/>
-              <a:ea typeface="MS PMincho" panose="02020600040205080304" pitchFamily="18" charset="-128"/>
-            </a:endParaRPr>
-          </a:p>
-          <a:p>
-            <a:r>
-              <a:rPr lang="ja-JP" altLang="en-US" sz="2000">
-                <a:latin typeface="MS PMincho" panose="02020600040205080304" pitchFamily="18" charset="-128"/>
-                <a:ea typeface="MS PMincho" panose="02020600040205080304" pitchFamily="18" charset="-128"/>
-              </a:rPr>
-              <a:t>税抜き金額  </a:t>
-            </a:r>
-            <a:r>
-              <a:rPr lang="en-US" altLang="ja-JP" sz="2000" dirty="0">
-                <a:latin typeface="MS PMincho" panose="02020600040205080304" pitchFamily="18" charset="-128"/>
-                <a:ea typeface="MS PMincho" panose="02020600040205080304" pitchFamily="18" charset="-128"/>
-              </a:rPr>
-              <a:t>  </a:t>
-            </a:r>
-            <a:r>
-              <a:rPr lang="ja-JP" altLang="en-US" sz="2000">
-                <a:latin typeface="MS PMincho" panose="02020600040205080304" pitchFamily="18" charset="-128"/>
-                <a:ea typeface="MS PMincho" panose="02020600040205080304" pitchFamily="18" charset="-128"/>
-              </a:rPr>
-              <a:t>￥</a:t>
-            </a:r>
-            <a:r>
-              <a:rPr lang="en-US" altLang="ja-JP" sz="2000" dirty="0">
-                <a:latin typeface="MS PMincho" panose="02020600040205080304" pitchFamily="18" charset="-128"/>
-                <a:ea typeface="MS PMincho" panose="02020600040205080304" pitchFamily="18" charset="-128"/>
-              </a:rPr>
-              <a:t>463</a:t>
-            </a:r>
-          </a:p>
-          <a:p>
-            <a:r>
-              <a:rPr lang="ja-JP" altLang="en-US" sz="2000">
-                <a:latin typeface="MS PMincho" panose="02020600040205080304" pitchFamily="18" charset="-128"/>
-                <a:ea typeface="MS PMincho" panose="02020600040205080304" pitchFamily="18" charset="-128"/>
-              </a:rPr>
-              <a:t>消費税</a:t>
-            </a:r>
-            <a:r>
-              <a:rPr lang="en-US" altLang="ja-JP" sz="2000" dirty="0">
-                <a:latin typeface="MS PMincho" panose="02020600040205080304" pitchFamily="18" charset="-128"/>
-                <a:ea typeface="MS PMincho" panose="02020600040205080304" pitchFamily="18" charset="-128"/>
-              </a:rPr>
-              <a:t>(8%)</a:t>
-            </a:r>
-            <a:r>
-              <a:rPr lang="ja-JP" altLang="en-US" sz="2000">
-                <a:latin typeface="MS PMincho" panose="02020600040205080304" pitchFamily="18" charset="-128"/>
-                <a:ea typeface="MS PMincho" panose="02020600040205080304" pitchFamily="18" charset="-128"/>
-              </a:rPr>
-              <a:t>額</a:t>
-            </a:r>
-            <a:r>
-              <a:rPr lang="en-US" altLang="ja-JP" sz="2000" dirty="0">
-                <a:latin typeface="MS PMincho" panose="02020600040205080304" pitchFamily="18" charset="-128"/>
-                <a:ea typeface="MS PMincho" panose="02020600040205080304" pitchFamily="18" charset="-128"/>
-              </a:rPr>
-              <a:t> </a:t>
-            </a:r>
-            <a:r>
-              <a:rPr lang="ja-JP" altLang="en-US" sz="2000">
-                <a:latin typeface="MS PMincho" panose="02020600040205080304" pitchFamily="18" charset="-128"/>
-                <a:ea typeface="MS PMincho" panose="02020600040205080304" pitchFamily="18" charset="-128"/>
-              </a:rPr>
-              <a:t>  ￥</a:t>
-            </a:r>
-            <a:r>
-              <a:rPr lang="en-US" altLang="ja-JP" sz="2000" dirty="0">
-                <a:latin typeface="MS PMincho" panose="02020600040205080304" pitchFamily="18" charset="-128"/>
-                <a:ea typeface="MS PMincho" panose="02020600040205080304" pitchFamily="18" charset="-128"/>
-              </a:rPr>
-              <a:t>37</a:t>
-            </a:r>
-            <a:endParaRPr lang="en-US" sz="2000" dirty="0">
-              <a:latin typeface="MS PMincho" panose="02020600040205080304" pitchFamily="18" charset="-128"/>
-              <a:ea typeface="MS PMincho" panose="02020600040205080304" pitchFamily="18" charset="-128"/>
-            </a:endParaRPr>
-          </a:p>
-        </p:txBody>
-      </p:sp>
-      <p:sp>
-        <p:nvSpPr>
-          <p:cNvPr id="11" name="TextBox 10">
-            <a:extLst>
-              <a:ext uri="{FF2B5EF4-FFF2-40B4-BE49-F238E27FC236}">
-                <a16:creationId xmlns:a16="http://schemas.microsoft.com/office/drawing/2014/main" id="{6E16820D-7117-6C49-986E-38BC06D76494}"/>
-              </a:ext>
-            </a:extLst>
-          </p:cNvPr>
-          <p:cNvSpPr txBox="1"/>
-          <p:nvPr/>
-        </p:nvSpPr>
-        <p:spPr>
-          <a:xfrm>
-            <a:off x="6545670" y="4882854"/>
-            <a:ext cx="5112297" cy="1200329"/>
-          </a:xfrm>
-          <a:prstGeom prst="rect">
-            <a:avLst/>
-          </a:prstGeom>
-          <a:noFill/>
-        </p:spPr>
-        <p:txBody>
-          <a:bodyPr wrap="none" rtlCol="0">
-            <a:spAutoFit/>
-          </a:bodyPr>
-          <a:lstStyle/>
-          <a:p>
-            <a:r>
-              <a:rPr lang="ja-JP" altLang="en-US">
-                <a:latin typeface="MS PMincho" panose="02020600040205080304" pitchFamily="18" charset="-128"/>
-                <a:ea typeface="MS PMincho" panose="02020600040205080304" pitchFamily="18" charset="-128"/>
-              </a:rPr>
-              <a:t>〒</a:t>
-            </a:r>
-            <a:r>
-              <a:rPr lang="en-US" altLang="ja-JP" dirty="0">
-                <a:latin typeface="MS PMincho" panose="02020600040205080304" pitchFamily="18" charset="-128"/>
-                <a:ea typeface="MS PMincho" panose="02020600040205080304" pitchFamily="18" charset="-128"/>
-              </a:rPr>
-              <a:t>1</a:t>
-            </a:r>
-            <a:r>
-              <a:rPr lang="ja-JP" altLang="en-US">
-                <a:latin typeface="MS PMincho" panose="02020600040205080304" pitchFamily="18" charset="-128"/>
-                <a:ea typeface="MS PMincho" panose="02020600040205080304" pitchFamily="18" charset="-128"/>
-              </a:rPr>
-              <a:t> </a:t>
-            </a:r>
-            <a:r>
-              <a:rPr lang="en-US" altLang="ja-JP" dirty="0">
-                <a:latin typeface="MS PMincho" panose="02020600040205080304" pitchFamily="18" charset="-128"/>
-                <a:ea typeface="MS PMincho" panose="02020600040205080304" pitchFamily="18" charset="-128"/>
-              </a:rPr>
-              <a:t>03-0023</a:t>
-            </a:r>
-            <a:br>
-              <a:rPr lang="en-US" altLang="ja-JP" dirty="0">
-                <a:latin typeface="MS PMincho" panose="02020600040205080304" pitchFamily="18" charset="-128"/>
-                <a:ea typeface="MS PMincho" panose="02020600040205080304" pitchFamily="18" charset="-128"/>
-              </a:rPr>
-            </a:br>
-            <a:r>
-              <a:rPr lang="ja-JP" altLang="en-US">
-                <a:latin typeface="MS PMincho" panose="02020600040205080304" pitchFamily="18" charset="-128"/>
-                <a:ea typeface="MS PMincho" panose="02020600040205080304" pitchFamily="18" charset="-128"/>
-              </a:rPr>
-              <a:t>東京都中央区日本橋本町</a:t>
-            </a:r>
-            <a:r>
-              <a:rPr lang="en-US" altLang="ja-JP" dirty="0">
-                <a:latin typeface="MS PMincho" panose="02020600040205080304" pitchFamily="18" charset="-128"/>
-                <a:ea typeface="MS PMincho" panose="02020600040205080304" pitchFamily="18" charset="-128"/>
-              </a:rPr>
-              <a:t>4-8-16 </a:t>
-            </a:r>
-            <a:r>
-              <a:rPr lang="ja-JP" altLang="en-US">
-                <a:latin typeface="MS PMincho" panose="02020600040205080304" pitchFamily="18" charset="-128"/>
-                <a:ea typeface="MS PMincho" panose="02020600040205080304" pitchFamily="18" charset="-128"/>
-              </a:rPr>
-              <a:t>千城ビル</a:t>
-            </a:r>
-            <a:r>
-              <a:rPr lang="en-US" altLang="ja-JP" dirty="0">
-                <a:latin typeface="MS PMincho" panose="02020600040205080304" pitchFamily="18" charset="-128"/>
-                <a:ea typeface="MS PMincho" panose="02020600040205080304" pitchFamily="18" charset="-128"/>
-              </a:rPr>
-              <a:t>5</a:t>
-            </a:r>
-            <a:r>
-              <a:rPr lang="en-US" dirty="0">
-                <a:latin typeface="MS PMincho" panose="02020600040205080304" pitchFamily="18" charset="-128"/>
-                <a:ea typeface="MS PMincho" panose="02020600040205080304" pitchFamily="18" charset="-128"/>
-              </a:rPr>
-              <a:t>F </a:t>
-            </a:r>
-            <a:r>
-              <a:rPr lang="en-US" dirty="0" err="1">
-                <a:latin typeface="MS PMincho" panose="02020600040205080304" pitchFamily="18" charset="-128"/>
-                <a:ea typeface="MS PMincho" panose="02020600040205080304" pitchFamily="18" charset="-128"/>
-              </a:rPr>
-              <a:t>BcH</a:t>
-            </a:r>
-            <a:endParaRPr lang="en-US" altLang="ja-JP" dirty="0">
-              <a:latin typeface="MS PMincho" panose="02020600040205080304" pitchFamily="18" charset="-128"/>
-              <a:ea typeface="MS PMincho" panose="02020600040205080304" pitchFamily="18" charset="-128"/>
-            </a:endParaRPr>
-          </a:p>
-          <a:p>
-            <a:r>
-              <a:rPr lang="ja-JP" altLang="en-US">
-                <a:latin typeface="MS PMincho" panose="02020600040205080304" pitchFamily="18" charset="-128"/>
-                <a:ea typeface="MS PMincho" panose="02020600040205080304" pitchFamily="18" charset="-128"/>
-              </a:rPr>
-              <a:t>株式会社ゼタント</a:t>
-            </a:r>
-            <a:endParaRPr lang="en-US" altLang="ja-JP" dirty="0">
-              <a:latin typeface="MS PMincho" panose="02020600040205080304" pitchFamily="18" charset="-128"/>
-              <a:ea typeface="MS PMincho" panose="02020600040205080304" pitchFamily="18" charset="-128"/>
-            </a:endParaRPr>
-          </a:p>
-          <a:p>
-            <a:r>
-              <a:rPr lang="en-US" dirty="0">
-                <a:latin typeface="MS PMincho" panose="02020600040205080304" pitchFamily="18" charset="-128"/>
-                <a:ea typeface="MS PMincho" panose="02020600040205080304" pitchFamily="18" charset="-128"/>
-              </a:rPr>
-              <a:t>TEL: 03-5734-1161</a:t>
-            </a:r>
-          </a:p>
-        </p:txBody>
-      </p:sp>
-    </p:spTree>
-    <p:extLst>
-      <p:ext uri="{BB962C8B-B14F-4D97-AF65-F5344CB8AC3E}">
-        <p14:creationId xmlns:p14="http://schemas.microsoft.com/office/powerpoint/2010/main" val="3660480457"/>
-      </p:ext>
-    </p:extLst>
-  </p:cSld>
-  <p:clrMapOvr>
-    <a:masterClrMapping/>
-  </p:clrMapOvr>
-</p:sld>
-</file>
-
-<file path=ppt/slides/slide15.xml><?xml version="1.0" encoding="utf-8"?>
-<p:sld xmlns:a="http://schemas.openxmlformats.org/drawingml/2006/main" xmlns:r="http://schemas.openxmlformats.org/officeDocument/2006/relationships" xmlns:p="http://schemas.openxmlformats.org/presentationml/2006/main">
-  <p:cSld>
-    <p:spTree>
-      <p:nvGrpSpPr>
-        <p:cNvPr id="1" name=""/>
-        <p:cNvGrpSpPr/>
-        <p:nvPr/>
-      </p:nvGrpSpPr>
-      <p:grpSpPr>
-        <a:xfrm>
-          <a:off x="0" y="0"/>
-          <a:ext cx="0" cy="0"/>
-          <a:chOff x="0" y="0"/>
-          <a:chExt cx="0" cy="0"/>
-        </a:xfrm>
-      </p:grpSpPr>
-      <p:sp>
-        <p:nvSpPr>
-          <p:cNvPr id="4" name="TextBox 3">
-            <a:extLst>
-              <a:ext uri="{FF2B5EF4-FFF2-40B4-BE49-F238E27FC236}">
-                <a16:creationId xmlns:a16="http://schemas.microsoft.com/office/drawing/2014/main" id="{CE4A5ADC-C63F-5C4B-BF79-AB5FFF7F654A}"/>
-              </a:ext>
-            </a:extLst>
-          </p:cNvPr>
-          <p:cNvSpPr txBox="1"/>
-          <p:nvPr/>
-        </p:nvSpPr>
-        <p:spPr>
-          <a:xfrm>
-            <a:off x="5037056" y="546538"/>
-            <a:ext cx="2117887" cy="861774"/>
-          </a:xfrm>
-          <a:prstGeom prst="rect">
-            <a:avLst/>
-          </a:prstGeom>
-          <a:noFill/>
-        </p:spPr>
-        <p:txBody>
-          <a:bodyPr wrap="none" rtlCol="0">
-            <a:spAutoFit/>
-          </a:bodyPr>
-          <a:lstStyle/>
-          <a:p>
-            <a:pPr algn="ctr"/>
-            <a:r>
-              <a:rPr lang="ja-JP" altLang="en-US" sz="5000" b="1">
-                <a:latin typeface="MS PMincho" panose="02020600040205080304" pitchFamily="18" charset="-128"/>
-                <a:ea typeface="MS PMincho" panose="02020600040205080304" pitchFamily="18" charset="-128"/>
-              </a:rPr>
-              <a:t>領収書</a:t>
-            </a:r>
-            <a:endParaRPr lang="en-US" sz="5000" b="1" dirty="0">
-              <a:latin typeface="MS PMincho" panose="02020600040205080304" pitchFamily="18" charset="-128"/>
-              <a:ea typeface="MS PMincho" panose="02020600040205080304" pitchFamily="18" charset="-128"/>
-            </a:endParaRPr>
-          </a:p>
-        </p:txBody>
-      </p:sp>
-      <p:sp>
-        <p:nvSpPr>
-          <p:cNvPr id="5" name="TextBox 4">
-            <a:extLst>
-              <a:ext uri="{FF2B5EF4-FFF2-40B4-BE49-F238E27FC236}">
-                <a16:creationId xmlns:a16="http://schemas.microsoft.com/office/drawing/2014/main" id="{6AB7C405-EBA8-2D41-A6E8-9C8C1B1B8913}"/>
-              </a:ext>
-            </a:extLst>
-          </p:cNvPr>
-          <p:cNvSpPr txBox="1"/>
-          <p:nvPr/>
-        </p:nvSpPr>
-        <p:spPr>
-          <a:xfrm>
-            <a:off x="8407189" y="546538"/>
-            <a:ext cx="1696298" cy="369332"/>
-          </a:xfrm>
-          <a:prstGeom prst="rect">
-            <a:avLst/>
-          </a:prstGeom>
-          <a:noFill/>
-        </p:spPr>
-        <p:txBody>
-          <a:bodyPr wrap="none" rtlCol="0">
-            <a:spAutoFit/>
-          </a:bodyPr>
-          <a:lstStyle/>
-          <a:p>
-            <a:r>
-              <a:rPr lang="en-US" u="sng" dirty="0">
-                <a:latin typeface="MS PMincho" panose="02020600040205080304" pitchFamily="18" charset="-128"/>
-                <a:ea typeface="MS PMincho" panose="02020600040205080304" pitchFamily="18" charset="-128"/>
-              </a:rPr>
-              <a:t>2019</a:t>
-            </a:r>
-            <a:r>
-              <a:rPr lang="ja-JP" altLang="en-US" u="sng">
-                <a:latin typeface="MS PMincho" panose="02020600040205080304" pitchFamily="18" charset="-128"/>
-                <a:ea typeface="MS PMincho" panose="02020600040205080304" pitchFamily="18" charset="-128"/>
-              </a:rPr>
-              <a:t>年</a:t>
-            </a:r>
-            <a:r>
-              <a:rPr lang="en-US" altLang="ja-JP" u="sng" dirty="0">
-                <a:latin typeface="MS PMincho" panose="02020600040205080304" pitchFamily="18" charset="-128"/>
-                <a:ea typeface="MS PMincho" panose="02020600040205080304" pitchFamily="18" charset="-128"/>
-              </a:rPr>
-              <a:t>9</a:t>
-            </a:r>
-            <a:r>
-              <a:rPr lang="ja-JP" altLang="en-US" u="sng">
-                <a:latin typeface="MS PMincho" panose="02020600040205080304" pitchFamily="18" charset="-128"/>
-                <a:ea typeface="MS PMincho" panose="02020600040205080304" pitchFamily="18" charset="-128"/>
-              </a:rPr>
-              <a:t>月</a:t>
-            </a:r>
-            <a:r>
-              <a:rPr lang="en-US" altLang="ja-JP" u="sng" dirty="0">
-                <a:latin typeface="MS PMincho" panose="02020600040205080304" pitchFamily="18" charset="-128"/>
-                <a:ea typeface="MS PMincho" panose="02020600040205080304" pitchFamily="18" charset="-128"/>
-              </a:rPr>
-              <a:t>19</a:t>
-            </a:r>
-            <a:r>
-              <a:rPr lang="ja-JP" altLang="en-US" u="sng">
-                <a:latin typeface="MS PMincho" panose="02020600040205080304" pitchFamily="18" charset="-128"/>
-                <a:ea typeface="MS PMincho" panose="02020600040205080304" pitchFamily="18" charset="-128"/>
-              </a:rPr>
-              <a:t>日</a:t>
-            </a:r>
-            <a:endParaRPr lang="en-US" u="sng" dirty="0">
-              <a:latin typeface="MS PMincho" panose="02020600040205080304" pitchFamily="18" charset="-128"/>
-              <a:ea typeface="MS PMincho" panose="02020600040205080304" pitchFamily="18" charset="-128"/>
-            </a:endParaRPr>
-          </a:p>
-        </p:txBody>
-      </p:sp>
-      <p:sp>
-        <p:nvSpPr>
-          <p:cNvPr id="6" name="TextBox 5">
-            <a:extLst>
-              <a:ext uri="{FF2B5EF4-FFF2-40B4-BE49-F238E27FC236}">
-                <a16:creationId xmlns:a16="http://schemas.microsoft.com/office/drawing/2014/main" id="{57203D7A-B859-D54C-AFC2-25EE7E0097D2}"/>
-              </a:ext>
-            </a:extLst>
-          </p:cNvPr>
-          <p:cNvSpPr txBox="1"/>
-          <p:nvPr/>
-        </p:nvSpPr>
-        <p:spPr>
-          <a:xfrm>
-            <a:off x="1360812" y="1775296"/>
-            <a:ext cx="3159839" cy="400110"/>
-          </a:xfrm>
-          <a:prstGeom prst="rect">
-            <a:avLst/>
-          </a:prstGeom>
-          <a:noFill/>
-        </p:spPr>
-        <p:txBody>
-          <a:bodyPr wrap="none" rtlCol="0">
-            <a:spAutoFit/>
-          </a:bodyPr>
-          <a:lstStyle/>
-          <a:p>
-            <a:r>
-              <a:rPr lang="ja-JP" altLang="en-US" sz="2000" u="sng">
-                <a:latin typeface="MS PMincho" panose="02020600040205080304" pitchFamily="18" charset="-128"/>
-                <a:ea typeface="MS PMincho" panose="02020600040205080304" pitchFamily="18" charset="-128"/>
-              </a:rPr>
-              <a:t>　　　　　　　　　　　　　　　　様</a:t>
-            </a:r>
-            <a:endParaRPr lang="en-US" sz="2000" u="sng" dirty="0">
-              <a:latin typeface="MS PMincho" panose="02020600040205080304" pitchFamily="18" charset="-128"/>
-              <a:ea typeface="MS PMincho" panose="02020600040205080304" pitchFamily="18" charset="-128"/>
-            </a:endParaRPr>
-          </a:p>
-        </p:txBody>
-      </p:sp>
-      <p:sp>
-        <p:nvSpPr>
-          <p:cNvPr id="7" name="TextBox 6">
-            <a:extLst>
-              <a:ext uri="{FF2B5EF4-FFF2-40B4-BE49-F238E27FC236}">
-                <a16:creationId xmlns:a16="http://schemas.microsoft.com/office/drawing/2014/main" id="{B4D4C185-2E76-9744-BDC4-89CC1E44A0D7}"/>
-              </a:ext>
-            </a:extLst>
-          </p:cNvPr>
-          <p:cNvSpPr txBox="1"/>
-          <p:nvPr/>
-        </p:nvSpPr>
-        <p:spPr>
-          <a:xfrm>
-            <a:off x="4423106" y="2282740"/>
-            <a:ext cx="3345788" cy="1015663"/>
-          </a:xfrm>
-          <a:prstGeom prst="rect">
-            <a:avLst/>
-          </a:prstGeom>
-          <a:noFill/>
-        </p:spPr>
-        <p:txBody>
-          <a:bodyPr wrap="none" rtlCol="0">
-            <a:spAutoFit/>
-          </a:bodyPr>
-          <a:lstStyle/>
-          <a:p>
-            <a:pPr algn="ctr"/>
-            <a:r>
-              <a:rPr lang="en-US" sz="6000" b="1" u="sng" dirty="0">
-                <a:latin typeface="MS PMincho" panose="02020600040205080304" pitchFamily="18" charset="-128"/>
-                <a:ea typeface="MS PMincho" panose="02020600040205080304" pitchFamily="18" charset="-128"/>
-              </a:rPr>
-              <a:t>￥500 </a:t>
-            </a:r>
-            <a:r>
-              <a:rPr lang="en-US" sz="3000" b="1" u="sng" dirty="0">
-                <a:latin typeface="MS PMincho" panose="02020600040205080304" pitchFamily="18" charset="-128"/>
-                <a:ea typeface="MS PMincho" panose="02020600040205080304" pitchFamily="18" charset="-128"/>
-              </a:rPr>
-              <a:t>(</a:t>
-            </a:r>
-            <a:r>
-              <a:rPr lang="ja-JP" altLang="en-US" sz="3000" b="1" u="sng">
-                <a:latin typeface="MS PMincho" panose="02020600040205080304" pitchFamily="18" charset="-128"/>
-                <a:ea typeface="MS PMincho" panose="02020600040205080304" pitchFamily="18" charset="-128"/>
-              </a:rPr>
-              <a:t>税込</a:t>
-            </a:r>
-            <a:r>
-              <a:rPr lang="en-US" sz="3000" b="1" u="sng" dirty="0">
-                <a:latin typeface="MS PMincho" panose="02020600040205080304" pitchFamily="18" charset="-128"/>
-                <a:ea typeface="MS PMincho" panose="02020600040205080304" pitchFamily="18" charset="-128"/>
-              </a:rPr>
-              <a:t>)</a:t>
-            </a:r>
-          </a:p>
-        </p:txBody>
-      </p:sp>
-      <p:sp>
-        <p:nvSpPr>
-          <p:cNvPr id="8" name="TextBox 7">
-            <a:extLst>
-              <a:ext uri="{FF2B5EF4-FFF2-40B4-BE49-F238E27FC236}">
-                <a16:creationId xmlns:a16="http://schemas.microsoft.com/office/drawing/2014/main" id="{29B684C0-7E0F-DB46-B6AC-A6849DBDC544}"/>
-              </a:ext>
-            </a:extLst>
-          </p:cNvPr>
-          <p:cNvSpPr txBox="1"/>
-          <p:nvPr/>
-        </p:nvSpPr>
-        <p:spPr>
-          <a:xfrm>
-            <a:off x="4297269" y="3675130"/>
-            <a:ext cx="3597460" cy="830997"/>
-          </a:xfrm>
-          <a:prstGeom prst="rect">
-            <a:avLst/>
-          </a:prstGeom>
-          <a:noFill/>
-        </p:spPr>
-        <p:txBody>
-          <a:bodyPr wrap="none" rtlCol="0">
-            <a:spAutoFit/>
-          </a:bodyPr>
-          <a:lstStyle/>
-          <a:p>
-            <a:r>
-              <a:rPr lang="ja-JP" altLang="en-US" sz="2400">
-                <a:latin typeface="MS PMincho" panose="02020600040205080304" pitchFamily="18" charset="-128"/>
-                <a:ea typeface="MS PMincho" panose="02020600040205080304" pitchFamily="18" charset="-128"/>
-              </a:rPr>
-              <a:t>但　</a:t>
-            </a:r>
-            <a:r>
-              <a:rPr lang="ja-JP" altLang="en-US" sz="2400" u="sng">
-                <a:latin typeface="MS PMincho" panose="02020600040205080304" pitchFamily="18" charset="-128"/>
-                <a:ea typeface="MS PMincho" panose="02020600040205080304" pitchFamily="18" charset="-128"/>
-              </a:rPr>
-              <a:t>勉強会参加費として</a:t>
-            </a:r>
-            <a:endParaRPr lang="en-US" altLang="ja-JP" sz="2400" u="sng" dirty="0">
-              <a:latin typeface="MS PMincho" panose="02020600040205080304" pitchFamily="18" charset="-128"/>
-              <a:ea typeface="MS PMincho" panose="02020600040205080304" pitchFamily="18" charset="-128"/>
-            </a:endParaRPr>
-          </a:p>
-          <a:p>
-            <a:r>
-              <a:rPr lang="ja-JP" altLang="en-US" sz="2400">
-                <a:latin typeface="MS PMincho" panose="02020600040205080304" pitchFamily="18" charset="-128"/>
-                <a:ea typeface="MS PMincho" panose="02020600040205080304" pitchFamily="18" charset="-128"/>
-              </a:rPr>
-              <a:t>上記正に領収いたしました</a:t>
-            </a:r>
-            <a:endParaRPr lang="en-US" sz="2400" dirty="0">
-              <a:latin typeface="MS PMincho" panose="02020600040205080304" pitchFamily="18" charset="-128"/>
-              <a:ea typeface="MS PMincho" panose="02020600040205080304" pitchFamily="18" charset="-128"/>
-            </a:endParaRPr>
-          </a:p>
-        </p:txBody>
-      </p:sp>
-      <p:sp>
-        <p:nvSpPr>
-          <p:cNvPr id="10" name="TextBox 9">
-            <a:extLst>
-              <a:ext uri="{FF2B5EF4-FFF2-40B4-BE49-F238E27FC236}">
-                <a16:creationId xmlns:a16="http://schemas.microsoft.com/office/drawing/2014/main" id="{56C5080F-05F1-074F-8A8F-100D1D7CFEE3}"/>
-              </a:ext>
-            </a:extLst>
-          </p:cNvPr>
-          <p:cNvSpPr txBox="1"/>
-          <p:nvPr/>
-        </p:nvSpPr>
-        <p:spPr>
-          <a:xfrm>
-            <a:off x="1618635" y="4888507"/>
-            <a:ext cx="2448106" cy="1015663"/>
-          </a:xfrm>
-          <a:prstGeom prst="rect">
-            <a:avLst/>
-          </a:prstGeom>
-          <a:noFill/>
-        </p:spPr>
-        <p:txBody>
-          <a:bodyPr wrap="none" rtlCol="0">
-            <a:spAutoFit/>
-          </a:bodyPr>
-          <a:lstStyle/>
-          <a:p>
-            <a:r>
-              <a:rPr lang="ja-JP" altLang="en-US" sz="2000" u="sng">
-                <a:latin typeface="MS PMincho" panose="02020600040205080304" pitchFamily="18" charset="-128"/>
-                <a:ea typeface="MS PMincho" panose="02020600040205080304" pitchFamily="18" charset="-128"/>
-              </a:rPr>
-              <a:t>内訳　　　　　　　　</a:t>
-            </a:r>
-            <a:r>
-              <a:rPr lang="en-US" altLang="ja-JP" sz="2000" u="sng" dirty="0">
-                <a:latin typeface="MS PMincho" panose="02020600040205080304" pitchFamily="18" charset="-128"/>
-                <a:ea typeface="MS PMincho" panose="02020600040205080304" pitchFamily="18" charset="-128"/>
-              </a:rPr>
-              <a:t>   </a:t>
-            </a:r>
-            <a:r>
-              <a:rPr lang="ja-JP" altLang="en-US" sz="2000" u="sng">
-                <a:latin typeface="MS PMincho" panose="02020600040205080304" pitchFamily="18" charset="-128"/>
-                <a:ea typeface="MS PMincho" panose="02020600040205080304" pitchFamily="18" charset="-128"/>
-              </a:rPr>
-              <a:t>　</a:t>
-            </a:r>
-            <a:endParaRPr lang="en-US" altLang="ja-JP" sz="2000" u="sng" dirty="0">
-              <a:latin typeface="MS PMincho" panose="02020600040205080304" pitchFamily="18" charset="-128"/>
-              <a:ea typeface="MS PMincho" panose="02020600040205080304" pitchFamily="18" charset="-128"/>
-            </a:endParaRPr>
-          </a:p>
-          <a:p>
-            <a:r>
-              <a:rPr lang="ja-JP" altLang="en-US" sz="2000">
-                <a:latin typeface="MS PMincho" panose="02020600040205080304" pitchFamily="18" charset="-128"/>
-                <a:ea typeface="MS PMincho" panose="02020600040205080304" pitchFamily="18" charset="-128"/>
-              </a:rPr>
-              <a:t>税抜き金額  </a:t>
-            </a:r>
-            <a:r>
-              <a:rPr lang="en-US" altLang="ja-JP" sz="2000" dirty="0">
-                <a:latin typeface="MS PMincho" panose="02020600040205080304" pitchFamily="18" charset="-128"/>
-                <a:ea typeface="MS PMincho" panose="02020600040205080304" pitchFamily="18" charset="-128"/>
-              </a:rPr>
-              <a:t>  </a:t>
-            </a:r>
-            <a:r>
-              <a:rPr lang="ja-JP" altLang="en-US" sz="2000">
-                <a:latin typeface="MS PMincho" panose="02020600040205080304" pitchFamily="18" charset="-128"/>
-                <a:ea typeface="MS PMincho" panose="02020600040205080304" pitchFamily="18" charset="-128"/>
-              </a:rPr>
-              <a:t>￥</a:t>
-            </a:r>
-            <a:r>
-              <a:rPr lang="en-US" altLang="ja-JP" sz="2000" dirty="0">
-                <a:latin typeface="MS PMincho" panose="02020600040205080304" pitchFamily="18" charset="-128"/>
-                <a:ea typeface="MS PMincho" panose="02020600040205080304" pitchFamily="18" charset="-128"/>
-              </a:rPr>
-              <a:t>463</a:t>
-            </a:r>
-          </a:p>
-          <a:p>
-            <a:r>
-              <a:rPr lang="ja-JP" altLang="en-US" sz="2000">
-                <a:latin typeface="MS PMincho" panose="02020600040205080304" pitchFamily="18" charset="-128"/>
-                <a:ea typeface="MS PMincho" panose="02020600040205080304" pitchFamily="18" charset="-128"/>
-              </a:rPr>
-              <a:t>消費税</a:t>
-            </a:r>
-            <a:r>
-              <a:rPr lang="en-US" altLang="ja-JP" sz="2000" dirty="0">
-                <a:latin typeface="MS PMincho" panose="02020600040205080304" pitchFamily="18" charset="-128"/>
-                <a:ea typeface="MS PMincho" panose="02020600040205080304" pitchFamily="18" charset="-128"/>
-              </a:rPr>
-              <a:t>(8%)</a:t>
-            </a:r>
-            <a:r>
-              <a:rPr lang="ja-JP" altLang="en-US" sz="2000">
-                <a:latin typeface="MS PMincho" panose="02020600040205080304" pitchFamily="18" charset="-128"/>
-                <a:ea typeface="MS PMincho" panose="02020600040205080304" pitchFamily="18" charset="-128"/>
-              </a:rPr>
-              <a:t>額</a:t>
-            </a:r>
-            <a:r>
-              <a:rPr lang="en-US" altLang="ja-JP" sz="2000" dirty="0">
-                <a:latin typeface="MS PMincho" panose="02020600040205080304" pitchFamily="18" charset="-128"/>
-                <a:ea typeface="MS PMincho" panose="02020600040205080304" pitchFamily="18" charset="-128"/>
-              </a:rPr>
-              <a:t> </a:t>
-            </a:r>
-            <a:r>
-              <a:rPr lang="ja-JP" altLang="en-US" sz="2000">
-                <a:latin typeface="MS PMincho" panose="02020600040205080304" pitchFamily="18" charset="-128"/>
-                <a:ea typeface="MS PMincho" panose="02020600040205080304" pitchFamily="18" charset="-128"/>
-              </a:rPr>
-              <a:t>  ￥</a:t>
-            </a:r>
-            <a:r>
-              <a:rPr lang="en-US" altLang="ja-JP" sz="2000" dirty="0">
-                <a:latin typeface="MS PMincho" panose="02020600040205080304" pitchFamily="18" charset="-128"/>
-                <a:ea typeface="MS PMincho" panose="02020600040205080304" pitchFamily="18" charset="-128"/>
-              </a:rPr>
-              <a:t>37</a:t>
-            </a:r>
-            <a:endParaRPr lang="en-US" sz="2000" dirty="0">
-              <a:latin typeface="MS PMincho" panose="02020600040205080304" pitchFamily="18" charset="-128"/>
-              <a:ea typeface="MS PMincho" panose="02020600040205080304" pitchFamily="18" charset="-128"/>
-            </a:endParaRPr>
-          </a:p>
-        </p:txBody>
-      </p:sp>
-      <p:sp>
-        <p:nvSpPr>
-          <p:cNvPr id="11" name="TextBox 10">
-            <a:extLst>
-              <a:ext uri="{FF2B5EF4-FFF2-40B4-BE49-F238E27FC236}">
-                <a16:creationId xmlns:a16="http://schemas.microsoft.com/office/drawing/2014/main" id="{6E16820D-7117-6C49-986E-38BC06D76494}"/>
-              </a:ext>
-            </a:extLst>
-          </p:cNvPr>
-          <p:cNvSpPr txBox="1"/>
-          <p:nvPr/>
-        </p:nvSpPr>
-        <p:spPr>
-          <a:xfrm>
-            <a:off x="6545670" y="4882854"/>
-            <a:ext cx="5112297" cy="1200329"/>
-          </a:xfrm>
-          <a:prstGeom prst="rect">
-            <a:avLst/>
-          </a:prstGeom>
-          <a:noFill/>
-        </p:spPr>
-        <p:txBody>
-          <a:bodyPr wrap="none" rtlCol="0">
-            <a:spAutoFit/>
-          </a:bodyPr>
-          <a:lstStyle/>
-          <a:p>
-            <a:r>
-              <a:rPr lang="ja-JP" altLang="en-US">
-                <a:latin typeface="MS PMincho" panose="02020600040205080304" pitchFamily="18" charset="-128"/>
-                <a:ea typeface="MS PMincho" panose="02020600040205080304" pitchFamily="18" charset="-128"/>
-              </a:rPr>
-              <a:t>〒</a:t>
-            </a:r>
-            <a:r>
-              <a:rPr lang="en-US" altLang="ja-JP" dirty="0">
-                <a:latin typeface="MS PMincho" panose="02020600040205080304" pitchFamily="18" charset="-128"/>
-                <a:ea typeface="MS PMincho" panose="02020600040205080304" pitchFamily="18" charset="-128"/>
-              </a:rPr>
-              <a:t>1</a:t>
-            </a:r>
-            <a:r>
-              <a:rPr lang="ja-JP" altLang="en-US">
-                <a:latin typeface="MS PMincho" panose="02020600040205080304" pitchFamily="18" charset="-128"/>
-                <a:ea typeface="MS PMincho" panose="02020600040205080304" pitchFamily="18" charset="-128"/>
-              </a:rPr>
-              <a:t> </a:t>
-            </a:r>
-            <a:r>
-              <a:rPr lang="en-US" altLang="ja-JP" dirty="0">
-                <a:latin typeface="MS PMincho" panose="02020600040205080304" pitchFamily="18" charset="-128"/>
-                <a:ea typeface="MS PMincho" panose="02020600040205080304" pitchFamily="18" charset="-128"/>
-              </a:rPr>
-              <a:t>03-0023</a:t>
-            </a:r>
-            <a:br>
-              <a:rPr lang="en-US" altLang="ja-JP" dirty="0">
-                <a:latin typeface="MS PMincho" panose="02020600040205080304" pitchFamily="18" charset="-128"/>
-                <a:ea typeface="MS PMincho" panose="02020600040205080304" pitchFamily="18" charset="-128"/>
-              </a:rPr>
-            </a:br>
-            <a:r>
-              <a:rPr lang="ja-JP" altLang="en-US">
-                <a:latin typeface="MS PMincho" panose="02020600040205080304" pitchFamily="18" charset="-128"/>
-                <a:ea typeface="MS PMincho" panose="02020600040205080304" pitchFamily="18" charset="-128"/>
-              </a:rPr>
-              <a:t>東京都中央区日本橋本町</a:t>
-            </a:r>
-            <a:r>
-              <a:rPr lang="en-US" altLang="ja-JP" dirty="0">
-                <a:latin typeface="MS PMincho" panose="02020600040205080304" pitchFamily="18" charset="-128"/>
-                <a:ea typeface="MS PMincho" panose="02020600040205080304" pitchFamily="18" charset="-128"/>
-              </a:rPr>
-              <a:t>4-8-16 </a:t>
-            </a:r>
-            <a:r>
-              <a:rPr lang="ja-JP" altLang="en-US">
-                <a:latin typeface="MS PMincho" panose="02020600040205080304" pitchFamily="18" charset="-128"/>
-                <a:ea typeface="MS PMincho" panose="02020600040205080304" pitchFamily="18" charset="-128"/>
-              </a:rPr>
-              <a:t>千城ビル</a:t>
-            </a:r>
-            <a:r>
-              <a:rPr lang="en-US" altLang="ja-JP" dirty="0">
-                <a:latin typeface="MS PMincho" panose="02020600040205080304" pitchFamily="18" charset="-128"/>
-                <a:ea typeface="MS PMincho" panose="02020600040205080304" pitchFamily="18" charset="-128"/>
-              </a:rPr>
-              <a:t>5</a:t>
-            </a:r>
-            <a:r>
-              <a:rPr lang="en-US" dirty="0">
-                <a:latin typeface="MS PMincho" panose="02020600040205080304" pitchFamily="18" charset="-128"/>
-                <a:ea typeface="MS PMincho" panose="02020600040205080304" pitchFamily="18" charset="-128"/>
-              </a:rPr>
-              <a:t>F </a:t>
-            </a:r>
-            <a:r>
-              <a:rPr lang="en-US" dirty="0" err="1">
-                <a:latin typeface="MS PMincho" panose="02020600040205080304" pitchFamily="18" charset="-128"/>
-                <a:ea typeface="MS PMincho" panose="02020600040205080304" pitchFamily="18" charset="-128"/>
-              </a:rPr>
-              <a:t>BcH</a:t>
-            </a:r>
-            <a:endParaRPr lang="en-US" altLang="ja-JP" dirty="0">
-              <a:latin typeface="MS PMincho" panose="02020600040205080304" pitchFamily="18" charset="-128"/>
-              <a:ea typeface="MS PMincho" panose="02020600040205080304" pitchFamily="18" charset="-128"/>
-            </a:endParaRPr>
-          </a:p>
-          <a:p>
-            <a:r>
-              <a:rPr lang="ja-JP" altLang="en-US">
-                <a:latin typeface="MS PMincho" panose="02020600040205080304" pitchFamily="18" charset="-128"/>
-                <a:ea typeface="MS PMincho" panose="02020600040205080304" pitchFamily="18" charset="-128"/>
-              </a:rPr>
-              <a:t>株式会社ゼタント</a:t>
-            </a:r>
-            <a:endParaRPr lang="en-US" altLang="ja-JP" dirty="0">
-              <a:latin typeface="MS PMincho" panose="02020600040205080304" pitchFamily="18" charset="-128"/>
-              <a:ea typeface="MS PMincho" panose="02020600040205080304" pitchFamily="18" charset="-128"/>
-            </a:endParaRPr>
-          </a:p>
-          <a:p>
-            <a:r>
-              <a:rPr lang="en-US" dirty="0">
-                <a:latin typeface="MS PMincho" panose="02020600040205080304" pitchFamily="18" charset="-128"/>
-                <a:ea typeface="MS PMincho" panose="02020600040205080304" pitchFamily="18" charset="-128"/>
-              </a:rPr>
-              <a:t>TEL: 03-5734-1161</a:t>
-            </a:r>
-          </a:p>
-        </p:txBody>
-      </p:sp>
-    </p:spTree>
-    <p:extLst>
-      <p:ext uri="{BB962C8B-B14F-4D97-AF65-F5344CB8AC3E}">
-        <p14:creationId xmlns:p14="http://schemas.microsoft.com/office/powerpoint/2010/main" val="3011255209"/>
-      </p:ext>
-    </p:extLst>
-  </p:cSld>
-  <p:clrMapOvr>
-    <a:masterClrMapping/>
-  </p:clrMapOvr>
-</p:sld>
-</file>
-
-<file path=ppt/slides/slide16.xml><?xml version="1.0" encoding="utf-8"?>
-<p:sld xmlns:a="http://schemas.openxmlformats.org/drawingml/2006/main" xmlns:r="http://schemas.openxmlformats.org/officeDocument/2006/relationships" xmlns:p="http://schemas.openxmlformats.org/presentationml/2006/main">
-  <p:cSld>
-    <p:spTree>
-      <p:nvGrpSpPr>
-        <p:cNvPr id="1" name=""/>
-        <p:cNvGrpSpPr/>
-        <p:nvPr/>
-      </p:nvGrpSpPr>
-      <p:grpSpPr>
-        <a:xfrm>
-          <a:off x="0" y="0"/>
-          <a:ext cx="0" cy="0"/>
-          <a:chOff x="0" y="0"/>
-          <a:chExt cx="0" cy="0"/>
-        </a:xfrm>
-      </p:grpSpPr>
-      <p:sp>
-        <p:nvSpPr>
-          <p:cNvPr id="4" name="TextBox 3">
-            <a:extLst>
-              <a:ext uri="{FF2B5EF4-FFF2-40B4-BE49-F238E27FC236}">
-                <a16:creationId xmlns:a16="http://schemas.microsoft.com/office/drawing/2014/main" id="{CE4A5ADC-C63F-5C4B-BF79-AB5FFF7F654A}"/>
-              </a:ext>
-            </a:extLst>
-          </p:cNvPr>
-          <p:cNvSpPr txBox="1"/>
-          <p:nvPr/>
-        </p:nvSpPr>
-        <p:spPr>
-          <a:xfrm>
-            <a:off x="5037056" y="546538"/>
-            <a:ext cx="2117887" cy="861774"/>
-          </a:xfrm>
-          <a:prstGeom prst="rect">
-            <a:avLst/>
-          </a:prstGeom>
-          <a:noFill/>
-        </p:spPr>
-        <p:txBody>
-          <a:bodyPr wrap="none" rtlCol="0">
-            <a:spAutoFit/>
-          </a:bodyPr>
-          <a:lstStyle/>
-          <a:p>
-            <a:pPr algn="ctr"/>
-            <a:r>
-              <a:rPr lang="ja-JP" altLang="en-US" sz="5000" b="1">
-                <a:latin typeface="MS PMincho" panose="02020600040205080304" pitchFamily="18" charset="-128"/>
-                <a:ea typeface="MS PMincho" panose="02020600040205080304" pitchFamily="18" charset="-128"/>
-              </a:rPr>
-              <a:t>領収書</a:t>
-            </a:r>
-            <a:endParaRPr lang="en-US" sz="5000" b="1" dirty="0">
-              <a:latin typeface="MS PMincho" panose="02020600040205080304" pitchFamily="18" charset="-128"/>
-              <a:ea typeface="MS PMincho" panose="02020600040205080304" pitchFamily="18" charset="-128"/>
-            </a:endParaRPr>
-          </a:p>
-        </p:txBody>
-      </p:sp>
-      <p:sp>
-        <p:nvSpPr>
-          <p:cNvPr id="5" name="TextBox 4">
-            <a:extLst>
-              <a:ext uri="{FF2B5EF4-FFF2-40B4-BE49-F238E27FC236}">
-                <a16:creationId xmlns:a16="http://schemas.microsoft.com/office/drawing/2014/main" id="{6AB7C405-EBA8-2D41-A6E8-9C8C1B1B8913}"/>
-              </a:ext>
-            </a:extLst>
-          </p:cNvPr>
-          <p:cNvSpPr txBox="1"/>
-          <p:nvPr/>
-        </p:nvSpPr>
-        <p:spPr>
-          <a:xfrm>
-            <a:off x="8407189" y="546538"/>
-            <a:ext cx="1696298" cy="369332"/>
-          </a:xfrm>
-          <a:prstGeom prst="rect">
-            <a:avLst/>
-          </a:prstGeom>
-          <a:noFill/>
-        </p:spPr>
-        <p:txBody>
-          <a:bodyPr wrap="none" rtlCol="0">
-            <a:spAutoFit/>
-          </a:bodyPr>
-          <a:lstStyle/>
-          <a:p>
-            <a:r>
-              <a:rPr lang="en-US" u="sng" dirty="0">
-                <a:latin typeface="MS PMincho" panose="02020600040205080304" pitchFamily="18" charset="-128"/>
-                <a:ea typeface="MS PMincho" panose="02020600040205080304" pitchFamily="18" charset="-128"/>
-              </a:rPr>
-              <a:t>2019</a:t>
-            </a:r>
-            <a:r>
-              <a:rPr lang="ja-JP" altLang="en-US" u="sng">
-                <a:latin typeface="MS PMincho" panose="02020600040205080304" pitchFamily="18" charset="-128"/>
-                <a:ea typeface="MS PMincho" panose="02020600040205080304" pitchFamily="18" charset="-128"/>
-              </a:rPr>
-              <a:t>年</a:t>
-            </a:r>
-            <a:r>
-              <a:rPr lang="en-US" altLang="ja-JP" u="sng" dirty="0">
-                <a:latin typeface="MS PMincho" panose="02020600040205080304" pitchFamily="18" charset="-128"/>
-                <a:ea typeface="MS PMincho" panose="02020600040205080304" pitchFamily="18" charset="-128"/>
-              </a:rPr>
-              <a:t>9</a:t>
-            </a:r>
-            <a:r>
-              <a:rPr lang="ja-JP" altLang="en-US" u="sng">
-                <a:latin typeface="MS PMincho" panose="02020600040205080304" pitchFamily="18" charset="-128"/>
-                <a:ea typeface="MS PMincho" panose="02020600040205080304" pitchFamily="18" charset="-128"/>
-              </a:rPr>
-              <a:t>月</a:t>
-            </a:r>
-            <a:r>
-              <a:rPr lang="en-US" altLang="ja-JP" u="sng" dirty="0">
-                <a:latin typeface="MS PMincho" panose="02020600040205080304" pitchFamily="18" charset="-128"/>
-                <a:ea typeface="MS PMincho" panose="02020600040205080304" pitchFamily="18" charset="-128"/>
-              </a:rPr>
-              <a:t>19</a:t>
-            </a:r>
-            <a:r>
-              <a:rPr lang="ja-JP" altLang="en-US" u="sng">
-                <a:latin typeface="MS PMincho" panose="02020600040205080304" pitchFamily="18" charset="-128"/>
-                <a:ea typeface="MS PMincho" panose="02020600040205080304" pitchFamily="18" charset="-128"/>
-              </a:rPr>
-              <a:t>日</a:t>
-            </a:r>
-            <a:endParaRPr lang="en-US" u="sng" dirty="0">
-              <a:latin typeface="MS PMincho" panose="02020600040205080304" pitchFamily="18" charset="-128"/>
-              <a:ea typeface="MS PMincho" panose="02020600040205080304" pitchFamily="18" charset="-128"/>
-            </a:endParaRPr>
-          </a:p>
-        </p:txBody>
-      </p:sp>
-      <p:sp>
-        <p:nvSpPr>
-          <p:cNvPr id="6" name="TextBox 5">
-            <a:extLst>
-              <a:ext uri="{FF2B5EF4-FFF2-40B4-BE49-F238E27FC236}">
-                <a16:creationId xmlns:a16="http://schemas.microsoft.com/office/drawing/2014/main" id="{57203D7A-B859-D54C-AFC2-25EE7E0097D2}"/>
-              </a:ext>
-            </a:extLst>
-          </p:cNvPr>
-          <p:cNvSpPr txBox="1"/>
-          <p:nvPr/>
-        </p:nvSpPr>
-        <p:spPr>
-          <a:xfrm>
-            <a:off x="1360812" y="1775296"/>
-            <a:ext cx="3159839" cy="400110"/>
-          </a:xfrm>
-          <a:prstGeom prst="rect">
-            <a:avLst/>
-          </a:prstGeom>
-          <a:noFill/>
-        </p:spPr>
-        <p:txBody>
-          <a:bodyPr wrap="none" rtlCol="0">
-            <a:spAutoFit/>
-          </a:bodyPr>
-          <a:lstStyle/>
-          <a:p>
-            <a:r>
-              <a:rPr lang="ja-JP" altLang="en-US" sz="2000" u="sng">
-                <a:latin typeface="MS PMincho" panose="02020600040205080304" pitchFamily="18" charset="-128"/>
-                <a:ea typeface="MS PMincho" panose="02020600040205080304" pitchFamily="18" charset="-128"/>
-              </a:rPr>
-              <a:t>　　　　　　　　　　　　　　　　様</a:t>
-            </a:r>
-            <a:endParaRPr lang="en-US" sz="2000" u="sng" dirty="0">
-              <a:latin typeface="MS PMincho" panose="02020600040205080304" pitchFamily="18" charset="-128"/>
-              <a:ea typeface="MS PMincho" panose="02020600040205080304" pitchFamily="18" charset="-128"/>
-            </a:endParaRPr>
-          </a:p>
-        </p:txBody>
-      </p:sp>
-      <p:sp>
-        <p:nvSpPr>
-          <p:cNvPr id="7" name="TextBox 6">
-            <a:extLst>
-              <a:ext uri="{FF2B5EF4-FFF2-40B4-BE49-F238E27FC236}">
-                <a16:creationId xmlns:a16="http://schemas.microsoft.com/office/drawing/2014/main" id="{B4D4C185-2E76-9744-BDC4-89CC1E44A0D7}"/>
-              </a:ext>
-            </a:extLst>
-          </p:cNvPr>
-          <p:cNvSpPr txBox="1"/>
-          <p:nvPr/>
-        </p:nvSpPr>
-        <p:spPr>
-          <a:xfrm>
-            <a:off x="4423106" y="2282740"/>
-            <a:ext cx="3345788" cy="1015663"/>
-          </a:xfrm>
-          <a:prstGeom prst="rect">
-            <a:avLst/>
-          </a:prstGeom>
-          <a:noFill/>
-        </p:spPr>
-        <p:txBody>
-          <a:bodyPr wrap="none" rtlCol="0">
-            <a:spAutoFit/>
-          </a:bodyPr>
-          <a:lstStyle/>
-          <a:p>
-            <a:pPr algn="ctr"/>
-            <a:r>
-              <a:rPr lang="en-US" sz="6000" b="1" u="sng" dirty="0">
-                <a:latin typeface="MS PMincho" panose="02020600040205080304" pitchFamily="18" charset="-128"/>
-                <a:ea typeface="MS PMincho" panose="02020600040205080304" pitchFamily="18" charset="-128"/>
-              </a:rPr>
-              <a:t>￥500 </a:t>
-            </a:r>
-            <a:r>
-              <a:rPr lang="en-US" sz="3000" b="1" u="sng" dirty="0">
-                <a:latin typeface="MS PMincho" panose="02020600040205080304" pitchFamily="18" charset="-128"/>
-                <a:ea typeface="MS PMincho" panose="02020600040205080304" pitchFamily="18" charset="-128"/>
-              </a:rPr>
-              <a:t>(</a:t>
-            </a:r>
-            <a:r>
-              <a:rPr lang="ja-JP" altLang="en-US" sz="3000" b="1" u="sng">
-                <a:latin typeface="MS PMincho" panose="02020600040205080304" pitchFamily="18" charset="-128"/>
-                <a:ea typeface="MS PMincho" panose="02020600040205080304" pitchFamily="18" charset="-128"/>
-              </a:rPr>
-              <a:t>税込</a:t>
-            </a:r>
-            <a:r>
-              <a:rPr lang="en-US" sz="3000" b="1" u="sng" dirty="0">
-                <a:latin typeface="MS PMincho" panose="02020600040205080304" pitchFamily="18" charset="-128"/>
-                <a:ea typeface="MS PMincho" panose="02020600040205080304" pitchFamily="18" charset="-128"/>
-              </a:rPr>
-              <a:t>)</a:t>
-            </a:r>
-          </a:p>
-        </p:txBody>
-      </p:sp>
-      <p:sp>
-        <p:nvSpPr>
-          <p:cNvPr id="8" name="TextBox 7">
-            <a:extLst>
-              <a:ext uri="{FF2B5EF4-FFF2-40B4-BE49-F238E27FC236}">
-                <a16:creationId xmlns:a16="http://schemas.microsoft.com/office/drawing/2014/main" id="{29B684C0-7E0F-DB46-B6AC-A6849DBDC544}"/>
-              </a:ext>
-            </a:extLst>
-          </p:cNvPr>
-          <p:cNvSpPr txBox="1"/>
-          <p:nvPr/>
-        </p:nvSpPr>
-        <p:spPr>
-          <a:xfrm>
-            <a:off x="4297269" y="3675130"/>
-            <a:ext cx="3597460" cy="830997"/>
-          </a:xfrm>
-          <a:prstGeom prst="rect">
-            <a:avLst/>
-          </a:prstGeom>
-          <a:noFill/>
-        </p:spPr>
-        <p:txBody>
-          <a:bodyPr wrap="none" rtlCol="0">
-            <a:spAutoFit/>
-          </a:bodyPr>
-          <a:lstStyle/>
-          <a:p>
-            <a:r>
-              <a:rPr lang="ja-JP" altLang="en-US" sz="2400">
-                <a:latin typeface="MS PMincho" panose="02020600040205080304" pitchFamily="18" charset="-128"/>
-                <a:ea typeface="MS PMincho" panose="02020600040205080304" pitchFamily="18" charset="-128"/>
-              </a:rPr>
-              <a:t>但　</a:t>
-            </a:r>
-            <a:r>
-              <a:rPr lang="ja-JP" altLang="en-US" sz="2400" u="sng">
-                <a:latin typeface="MS PMincho" panose="02020600040205080304" pitchFamily="18" charset="-128"/>
-                <a:ea typeface="MS PMincho" panose="02020600040205080304" pitchFamily="18" charset="-128"/>
-              </a:rPr>
-              <a:t>勉強会参加費として</a:t>
-            </a:r>
-            <a:endParaRPr lang="en-US" altLang="ja-JP" sz="2400" u="sng" dirty="0">
-              <a:latin typeface="MS PMincho" panose="02020600040205080304" pitchFamily="18" charset="-128"/>
-              <a:ea typeface="MS PMincho" panose="02020600040205080304" pitchFamily="18" charset="-128"/>
-            </a:endParaRPr>
-          </a:p>
-          <a:p>
-            <a:r>
-              <a:rPr lang="ja-JP" altLang="en-US" sz="2400">
-                <a:latin typeface="MS PMincho" panose="02020600040205080304" pitchFamily="18" charset="-128"/>
-                <a:ea typeface="MS PMincho" panose="02020600040205080304" pitchFamily="18" charset="-128"/>
-              </a:rPr>
-              <a:t>上記正に領収いたしました</a:t>
-            </a:r>
-            <a:endParaRPr lang="en-US" sz="2400" dirty="0">
-              <a:latin typeface="MS PMincho" panose="02020600040205080304" pitchFamily="18" charset="-128"/>
-              <a:ea typeface="MS PMincho" panose="02020600040205080304" pitchFamily="18" charset="-128"/>
-            </a:endParaRPr>
-          </a:p>
-        </p:txBody>
-      </p:sp>
-      <p:sp>
-        <p:nvSpPr>
-          <p:cNvPr id="10" name="TextBox 9">
-            <a:extLst>
-              <a:ext uri="{FF2B5EF4-FFF2-40B4-BE49-F238E27FC236}">
-                <a16:creationId xmlns:a16="http://schemas.microsoft.com/office/drawing/2014/main" id="{56C5080F-05F1-074F-8A8F-100D1D7CFEE3}"/>
-              </a:ext>
-            </a:extLst>
-          </p:cNvPr>
-          <p:cNvSpPr txBox="1"/>
-          <p:nvPr/>
-        </p:nvSpPr>
-        <p:spPr>
-          <a:xfrm>
-            <a:off x="1618635" y="4888507"/>
-            <a:ext cx="2448106" cy="1015663"/>
-          </a:xfrm>
-          <a:prstGeom prst="rect">
-            <a:avLst/>
-          </a:prstGeom>
-          <a:noFill/>
-        </p:spPr>
-        <p:txBody>
-          <a:bodyPr wrap="none" rtlCol="0">
-            <a:spAutoFit/>
-          </a:bodyPr>
-          <a:lstStyle/>
-          <a:p>
-            <a:r>
-              <a:rPr lang="ja-JP" altLang="en-US" sz="2000" u="sng">
-                <a:latin typeface="MS PMincho" panose="02020600040205080304" pitchFamily="18" charset="-128"/>
-                <a:ea typeface="MS PMincho" panose="02020600040205080304" pitchFamily="18" charset="-128"/>
-              </a:rPr>
-              <a:t>内訳　　　　　　　　</a:t>
-            </a:r>
-            <a:r>
-              <a:rPr lang="en-US" altLang="ja-JP" sz="2000" u="sng" dirty="0">
-                <a:latin typeface="MS PMincho" panose="02020600040205080304" pitchFamily="18" charset="-128"/>
-                <a:ea typeface="MS PMincho" panose="02020600040205080304" pitchFamily="18" charset="-128"/>
-              </a:rPr>
-              <a:t>   </a:t>
-            </a:r>
-            <a:r>
-              <a:rPr lang="ja-JP" altLang="en-US" sz="2000" u="sng">
-                <a:latin typeface="MS PMincho" panose="02020600040205080304" pitchFamily="18" charset="-128"/>
-                <a:ea typeface="MS PMincho" panose="02020600040205080304" pitchFamily="18" charset="-128"/>
-              </a:rPr>
-              <a:t>　</a:t>
-            </a:r>
-            <a:endParaRPr lang="en-US" altLang="ja-JP" sz="2000" u="sng" dirty="0">
-              <a:latin typeface="MS PMincho" panose="02020600040205080304" pitchFamily="18" charset="-128"/>
-              <a:ea typeface="MS PMincho" panose="02020600040205080304" pitchFamily="18" charset="-128"/>
-            </a:endParaRPr>
-          </a:p>
-          <a:p>
-            <a:r>
-              <a:rPr lang="ja-JP" altLang="en-US" sz="2000">
-                <a:latin typeface="MS PMincho" panose="02020600040205080304" pitchFamily="18" charset="-128"/>
-                <a:ea typeface="MS PMincho" panose="02020600040205080304" pitchFamily="18" charset="-128"/>
-              </a:rPr>
-              <a:t>税抜き金額  </a:t>
-            </a:r>
-            <a:r>
-              <a:rPr lang="en-US" altLang="ja-JP" sz="2000" dirty="0">
-                <a:latin typeface="MS PMincho" panose="02020600040205080304" pitchFamily="18" charset="-128"/>
-                <a:ea typeface="MS PMincho" panose="02020600040205080304" pitchFamily="18" charset="-128"/>
-              </a:rPr>
-              <a:t>  </a:t>
-            </a:r>
-            <a:r>
-              <a:rPr lang="ja-JP" altLang="en-US" sz="2000">
-                <a:latin typeface="MS PMincho" panose="02020600040205080304" pitchFamily="18" charset="-128"/>
-                <a:ea typeface="MS PMincho" panose="02020600040205080304" pitchFamily="18" charset="-128"/>
-              </a:rPr>
-              <a:t>￥</a:t>
-            </a:r>
-            <a:r>
-              <a:rPr lang="en-US" altLang="ja-JP" sz="2000" dirty="0">
-                <a:latin typeface="MS PMincho" panose="02020600040205080304" pitchFamily="18" charset="-128"/>
-                <a:ea typeface="MS PMincho" panose="02020600040205080304" pitchFamily="18" charset="-128"/>
-              </a:rPr>
-              <a:t>463</a:t>
-            </a:r>
-          </a:p>
-          <a:p>
-            <a:r>
-              <a:rPr lang="ja-JP" altLang="en-US" sz="2000">
-                <a:latin typeface="MS PMincho" panose="02020600040205080304" pitchFamily="18" charset="-128"/>
-                <a:ea typeface="MS PMincho" panose="02020600040205080304" pitchFamily="18" charset="-128"/>
-              </a:rPr>
-              <a:t>消費税</a:t>
-            </a:r>
-            <a:r>
-              <a:rPr lang="en-US" altLang="ja-JP" sz="2000" dirty="0">
-                <a:latin typeface="MS PMincho" panose="02020600040205080304" pitchFamily="18" charset="-128"/>
-                <a:ea typeface="MS PMincho" panose="02020600040205080304" pitchFamily="18" charset="-128"/>
-              </a:rPr>
-              <a:t>(8%)</a:t>
-            </a:r>
-            <a:r>
-              <a:rPr lang="ja-JP" altLang="en-US" sz="2000">
-                <a:latin typeface="MS PMincho" panose="02020600040205080304" pitchFamily="18" charset="-128"/>
-                <a:ea typeface="MS PMincho" panose="02020600040205080304" pitchFamily="18" charset="-128"/>
-              </a:rPr>
-              <a:t>額</a:t>
-            </a:r>
-            <a:r>
-              <a:rPr lang="en-US" altLang="ja-JP" sz="2000" dirty="0">
-                <a:latin typeface="MS PMincho" panose="02020600040205080304" pitchFamily="18" charset="-128"/>
-                <a:ea typeface="MS PMincho" panose="02020600040205080304" pitchFamily="18" charset="-128"/>
-              </a:rPr>
-              <a:t> </a:t>
-            </a:r>
-            <a:r>
-              <a:rPr lang="ja-JP" altLang="en-US" sz="2000">
-                <a:latin typeface="MS PMincho" panose="02020600040205080304" pitchFamily="18" charset="-128"/>
-                <a:ea typeface="MS PMincho" panose="02020600040205080304" pitchFamily="18" charset="-128"/>
-              </a:rPr>
-              <a:t>  ￥</a:t>
-            </a:r>
-            <a:r>
-              <a:rPr lang="en-US" altLang="ja-JP" sz="2000" dirty="0">
-                <a:latin typeface="MS PMincho" panose="02020600040205080304" pitchFamily="18" charset="-128"/>
-                <a:ea typeface="MS PMincho" panose="02020600040205080304" pitchFamily="18" charset="-128"/>
-              </a:rPr>
-              <a:t>37</a:t>
-            </a:r>
-            <a:endParaRPr lang="en-US" sz="2000" dirty="0">
-              <a:latin typeface="MS PMincho" panose="02020600040205080304" pitchFamily="18" charset="-128"/>
-              <a:ea typeface="MS PMincho" panose="02020600040205080304" pitchFamily="18" charset="-128"/>
-            </a:endParaRPr>
-          </a:p>
-        </p:txBody>
-      </p:sp>
-      <p:sp>
-        <p:nvSpPr>
-          <p:cNvPr id="11" name="TextBox 10">
-            <a:extLst>
-              <a:ext uri="{FF2B5EF4-FFF2-40B4-BE49-F238E27FC236}">
-                <a16:creationId xmlns:a16="http://schemas.microsoft.com/office/drawing/2014/main" id="{6E16820D-7117-6C49-986E-38BC06D76494}"/>
-              </a:ext>
-            </a:extLst>
-          </p:cNvPr>
-          <p:cNvSpPr txBox="1"/>
-          <p:nvPr/>
-        </p:nvSpPr>
-        <p:spPr>
-          <a:xfrm>
-            <a:off x="6545670" y="4882854"/>
-            <a:ext cx="5112297" cy="1200329"/>
-          </a:xfrm>
-          <a:prstGeom prst="rect">
-            <a:avLst/>
-          </a:prstGeom>
-          <a:noFill/>
-        </p:spPr>
-        <p:txBody>
-          <a:bodyPr wrap="none" rtlCol="0">
-            <a:spAutoFit/>
-          </a:bodyPr>
-          <a:lstStyle/>
-          <a:p>
-            <a:r>
-              <a:rPr lang="ja-JP" altLang="en-US">
-                <a:latin typeface="MS PMincho" panose="02020600040205080304" pitchFamily="18" charset="-128"/>
-                <a:ea typeface="MS PMincho" panose="02020600040205080304" pitchFamily="18" charset="-128"/>
-              </a:rPr>
-              <a:t>〒</a:t>
-            </a:r>
-            <a:r>
-              <a:rPr lang="en-US" altLang="ja-JP" dirty="0">
-                <a:latin typeface="MS PMincho" panose="02020600040205080304" pitchFamily="18" charset="-128"/>
-                <a:ea typeface="MS PMincho" panose="02020600040205080304" pitchFamily="18" charset="-128"/>
-              </a:rPr>
-              <a:t>1</a:t>
-            </a:r>
-            <a:r>
-              <a:rPr lang="ja-JP" altLang="en-US">
-                <a:latin typeface="MS PMincho" panose="02020600040205080304" pitchFamily="18" charset="-128"/>
-                <a:ea typeface="MS PMincho" panose="02020600040205080304" pitchFamily="18" charset="-128"/>
-              </a:rPr>
-              <a:t> </a:t>
-            </a:r>
-            <a:r>
-              <a:rPr lang="en-US" altLang="ja-JP" dirty="0">
-                <a:latin typeface="MS PMincho" panose="02020600040205080304" pitchFamily="18" charset="-128"/>
-                <a:ea typeface="MS PMincho" panose="02020600040205080304" pitchFamily="18" charset="-128"/>
-              </a:rPr>
-              <a:t>03-0023</a:t>
-            </a:r>
-            <a:br>
-              <a:rPr lang="en-US" altLang="ja-JP" dirty="0">
-                <a:latin typeface="MS PMincho" panose="02020600040205080304" pitchFamily="18" charset="-128"/>
-                <a:ea typeface="MS PMincho" panose="02020600040205080304" pitchFamily="18" charset="-128"/>
-              </a:rPr>
-            </a:br>
-            <a:r>
-              <a:rPr lang="ja-JP" altLang="en-US">
-                <a:latin typeface="MS PMincho" panose="02020600040205080304" pitchFamily="18" charset="-128"/>
-                <a:ea typeface="MS PMincho" panose="02020600040205080304" pitchFamily="18" charset="-128"/>
-              </a:rPr>
-              <a:t>東京都中央区日本橋本町</a:t>
-            </a:r>
-            <a:r>
-              <a:rPr lang="en-US" altLang="ja-JP" dirty="0">
-                <a:latin typeface="MS PMincho" panose="02020600040205080304" pitchFamily="18" charset="-128"/>
-                <a:ea typeface="MS PMincho" panose="02020600040205080304" pitchFamily="18" charset="-128"/>
-              </a:rPr>
-              <a:t>4-8-16 </a:t>
-            </a:r>
-            <a:r>
-              <a:rPr lang="ja-JP" altLang="en-US">
-                <a:latin typeface="MS PMincho" panose="02020600040205080304" pitchFamily="18" charset="-128"/>
-                <a:ea typeface="MS PMincho" panose="02020600040205080304" pitchFamily="18" charset="-128"/>
-              </a:rPr>
-              <a:t>千城ビル</a:t>
-            </a:r>
-            <a:r>
-              <a:rPr lang="en-US" altLang="ja-JP" dirty="0">
-                <a:latin typeface="MS PMincho" panose="02020600040205080304" pitchFamily="18" charset="-128"/>
-                <a:ea typeface="MS PMincho" panose="02020600040205080304" pitchFamily="18" charset="-128"/>
-              </a:rPr>
-              <a:t>5</a:t>
-            </a:r>
-            <a:r>
-              <a:rPr lang="en-US" dirty="0">
-                <a:latin typeface="MS PMincho" panose="02020600040205080304" pitchFamily="18" charset="-128"/>
-                <a:ea typeface="MS PMincho" panose="02020600040205080304" pitchFamily="18" charset="-128"/>
-              </a:rPr>
-              <a:t>F </a:t>
-            </a:r>
-            <a:r>
-              <a:rPr lang="en-US" dirty="0" err="1">
-                <a:latin typeface="MS PMincho" panose="02020600040205080304" pitchFamily="18" charset="-128"/>
-                <a:ea typeface="MS PMincho" panose="02020600040205080304" pitchFamily="18" charset="-128"/>
-              </a:rPr>
-              <a:t>BcH</a:t>
-            </a:r>
-            <a:endParaRPr lang="en-US" altLang="ja-JP" dirty="0">
-              <a:latin typeface="MS PMincho" panose="02020600040205080304" pitchFamily="18" charset="-128"/>
-              <a:ea typeface="MS PMincho" panose="02020600040205080304" pitchFamily="18" charset="-128"/>
-            </a:endParaRPr>
-          </a:p>
-          <a:p>
-            <a:r>
-              <a:rPr lang="ja-JP" altLang="en-US">
-                <a:latin typeface="MS PMincho" panose="02020600040205080304" pitchFamily="18" charset="-128"/>
-                <a:ea typeface="MS PMincho" panose="02020600040205080304" pitchFamily="18" charset="-128"/>
-              </a:rPr>
-              <a:t>株式会社ゼタント</a:t>
-            </a:r>
-            <a:endParaRPr lang="en-US" altLang="ja-JP" dirty="0">
-              <a:latin typeface="MS PMincho" panose="02020600040205080304" pitchFamily="18" charset="-128"/>
-              <a:ea typeface="MS PMincho" panose="02020600040205080304" pitchFamily="18" charset="-128"/>
-            </a:endParaRPr>
-          </a:p>
-          <a:p>
-            <a:r>
-              <a:rPr lang="en-US" dirty="0">
-                <a:latin typeface="MS PMincho" panose="02020600040205080304" pitchFamily="18" charset="-128"/>
-                <a:ea typeface="MS PMincho" panose="02020600040205080304" pitchFamily="18" charset="-128"/>
-              </a:rPr>
-              <a:t>TEL: 03-5734-1161</a:t>
-            </a:r>
-          </a:p>
-        </p:txBody>
-      </p:sp>
-    </p:spTree>
-    <p:extLst>
-      <p:ext uri="{BB962C8B-B14F-4D97-AF65-F5344CB8AC3E}">
-        <p14:creationId xmlns:p14="http://schemas.microsoft.com/office/powerpoint/2010/main" val="1050687833"/>
-      </p:ext>
-    </p:extLst>
-  </p:cSld>
-  <p:clrMapOvr>
-    <a:masterClrMapping/>
-  </p:clrMapOvr>
-</p:sld>
-</file>
-
-<file path=ppt/slides/slide17.xml><?xml version="1.0" encoding="utf-8"?>
-<p:sld xmlns:a="http://schemas.openxmlformats.org/drawingml/2006/main" xmlns:r="http://schemas.openxmlformats.org/officeDocument/2006/relationships" xmlns:p="http://schemas.openxmlformats.org/presentationml/2006/main">
-  <p:cSld>
-    <p:spTree>
-      <p:nvGrpSpPr>
-        <p:cNvPr id="1" name=""/>
-        <p:cNvGrpSpPr/>
-        <p:nvPr/>
-      </p:nvGrpSpPr>
-      <p:grpSpPr>
-        <a:xfrm>
-          <a:off x="0" y="0"/>
-          <a:ext cx="0" cy="0"/>
-          <a:chOff x="0" y="0"/>
-          <a:chExt cx="0" cy="0"/>
-        </a:xfrm>
-      </p:grpSpPr>
-      <p:sp>
-        <p:nvSpPr>
-          <p:cNvPr id="4" name="TextBox 3">
-            <a:extLst>
-              <a:ext uri="{FF2B5EF4-FFF2-40B4-BE49-F238E27FC236}">
-                <a16:creationId xmlns:a16="http://schemas.microsoft.com/office/drawing/2014/main" id="{CE4A5ADC-C63F-5C4B-BF79-AB5FFF7F654A}"/>
-              </a:ext>
-            </a:extLst>
-          </p:cNvPr>
-          <p:cNvSpPr txBox="1"/>
-          <p:nvPr/>
-        </p:nvSpPr>
-        <p:spPr>
-          <a:xfrm>
-            <a:off x="5037056" y="546538"/>
-            <a:ext cx="2117887" cy="861774"/>
-          </a:xfrm>
-          <a:prstGeom prst="rect">
-            <a:avLst/>
-          </a:prstGeom>
-          <a:noFill/>
-        </p:spPr>
-        <p:txBody>
-          <a:bodyPr wrap="none" rtlCol="0">
-            <a:spAutoFit/>
-          </a:bodyPr>
-          <a:lstStyle/>
-          <a:p>
-            <a:pPr algn="ctr"/>
-            <a:r>
-              <a:rPr lang="ja-JP" altLang="en-US" sz="5000" b="1">
-                <a:latin typeface="MS PMincho" panose="02020600040205080304" pitchFamily="18" charset="-128"/>
-                <a:ea typeface="MS PMincho" panose="02020600040205080304" pitchFamily="18" charset="-128"/>
-              </a:rPr>
-              <a:t>領収書</a:t>
-            </a:r>
-            <a:endParaRPr lang="en-US" sz="5000" b="1" dirty="0">
-              <a:latin typeface="MS PMincho" panose="02020600040205080304" pitchFamily="18" charset="-128"/>
-              <a:ea typeface="MS PMincho" panose="02020600040205080304" pitchFamily="18" charset="-128"/>
-            </a:endParaRPr>
-          </a:p>
-        </p:txBody>
-      </p:sp>
-      <p:sp>
-        <p:nvSpPr>
-          <p:cNvPr id="5" name="TextBox 4">
-            <a:extLst>
-              <a:ext uri="{FF2B5EF4-FFF2-40B4-BE49-F238E27FC236}">
-                <a16:creationId xmlns:a16="http://schemas.microsoft.com/office/drawing/2014/main" id="{6AB7C405-EBA8-2D41-A6E8-9C8C1B1B8913}"/>
-              </a:ext>
-            </a:extLst>
-          </p:cNvPr>
-          <p:cNvSpPr txBox="1"/>
-          <p:nvPr/>
-        </p:nvSpPr>
-        <p:spPr>
-          <a:xfrm>
-            <a:off x="8407189" y="546538"/>
-            <a:ext cx="1696298" cy="369332"/>
-          </a:xfrm>
-          <a:prstGeom prst="rect">
-            <a:avLst/>
-          </a:prstGeom>
-          <a:noFill/>
-        </p:spPr>
-        <p:txBody>
-          <a:bodyPr wrap="none" rtlCol="0">
-            <a:spAutoFit/>
-          </a:bodyPr>
-          <a:lstStyle/>
-          <a:p>
-            <a:r>
-              <a:rPr lang="en-US" u="sng" dirty="0">
-                <a:latin typeface="MS PMincho" panose="02020600040205080304" pitchFamily="18" charset="-128"/>
-                <a:ea typeface="MS PMincho" panose="02020600040205080304" pitchFamily="18" charset="-128"/>
-              </a:rPr>
-              <a:t>2019</a:t>
-            </a:r>
-            <a:r>
-              <a:rPr lang="ja-JP" altLang="en-US" u="sng">
-                <a:latin typeface="MS PMincho" panose="02020600040205080304" pitchFamily="18" charset="-128"/>
-                <a:ea typeface="MS PMincho" panose="02020600040205080304" pitchFamily="18" charset="-128"/>
-              </a:rPr>
-              <a:t>年</a:t>
-            </a:r>
-            <a:r>
-              <a:rPr lang="en-US" altLang="ja-JP" u="sng" dirty="0">
-                <a:latin typeface="MS PMincho" panose="02020600040205080304" pitchFamily="18" charset="-128"/>
-                <a:ea typeface="MS PMincho" panose="02020600040205080304" pitchFamily="18" charset="-128"/>
-              </a:rPr>
-              <a:t>9</a:t>
-            </a:r>
-            <a:r>
-              <a:rPr lang="ja-JP" altLang="en-US" u="sng">
-                <a:latin typeface="MS PMincho" panose="02020600040205080304" pitchFamily="18" charset="-128"/>
-                <a:ea typeface="MS PMincho" panose="02020600040205080304" pitchFamily="18" charset="-128"/>
-              </a:rPr>
-              <a:t>月</a:t>
-            </a:r>
-            <a:r>
-              <a:rPr lang="en-US" altLang="ja-JP" u="sng" dirty="0">
-                <a:latin typeface="MS PMincho" panose="02020600040205080304" pitchFamily="18" charset="-128"/>
-                <a:ea typeface="MS PMincho" panose="02020600040205080304" pitchFamily="18" charset="-128"/>
-              </a:rPr>
-              <a:t>19</a:t>
-            </a:r>
-            <a:r>
-              <a:rPr lang="ja-JP" altLang="en-US" u="sng">
-                <a:latin typeface="MS PMincho" panose="02020600040205080304" pitchFamily="18" charset="-128"/>
-                <a:ea typeface="MS PMincho" panose="02020600040205080304" pitchFamily="18" charset="-128"/>
-              </a:rPr>
-              <a:t>日</a:t>
-            </a:r>
-            <a:endParaRPr lang="en-US" u="sng" dirty="0">
-              <a:latin typeface="MS PMincho" panose="02020600040205080304" pitchFamily="18" charset="-128"/>
-              <a:ea typeface="MS PMincho" panose="02020600040205080304" pitchFamily="18" charset="-128"/>
-            </a:endParaRPr>
-          </a:p>
-        </p:txBody>
-      </p:sp>
-      <p:sp>
-        <p:nvSpPr>
-          <p:cNvPr id="6" name="TextBox 5">
-            <a:extLst>
-              <a:ext uri="{FF2B5EF4-FFF2-40B4-BE49-F238E27FC236}">
-                <a16:creationId xmlns:a16="http://schemas.microsoft.com/office/drawing/2014/main" id="{57203D7A-B859-D54C-AFC2-25EE7E0097D2}"/>
-              </a:ext>
-            </a:extLst>
-          </p:cNvPr>
-          <p:cNvSpPr txBox="1"/>
-          <p:nvPr/>
-        </p:nvSpPr>
-        <p:spPr>
-          <a:xfrm>
-            <a:off x="1360812" y="1775296"/>
-            <a:ext cx="3159839" cy="400110"/>
-          </a:xfrm>
-          <a:prstGeom prst="rect">
-            <a:avLst/>
-          </a:prstGeom>
-          <a:noFill/>
-        </p:spPr>
-        <p:txBody>
-          <a:bodyPr wrap="none" rtlCol="0">
-            <a:spAutoFit/>
-          </a:bodyPr>
-          <a:lstStyle/>
-          <a:p>
-            <a:r>
-              <a:rPr lang="ja-JP" altLang="en-US" sz="2000" u="sng">
-                <a:latin typeface="MS PMincho" panose="02020600040205080304" pitchFamily="18" charset="-128"/>
-                <a:ea typeface="MS PMincho" panose="02020600040205080304" pitchFamily="18" charset="-128"/>
-              </a:rPr>
-              <a:t>　　　　　　　　　　　　　　　　様</a:t>
-            </a:r>
-            <a:endParaRPr lang="en-US" sz="2000" u="sng" dirty="0">
-              <a:latin typeface="MS PMincho" panose="02020600040205080304" pitchFamily="18" charset="-128"/>
-              <a:ea typeface="MS PMincho" panose="02020600040205080304" pitchFamily="18" charset="-128"/>
-            </a:endParaRPr>
-          </a:p>
-        </p:txBody>
-      </p:sp>
-      <p:sp>
-        <p:nvSpPr>
-          <p:cNvPr id="7" name="TextBox 6">
-            <a:extLst>
-              <a:ext uri="{FF2B5EF4-FFF2-40B4-BE49-F238E27FC236}">
-                <a16:creationId xmlns:a16="http://schemas.microsoft.com/office/drawing/2014/main" id="{B4D4C185-2E76-9744-BDC4-89CC1E44A0D7}"/>
-              </a:ext>
-            </a:extLst>
-          </p:cNvPr>
-          <p:cNvSpPr txBox="1"/>
-          <p:nvPr/>
-        </p:nvSpPr>
-        <p:spPr>
-          <a:xfrm>
-            <a:off x="4423106" y="2282740"/>
-            <a:ext cx="3345788" cy="1015663"/>
-          </a:xfrm>
-          <a:prstGeom prst="rect">
-            <a:avLst/>
-          </a:prstGeom>
-          <a:noFill/>
-        </p:spPr>
-        <p:txBody>
-          <a:bodyPr wrap="none" rtlCol="0">
-            <a:spAutoFit/>
-          </a:bodyPr>
-          <a:lstStyle/>
-          <a:p>
-            <a:pPr algn="ctr"/>
-            <a:r>
-              <a:rPr lang="en-US" sz="6000" b="1" u="sng" dirty="0">
-                <a:latin typeface="MS PMincho" panose="02020600040205080304" pitchFamily="18" charset="-128"/>
-                <a:ea typeface="MS PMincho" panose="02020600040205080304" pitchFamily="18" charset="-128"/>
-              </a:rPr>
-              <a:t>￥500 </a:t>
-            </a:r>
-            <a:r>
-              <a:rPr lang="en-US" sz="3000" b="1" u="sng" dirty="0">
-                <a:latin typeface="MS PMincho" panose="02020600040205080304" pitchFamily="18" charset="-128"/>
-                <a:ea typeface="MS PMincho" panose="02020600040205080304" pitchFamily="18" charset="-128"/>
-              </a:rPr>
-              <a:t>(</a:t>
-            </a:r>
-            <a:r>
-              <a:rPr lang="ja-JP" altLang="en-US" sz="3000" b="1" u="sng">
-                <a:latin typeface="MS PMincho" panose="02020600040205080304" pitchFamily="18" charset="-128"/>
-                <a:ea typeface="MS PMincho" panose="02020600040205080304" pitchFamily="18" charset="-128"/>
-              </a:rPr>
-              <a:t>税込</a:t>
-            </a:r>
-            <a:r>
-              <a:rPr lang="en-US" sz="3000" b="1" u="sng" dirty="0">
-                <a:latin typeface="MS PMincho" panose="02020600040205080304" pitchFamily="18" charset="-128"/>
-                <a:ea typeface="MS PMincho" panose="02020600040205080304" pitchFamily="18" charset="-128"/>
-              </a:rPr>
-              <a:t>)</a:t>
-            </a:r>
-          </a:p>
-        </p:txBody>
-      </p:sp>
-      <p:sp>
-        <p:nvSpPr>
-          <p:cNvPr id="8" name="TextBox 7">
-            <a:extLst>
-              <a:ext uri="{FF2B5EF4-FFF2-40B4-BE49-F238E27FC236}">
-                <a16:creationId xmlns:a16="http://schemas.microsoft.com/office/drawing/2014/main" id="{29B684C0-7E0F-DB46-B6AC-A6849DBDC544}"/>
-              </a:ext>
-            </a:extLst>
-          </p:cNvPr>
-          <p:cNvSpPr txBox="1"/>
-          <p:nvPr/>
-        </p:nvSpPr>
-        <p:spPr>
-          <a:xfrm>
-            <a:off x="4297269" y="3675130"/>
-            <a:ext cx="3597460" cy="830997"/>
-          </a:xfrm>
-          <a:prstGeom prst="rect">
-            <a:avLst/>
-          </a:prstGeom>
-          <a:noFill/>
-        </p:spPr>
-        <p:txBody>
-          <a:bodyPr wrap="none" rtlCol="0">
-            <a:spAutoFit/>
-          </a:bodyPr>
-          <a:lstStyle/>
-          <a:p>
-            <a:r>
-              <a:rPr lang="ja-JP" altLang="en-US" sz="2400">
-                <a:latin typeface="MS PMincho" panose="02020600040205080304" pitchFamily="18" charset="-128"/>
-                <a:ea typeface="MS PMincho" panose="02020600040205080304" pitchFamily="18" charset="-128"/>
-              </a:rPr>
-              <a:t>但　</a:t>
-            </a:r>
-            <a:r>
-              <a:rPr lang="ja-JP" altLang="en-US" sz="2400" u="sng">
-                <a:latin typeface="MS PMincho" panose="02020600040205080304" pitchFamily="18" charset="-128"/>
-                <a:ea typeface="MS PMincho" panose="02020600040205080304" pitchFamily="18" charset="-128"/>
-              </a:rPr>
-              <a:t>勉強会参加費として</a:t>
-            </a:r>
-            <a:endParaRPr lang="en-US" altLang="ja-JP" sz="2400" u="sng" dirty="0">
-              <a:latin typeface="MS PMincho" panose="02020600040205080304" pitchFamily="18" charset="-128"/>
-              <a:ea typeface="MS PMincho" panose="02020600040205080304" pitchFamily="18" charset="-128"/>
-            </a:endParaRPr>
-          </a:p>
-          <a:p>
-            <a:r>
-              <a:rPr lang="ja-JP" altLang="en-US" sz="2400">
-                <a:latin typeface="MS PMincho" panose="02020600040205080304" pitchFamily="18" charset="-128"/>
-                <a:ea typeface="MS PMincho" panose="02020600040205080304" pitchFamily="18" charset="-128"/>
-              </a:rPr>
-              <a:t>上記正に領収いたしました</a:t>
-            </a:r>
-            <a:endParaRPr lang="en-US" sz="2400" dirty="0">
-              <a:latin typeface="MS PMincho" panose="02020600040205080304" pitchFamily="18" charset="-128"/>
-              <a:ea typeface="MS PMincho" panose="02020600040205080304" pitchFamily="18" charset="-128"/>
-            </a:endParaRPr>
-          </a:p>
-        </p:txBody>
-      </p:sp>
-      <p:sp>
-        <p:nvSpPr>
-          <p:cNvPr id="10" name="TextBox 9">
-            <a:extLst>
-              <a:ext uri="{FF2B5EF4-FFF2-40B4-BE49-F238E27FC236}">
-                <a16:creationId xmlns:a16="http://schemas.microsoft.com/office/drawing/2014/main" id="{56C5080F-05F1-074F-8A8F-100D1D7CFEE3}"/>
-              </a:ext>
-            </a:extLst>
-          </p:cNvPr>
-          <p:cNvSpPr txBox="1"/>
-          <p:nvPr/>
-        </p:nvSpPr>
-        <p:spPr>
-          <a:xfrm>
-            <a:off x="1618635" y="4888507"/>
-            <a:ext cx="2448106" cy="1015663"/>
-          </a:xfrm>
-          <a:prstGeom prst="rect">
-            <a:avLst/>
-          </a:prstGeom>
-          <a:noFill/>
-        </p:spPr>
-        <p:txBody>
-          <a:bodyPr wrap="none" rtlCol="0">
-            <a:spAutoFit/>
-          </a:bodyPr>
-          <a:lstStyle/>
-          <a:p>
-            <a:r>
-              <a:rPr lang="ja-JP" altLang="en-US" sz="2000" u="sng">
-                <a:latin typeface="MS PMincho" panose="02020600040205080304" pitchFamily="18" charset="-128"/>
-                <a:ea typeface="MS PMincho" panose="02020600040205080304" pitchFamily="18" charset="-128"/>
-              </a:rPr>
-              <a:t>内訳　　　　　　　　</a:t>
-            </a:r>
-            <a:r>
-              <a:rPr lang="en-US" altLang="ja-JP" sz="2000" u="sng" dirty="0">
-                <a:latin typeface="MS PMincho" panose="02020600040205080304" pitchFamily="18" charset="-128"/>
-                <a:ea typeface="MS PMincho" panose="02020600040205080304" pitchFamily="18" charset="-128"/>
-              </a:rPr>
-              <a:t>   </a:t>
-            </a:r>
-            <a:r>
-              <a:rPr lang="ja-JP" altLang="en-US" sz="2000" u="sng">
-                <a:latin typeface="MS PMincho" panose="02020600040205080304" pitchFamily="18" charset="-128"/>
-                <a:ea typeface="MS PMincho" panose="02020600040205080304" pitchFamily="18" charset="-128"/>
-              </a:rPr>
-              <a:t>　</a:t>
-            </a:r>
-            <a:endParaRPr lang="en-US" altLang="ja-JP" sz="2000" u="sng" dirty="0">
-              <a:latin typeface="MS PMincho" panose="02020600040205080304" pitchFamily="18" charset="-128"/>
-              <a:ea typeface="MS PMincho" panose="02020600040205080304" pitchFamily="18" charset="-128"/>
-            </a:endParaRPr>
-          </a:p>
-          <a:p>
-            <a:r>
-              <a:rPr lang="ja-JP" altLang="en-US" sz="2000">
-                <a:latin typeface="MS PMincho" panose="02020600040205080304" pitchFamily="18" charset="-128"/>
-                <a:ea typeface="MS PMincho" panose="02020600040205080304" pitchFamily="18" charset="-128"/>
-              </a:rPr>
-              <a:t>税抜き金額  </a:t>
-            </a:r>
-            <a:r>
-              <a:rPr lang="en-US" altLang="ja-JP" sz="2000" dirty="0">
-                <a:latin typeface="MS PMincho" panose="02020600040205080304" pitchFamily="18" charset="-128"/>
-                <a:ea typeface="MS PMincho" panose="02020600040205080304" pitchFamily="18" charset="-128"/>
-              </a:rPr>
-              <a:t>  </a:t>
-            </a:r>
-            <a:r>
-              <a:rPr lang="ja-JP" altLang="en-US" sz="2000">
-                <a:latin typeface="MS PMincho" panose="02020600040205080304" pitchFamily="18" charset="-128"/>
-                <a:ea typeface="MS PMincho" panose="02020600040205080304" pitchFamily="18" charset="-128"/>
-              </a:rPr>
-              <a:t>￥</a:t>
-            </a:r>
-            <a:r>
-              <a:rPr lang="en-US" altLang="ja-JP" sz="2000" dirty="0">
-                <a:latin typeface="MS PMincho" panose="02020600040205080304" pitchFamily="18" charset="-128"/>
-                <a:ea typeface="MS PMincho" panose="02020600040205080304" pitchFamily="18" charset="-128"/>
-              </a:rPr>
-              <a:t>463</a:t>
-            </a:r>
-          </a:p>
-          <a:p>
-            <a:r>
-              <a:rPr lang="ja-JP" altLang="en-US" sz="2000">
-                <a:latin typeface="MS PMincho" panose="02020600040205080304" pitchFamily="18" charset="-128"/>
-                <a:ea typeface="MS PMincho" panose="02020600040205080304" pitchFamily="18" charset="-128"/>
-              </a:rPr>
-              <a:t>消費税</a:t>
-            </a:r>
-            <a:r>
-              <a:rPr lang="en-US" altLang="ja-JP" sz="2000" dirty="0">
-                <a:latin typeface="MS PMincho" panose="02020600040205080304" pitchFamily="18" charset="-128"/>
-                <a:ea typeface="MS PMincho" panose="02020600040205080304" pitchFamily="18" charset="-128"/>
-              </a:rPr>
-              <a:t>(8%)</a:t>
-            </a:r>
-            <a:r>
-              <a:rPr lang="ja-JP" altLang="en-US" sz="2000">
-                <a:latin typeface="MS PMincho" panose="02020600040205080304" pitchFamily="18" charset="-128"/>
-                <a:ea typeface="MS PMincho" panose="02020600040205080304" pitchFamily="18" charset="-128"/>
-              </a:rPr>
-              <a:t>額</a:t>
-            </a:r>
-            <a:r>
-              <a:rPr lang="en-US" altLang="ja-JP" sz="2000" dirty="0">
-                <a:latin typeface="MS PMincho" panose="02020600040205080304" pitchFamily="18" charset="-128"/>
-                <a:ea typeface="MS PMincho" panose="02020600040205080304" pitchFamily="18" charset="-128"/>
-              </a:rPr>
-              <a:t> </a:t>
-            </a:r>
-            <a:r>
-              <a:rPr lang="ja-JP" altLang="en-US" sz="2000">
-                <a:latin typeface="MS PMincho" panose="02020600040205080304" pitchFamily="18" charset="-128"/>
-                <a:ea typeface="MS PMincho" panose="02020600040205080304" pitchFamily="18" charset="-128"/>
-              </a:rPr>
-              <a:t>  ￥</a:t>
-            </a:r>
-            <a:r>
-              <a:rPr lang="en-US" altLang="ja-JP" sz="2000" dirty="0">
-                <a:latin typeface="MS PMincho" panose="02020600040205080304" pitchFamily="18" charset="-128"/>
-                <a:ea typeface="MS PMincho" panose="02020600040205080304" pitchFamily="18" charset="-128"/>
-              </a:rPr>
-              <a:t>37</a:t>
-            </a:r>
-            <a:endParaRPr lang="en-US" sz="2000" dirty="0">
-              <a:latin typeface="MS PMincho" panose="02020600040205080304" pitchFamily="18" charset="-128"/>
-              <a:ea typeface="MS PMincho" panose="02020600040205080304" pitchFamily="18" charset="-128"/>
-            </a:endParaRPr>
-          </a:p>
-        </p:txBody>
-      </p:sp>
-      <p:sp>
-        <p:nvSpPr>
-          <p:cNvPr id="11" name="TextBox 10">
-            <a:extLst>
-              <a:ext uri="{FF2B5EF4-FFF2-40B4-BE49-F238E27FC236}">
-                <a16:creationId xmlns:a16="http://schemas.microsoft.com/office/drawing/2014/main" id="{6E16820D-7117-6C49-986E-38BC06D76494}"/>
-              </a:ext>
-            </a:extLst>
-          </p:cNvPr>
-          <p:cNvSpPr txBox="1"/>
-          <p:nvPr/>
-        </p:nvSpPr>
-        <p:spPr>
-          <a:xfrm>
-            <a:off x="6545670" y="4882854"/>
-            <a:ext cx="5112297" cy="1200329"/>
-          </a:xfrm>
-          <a:prstGeom prst="rect">
-            <a:avLst/>
-          </a:prstGeom>
-          <a:noFill/>
-        </p:spPr>
-        <p:txBody>
-          <a:bodyPr wrap="none" rtlCol="0">
-            <a:spAutoFit/>
-          </a:bodyPr>
-          <a:lstStyle/>
-          <a:p>
-            <a:r>
-              <a:rPr lang="ja-JP" altLang="en-US">
-                <a:latin typeface="MS PMincho" panose="02020600040205080304" pitchFamily="18" charset="-128"/>
-                <a:ea typeface="MS PMincho" panose="02020600040205080304" pitchFamily="18" charset="-128"/>
-              </a:rPr>
-              <a:t>〒</a:t>
-            </a:r>
-            <a:r>
-              <a:rPr lang="en-US" altLang="ja-JP" dirty="0">
-                <a:latin typeface="MS PMincho" panose="02020600040205080304" pitchFamily="18" charset="-128"/>
-                <a:ea typeface="MS PMincho" panose="02020600040205080304" pitchFamily="18" charset="-128"/>
-              </a:rPr>
-              <a:t>1</a:t>
-            </a:r>
-            <a:r>
-              <a:rPr lang="ja-JP" altLang="en-US">
-                <a:latin typeface="MS PMincho" panose="02020600040205080304" pitchFamily="18" charset="-128"/>
-                <a:ea typeface="MS PMincho" panose="02020600040205080304" pitchFamily="18" charset="-128"/>
-              </a:rPr>
-              <a:t> </a:t>
-            </a:r>
-            <a:r>
-              <a:rPr lang="en-US" altLang="ja-JP" dirty="0">
-                <a:latin typeface="MS PMincho" panose="02020600040205080304" pitchFamily="18" charset="-128"/>
-                <a:ea typeface="MS PMincho" panose="02020600040205080304" pitchFamily="18" charset="-128"/>
-              </a:rPr>
-              <a:t>03-0023</a:t>
-            </a:r>
-            <a:br>
-              <a:rPr lang="en-US" altLang="ja-JP" dirty="0">
-                <a:latin typeface="MS PMincho" panose="02020600040205080304" pitchFamily="18" charset="-128"/>
-                <a:ea typeface="MS PMincho" panose="02020600040205080304" pitchFamily="18" charset="-128"/>
-              </a:rPr>
-            </a:br>
-            <a:r>
-              <a:rPr lang="ja-JP" altLang="en-US">
-                <a:latin typeface="MS PMincho" panose="02020600040205080304" pitchFamily="18" charset="-128"/>
-                <a:ea typeface="MS PMincho" panose="02020600040205080304" pitchFamily="18" charset="-128"/>
-              </a:rPr>
-              <a:t>東京都中央区日本橋本町</a:t>
-            </a:r>
-            <a:r>
-              <a:rPr lang="en-US" altLang="ja-JP" dirty="0">
-                <a:latin typeface="MS PMincho" panose="02020600040205080304" pitchFamily="18" charset="-128"/>
-                <a:ea typeface="MS PMincho" panose="02020600040205080304" pitchFamily="18" charset="-128"/>
-              </a:rPr>
-              <a:t>4-8-16 </a:t>
-            </a:r>
-            <a:r>
-              <a:rPr lang="ja-JP" altLang="en-US">
-                <a:latin typeface="MS PMincho" panose="02020600040205080304" pitchFamily="18" charset="-128"/>
-                <a:ea typeface="MS PMincho" panose="02020600040205080304" pitchFamily="18" charset="-128"/>
-              </a:rPr>
-              <a:t>千城ビル</a:t>
-            </a:r>
-            <a:r>
-              <a:rPr lang="en-US" altLang="ja-JP" dirty="0">
-                <a:latin typeface="MS PMincho" panose="02020600040205080304" pitchFamily="18" charset="-128"/>
-                <a:ea typeface="MS PMincho" panose="02020600040205080304" pitchFamily="18" charset="-128"/>
-              </a:rPr>
-              <a:t>5</a:t>
-            </a:r>
-            <a:r>
-              <a:rPr lang="en-US" dirty="0">
-                <a:latin typeface="MS PMincho" panose="02020600040205080304" pitchFamily="18" charset="-128"/>
-                <a:ea typeface="MS PMincho" panose="02020600040205080304" pitchFamily="18" charset="-128"/>
-              </a:rPr>
-              <a:t>F </a:t>
-            </a:r>
-            <a:r>
-              <a:rPr lang="en-US" dirty="0" err="1">
-                <a:latin typeface="MS PMincho" panose="02020600040205080304" pitchFamily="18" charset="-128"/>
-                <a:ea typeface="MS PMincho" panose="02020600040205080304" pitchFamily="18" charset="-128"/>
-              </a:rPr>
-              <a:t>BcH</a:t>
-            </a:r>
-            <a:endParaRPr lang="en-US" altLang="ja-JP" dirty="0">
-              <a:latin typeface="MS PMincho" panose="02020600040205080304" pitchFamily="18" charset="-128"/>
-              <a:ea typeface="MS PMincho" panose="02020600040205080304" pitchFamily="18" charset="-128"/>
-            </a:endParaRPr>
-          </a:p>
-          <a:p>
-            <a:r>
-              <a:rPr lang="ja-JP" altLang="en-US">
-                <a:latin typeface="MS PMincho" panose="02020600040205080304" pitchFamily="18" charset="-128"/>
-                <a:ea typeface="MS PMincho" panose="02020600040205080304" pitchFamily="18" charset="-128"/>
-              </a:rPr>
-              <a:t>株式会社ゼタント</a:t>
-            </a:r>
-            <a:endParaRPr lang="en-US" altLang="ja-JP" dirty="0">
-              <a:latin typeface="MS PMincho" panose="02020600040205080304" pitchFamily="18" charset="-128"/>
-              <a:ea typeface="MS PMincho" panose="02020600040205080304" pitchFamily="18" charset="-128"/>
-            </a:endParaRPr>
-          </a:p>
-          <a:p>
-            <a:r>
-              <a:rPr lang="en-US" dirty="0">
-                <a:latin typeface="MS PMincho" panose="02020600040205080304" pitchFamily="18" charset="-128"/>
-                <a:ea typeface="MS PMincho" panose="02020600040205080304" pitchFamily="18" charset="-128"/>
-              </a:rPr>
-              <a:t>TEL: 03-5734-1161</a:t>
-            </a:r>
-          </a:p>
-        </p:txBody>
-      </p:sp>
-    </p:spTree>
-    <p:extLst>
-      <p:ext uri="{BB962C8B-B14F-4D97-AF65-F5344CB8AC3E}">
-        <p14:creationId xmlns:p14="http://schemas.microsoft.com/office/powerpoint/2010/main" val="1869203610"/>
-      </p:ext>
-    </p:extLst>
-  </p:cSld>
-  <p:clrMapOvr>
-    <a:masterClrMapping/>
-  </p:clrMapOvr>
-</p:sld>
-</file>
-
-<file path=ppt/slides/slide18.xml><?xml version="1.0" encoding="utf-8"?>
-<p:sld xmlns:a="http://schemas.openxmlformats.org/drawingml/2006/main" xmlns:r="http://schemas.openxmlformats.org/officeDocument/2006/relationships" xmlns:p="http://schemas.openxmlformats.org/presentationml/2006/main">
-  <p:cSld>
-    <p:spTree>
-      <p:nvGrpSpPr>
-        <p:cNvPr id="1" name=""/>
-        <p:cNvGrpSpPr/>
-        <p:nvPr/>
-      </p:nvGrpSpPr>
-      <p:grpSpPr>
-        <a:xfrm>
-          <a:off x="0" y="0"/>
-          <a:ext cx="0" cy="0"/>
-          <a:chOff x="0" y="0"/>
-          <a:chExt cx="0" cy="0"/>
-        </a:xfrm>
-      </p:grpSpPr>
-      <p:sp>
-        <p:nvSpPr>
-          <p:cNvPr id="4" name="TextBox 3">
-            <a:extLst>
-              <a:ext uri="{FF2B5EF4-FFF2-40B4-BE49-F238E27FC236}">
-                <a16:creationId xmlns:a16="http://schemas.microsoft.com/office/drawing/2014/main" id="{CE4A5ADC-C63F-5C4B-BF79-AB5FFF7F654A}"/>
-              </a:ext>
-            </a:extLst>
-          </p:cNvPr>
-          <p:cNvSpPr txBox="1"/>
-          <p:nvPr/>
-        </p:nvSpPr>
-        <p:spPr>
-          <a:xfrm>
-            <a:off x="5037056" y="546538"/>
-            <a:ext cx="2117887" cy="861774"/>
-          </a:xfrm>
-          <a:prstGeom prst="rect">
-            <a:avLst/>
-          </a:prstGeom>
-          <a:noFill/>
-        </p:spPr>
-        <p:txBody>
-          <a:bodyPr wrap="none" rtlCol="0">
-            <a:spAutoFit/>
-          </a:bodyPr>
-          <a:lstStyle/>
-          <a:p>
-            <a:pPr algn="ctr"/>
-            <a:r>
-              <a:rPr lang="ja-JP" altLang="en-US" sz="5000" b="1">
-                <a:latin typeface="MS PMincho" panose="02020600040205080304" pitchFamily="18" charset="-128"/>
-                <a:ea typeface="MS PMincho" panose="02020600040205080304" pitchFamily="18" charset="-128"/>
-              </a:rPr>
-              <a:t>領収書</a:t>
-            </a:r>
-            <a:endParaRPr lang="en-US" sz="5000" b="1" dirty="0">
-              <a:latin typeface="MS PMincho" panose="02020600040205080304" pitchFamily="18" charset="-128"/>
-              <a:ea typeface="MS PMincho" panose="02020600040205080304" pitchFamily="18" charset="-128"/>
-            </a:endParaRPr>
-          </a:p>
-        </p:txBody>
-      </p:sp>
-      <p:sp>
-        <p:nvSpPr>
-          <p:cNvPr id="5" name="TextBox 4">
-            <a:extLst>
-              <a:ext uri="{FF2B5EF4-FFF2-40B4-BE49-F238E27FC236}">
-                <a16:creationId xmlns:a16="http://schemas.microsoft.com/office/drawing/2014/main" id="{6AB7C405-EBA8-2D41-A6E8-9C8C1B1B8913}"/>
-              </a:ext>
-            </a:extLst>
-          </p:cNvPr>
-          <p:cNvSpPr txBox="1"/>
-          <p:nvPr/>
-        </p:nvSpPr>
-        <p:spPr>
-          <a:xfrm>
-            <a:off x="8407189" y="546538"/>
-            <a:ext cx="1696298" cy="369332"/>
-          </a:xfrm>
-          <a:prstGeom prst="rect">
-            <a:avLst/>
-          </a:prstGeom>
-          <a:noFill/>
-        </p:spPr>
-        <p:txBody>
-          <a:bodyPr wrap="none" rtlCol="0">
-            <a:spAutoFit/>
-          </a:bodyPr>
-          <a:lstStyle/>
-          <a:p>
-            <a:r>
-              <a:rPr lang="en-US" u="sng" dirty="0">
-                <a:latin typeface="MS PMincho" panose="02020600040205080304" pitchFamily="18" charset="-128"/>
-                <a:ea typeface="MS PMincho" panose="02020600040205080304" pitchFamily="18" charset="-128"/>
-              </a:rPr>
-              <a:t>2019</a:t>
-            </a:r>
-            <a:r>
-              <a:rPr lang="ja-JP" altLang="en-US" u="sng">
-                <a:latin typeface="MS PMincho" panose="02020600040205080304" pitchFamily="18" charset="-128"/>
-                <a:ea typeface="MS PMincho" panose="02020600040205080304" pitchFamily="18" charset="-128"/>
-              </a:rPr>
-              <a:t>年</a:t>
-            </a:r>
-            <a:r>
-              <a:rPr lang="en-US" altLang="ja-JP" u="sng" dirty="0">
-                <a:latin typeface="MS PMincho" panose="02020600040205080304" pitchFamily="18" charset="-128"/>
-                <a:ea typeface="MS PMincho" panose="02020600040205080304" pitchFamily="18" charset="-128"/>
-              </a:rPr>
-              <a:t>9</a:t>
-            </a:r>
-            <a:r>
-              <a:rPr lang="ja-JP" altLang="en-US" u="sng">
-                <a:latin typeface="MS PMincho" panose="02020600040205080304" pitchFamily="18" charset="-128"/>
-                <a:ea typeface="MS PMincho" panose="02020600040205080304" pitchFamily="18" charset="-128"/>
-              </a:rPr>
-              <a:t>月</a:t>
-            </a:r>
-            <a:r>
-              <a:rPr lang="en-US" altLang="ja-JP" u="sng" dirty="0">
-                <a:latin typeface="MS PMincho" panose="02020600040205080304" pitchFamily="18" charset="-128"/>
-                <a:ea typeface="MS PMincho" panose="02020600040205080304" pitchFamily="18" charset="-128"/>
-              </a:rPr>
-              <a:t>19</a:t>
-            </a:r>
-            <a:r>
-              <a:rPr lang="ja-JP" altLang="en-US" u="sng">
-                <a:latin typeface="MS PMincho" panose="02020600040205080304" pitchFamily="18" charset="-128"/>
-                <a:ea typeface="MS PMincho" panose="02020600040205080304" pitchFamily="18" charset="-128"/>
-              </a:rPr>
-              <a:t>日</a:t>
-            </a:r>
-            <a:endParaRPr lang="en-US" u="sng" dirty="0">
-              <a:latin typeface="MS PMincho" panose="02020600040205080304" pitchFamily="18" charset="-128"/>
-              <a:ea typeface="MS PMincho" panose="02020600040205080304" pitchFamily="18" charset="-128"/>
-            </a:endParaRPr>
-          </a:p>
-        </p:txBody>
-      </p:sp>
-      <p:sp>
-        <p:nvSpPr>
-          <p:cNvPr id="6" name="TextBox 5">
-            <a:extLst>
-              <a:ext uri="{FF2B5EF4-FFF2-40B4-BE49-F238E27FC236}">
-                <a16:creationId xmlns:a16="http://schemas.microsoft.com/office/drawing/2014/main" id="{57203D7A-B859-D54C-AFC2-25EE7E0097D2}"/>
-              </a:ext>
-            </a:extLst>
-          </p:cNvPr>
-          <p:cNvSpPr txBox="1"/>
-          <p:nvPr/>
-        </p:nvSpPr>
-        <p:spPr>
-          <a:xfrm>
-            <a:off x="1360812" y="1775296"/>
-            <a:ext cx="3159839" cy="400110"/>
-          </a:xfrm>
-          <a:prstGeom prst="rect">
-            <a:avLst/>
-          </a:prstGeom>
-          <a:noFill/>
-        </p:spPr>
-        <p:txBody>
-          <a:bodyPr wrap="none" rtlCol="0">
-            <a:spAutoFit/>
-          </a:bodyPr>
-          <a:lstStyle/>
-          <a:p>
-            <a:r>
-              <a:rPr lang="ja-JP" altLang="en-US" sz="2000" u="sng">
-                <a:latin typeface="MS PMincho" panose="02020600040205080304" pitchFamily="18" charset="-128"/>
-                <a:ea typeface="MS PMincho" panose="02020600040205080304" pitchFamily="18" charset="-128"/>
-              </a:rPr>
-              <a:t>　　　　　　　　　　　　　　　　様</a:t>
-            </a:r>
-            <a:endParaRPr lang="en-US" sz="2000" u="sng" dirty="0">
-              <a:latin typeface="MS PMincho" panose="02020600040205080304" pitchFamily="18" charset="-128"/>
-              <a:ea typeface="MS PMincho" panose="02020600040205080304" pitchFamily="18" charset="-128"/>
-            </a:endParaRPr>
-          </a:p>
-        </p:txBody>
-      </p:sp>
-      <p:sp>
-        <p:nvSpPr>
-          <p:cNvPr id="7" name="TextBox 6">
-            <a:extLst>
-              <a:ext uri="{FF2B5EF4-FFF2-40B4-BE49-F238E27FC236}">
-                <a16:creationId xmlns:a16="http://schemas.microsoft.com/office/drawing/2014/main" id="{B4D4C185-2E76-9744-BDC4-89CC1E44A0D7}"/>
-              </a:ext>
-            </a:extLst>
-          </p:cNvPr>
-          <p:cNvSpPr txBox="1"/>
-          <p:nvPr/>
-        </p:nvSpPr>
-        <p:spPr>
-          <a:xfrm>
-            <a:off x="4423106" y="2282740"/>
-            <a:ext cx="3345788" cy="1015663"/>
-          </a:xfrm>
-          <a:prstGeom prst="rect">
-            <a:avLst/>
-          </a:prstGeom>
-          <a:noFill/>
-        </p:spPr>
-        <p:txBody>
-          <a:bodyPr wrap="none" rtlCol="0">
-            <a:spAutoFit/>
-          </a:bodyPr>
-          <a:lstStyle/>
-          <a:p>
-            <a:pPr algn="ctr"/>
-            <a:r>
-              <a:rPr lang="en-US" sz="6000" b="1" u="sng" dirty="0">
-                <a:latin typeface="MS PMincho" panose="02020600040205080304" pitchFamily="18" charset="-128"/>
-                <a:ea typeface="MS PMincho" panose="02020600040205080304" pitchFamily="18" charset="-128"/>
-              </a:rPr>
-              <a:t>￥500 </a:t>
-            </a:r>
-            <a:r>
-              <a:rPr lang="en-US" sz="3000" b="1" u="sng" dirty="0">
-                <a:latin typeface="MS PMincho" panose="02020600040205080304" pitchFamily="18" charset="-128"/>
-                <a:ea typeface="MS PMincho" panose="02020600040205080304" pitchFamily="18" charset="-128"/>
-              </a:rPr>
-              <a:t>(</a:t>
-            </a:r>
-            <a:r>
-              <a:rPr lang="ja-JP" altLang="en-US" sz="3000" b="1" u="sng">
-                <a:latin typeface="MS PMincho" panose="02020600040205080304" pitchFamily="18" charset="-128"/>
-                <a:ea typeface="MS PMincho" panose="02020600040205080304" pitchFamily="18" charset="-128"/>
-              </a:rPr>
-              <a:t>税込</a:t>
-            </a:r>
-            <a:r>
-              <a:rPr lang="en-US" sz="3000" b="1" u="sng" dirty="0">
-                <a:latin typeface="MS PMincho" panose="02020600040205080304" pitchFamily="18" charset="-128"/>
-                <a:ea typeface="MS PMincho" panose="02020600040205080304" pitchFamily="18" charset="-128"/>
-              </a:rPr>
-              <a:t>)</a:t>
-            </a:r>
-          </a:p>
-        </p:txBody>
-      </p:sp>
-      <p:sp>
-        <p:nvSpPr>
-          <p:cNvPr id="8" name="TextBox 7">
-            <a:extLst>
-              <a:ext uri="{FF2B5EF4-FFF2-40B4-BE49-F238E27FC236}">
-                <a16:creationId xmlns:a16="http://schemas.microsoft.com/office/drawing/2014/main" id="{29B684C0-7E0F-DB46-B6AC-A6849DBDC544}"/>
-              </a:ext>
-            </a:extLst>
-          </p:cNvPr>
-          <p:cNvSpPr txBox="1"/>
-          <p:nvPr/>
-        </p:nvSpPr>
-        <p:spPr>
-          <a:xfrm>
-            <a:off x="4297269" y="3675130"/>
-            <a:ext cx="3597460" cy="830997"/>
-          </a:xfrm>
-          <a:prstGeom prst="rect">
-            <a:avLst/>
-          </a:prstGeom>
-          <a:noFill/>
-        </p:spPr>
-        <p:txBody>
-          <a:bodyPr wrap="none" rtlCol="0">
-            <a:spAutoFit/>
-          </a:bodyPr>
-          <a:lstStyle/>
-          <a:p>
-            <a:r>
-              <a:rPr lang="ja-JP" altLang="en-US" sz="2400">
-                <a:latin typeface="MS PMincho" panose="02020600040205080304" pitchFamily="18" charset="-128"/>
-                <a:ea typeface="MS PMincho" panose="02020600040205080304" pitchFamily="18" charset="-128"/>
-              </a:rPr>
-              <a:t>但　</a:t>
-            </a:r>
-            <a:r>
-              <a:rPr lang="ja-JP" altLang="en-US" sz="2400" u="sng">
-                <a:latin typeface="MS PMincho" panose="02020600040205080304" pitchFamily="18" charset="-128"/>
-                <a:ea typeface="MS PMincho" panose="02020600040205080304" pitchFamily="18" charset="-128"/>
-              </a:rPr>
-              <a:t>勉強会参加費として</a:t>
-            </a:r>
-            <a:endParaRPr lang="en-US" altLang="ja-JP" sz="2400" u="sng" dirty="0">
-              <a:latin typeface="MS PMincho" panose="02020600040205080304" pitchFamily="18" charset="-128"/>
-              <a:ea typeface="MS PMincho" panose="02020600040205080304" pitchFamily="18" charset="-128"/>
-            </a:endParaRPr>
-          </a:p>
-          <a:p>
-            <a:r>
-              <a:rPr lang="ja-JP" altLang="en-US" sz="2400">
-                <a:latin typeface="MS PMincho" panose="02020600040205080304" pitchFamily="18" charset="-128"/>
-                <a:ea typeface="MS PMincho" panose="02020600040205080304" pitchFamily="18" charset="-128"/>
-              </a:rPr>
-              <a:t>上記正に領収いたしました</a:t>
-            </a:r>
-            <a:endParaRPr lang="en-US" sz="2400" dirty="0">
-              <a:latin typeface="MS PMincho" panose="02020600040205080304" pitchFamily="18" charset="-128"/>
-              <a:ea typeface="MS PMincho" panose="02020600040205080304" pitchFamily="18" charset="-128"/>
-            </a:endParaRPr>
-          </a:p>
-        </p:txBody>
-      </p:sp>
-      <p:sp>
-        <p:nvSpPr>
-          <p:cNvPr id="10" name="TextBox 9">
-            <a:extLst>
-              <a:ext uri="{FF2B5EF4-FFF2-40B4-BE49-F238E27FC236}">
-                <a16:creationId xmlns:a16="http://schemas.microsoft.com/office/drawing/2014/main" id="{56C5080F-05F1-074F-8A8F-100D1D7CFEE3}"/>
-              </a:ext>
-            </a:extLst>
-          </p:cNvPr>
-          <p:cNvSpPr txBox="1"/>
-          <p:nvPr/>
-        </p:nvSpPr>
-        <p:spPr>
-          <a:xfrm>
-            <a:off x="1618635" y="4888507"/>
-            <a:ext cx="2448106" cy="1015663"/>
-          </a:xfrm>
-          <a:prstGeom prst="rect">
-            <a:avLst/>
-          </a:prstGeom>
-          <a:noFill/>
-        </p:spPr>
-        <p:txBody>
-          <a:bodyPr wrap="none" rtlCol="0">
-            <a:spAutoFit/>
-          </a:bodyPr>
-          <a:lstStyle/>
-          <a:p>
-            <a:r>
-              <a:rPr lang="ja-JP" altLang="en-US" sz="2000" u="sng">
-                <a:latin typeface="MS PMincho" panose="02020600040205080304" pitchFamily="18" charset="-128"/>
-                <a:ea typeface="MS PMincho" panose="02020600040205080304" pitchFamily="18" charset="-128"/>
-              </a:rPr>
-              <a:t>内訳　　　　　　　　</a:t>
-            </a:r>
-            <a:r>
-              <a:rPr lang="en-US" altLang="ja-JP" sz="2000" u="sng" dirty="0">
-                <a:latin typeface="MS PMincho" panose="02020600040205080304" pitchFamily="18" charset="-128"/>
-                <a:ea typeface="MS PMincho" panose="02020600040205080304" pitchFamily="18" charset="-128"/>
-              </a:rPr>
-              <a:t>   </a:t>
-            </a:r>
-            <a:r>
-              <a:rPr lang="ja-JP" altLang="en-US" sz="2000" u="sng">
-                <a:latin typeface="MS PMincho" panose="02020600040205080304" pitchFamily="18" charset="-128"/>
-                <a:ea typeface="MS PMincho" panose="02020600040205080304" pitchFamily="18" charset="-128"/>
-              </a:rPr>
-              <a:t>　</a:t>
-            </a:r>
-            <a:endParaRPr lang="en-US" altLang="ja-JP" sz="2000" u="sng" dirty="0">
-              <a:latin typeface="MS PMincho" panose="02020600040205080304" pitchFamily="18" charset="-128"/>
-              <a:ea typeface="MS PMincho" panose="02020600040205080304" pitchFamily="18" charset="-128"/>
-            </a:endParaRPr>
-          </a:p>
-          <a:p>
-            <a:r>
-              <a:rPr lang="ja-JP" altLang="en-US" sz="2000">
-                <a:latin typeface="MS PMincho" panose="02020600040205080304" pitchFamily="18" charset="-128"/>
-                <a:ea typeface="MS PMincho" panose="02020600040205080304" pitchFamily="18" charset="-128"/>
-              </a:rPr>
-              <a:t>税抜き金額  </a:t>
-            </a:r>
-            <a:r>
-              <a:rPr lang="en-US" altLang="ja-JP" sz="2000" dirty="0">
-                <a:latin typeface="MS PMincho" panose="02020600040205080304" pitchFamily="18" charset="-128"/>
-                <a:ea typeface="MS PMincho" panose="02020600040205080304" pitchFamily="18" charset="-128"/>
-              </a:rPr>
-              <a:t>  </a:t>
-            </a:r>
-            <a:r>
-              <a:rPr lang="ja-JP" altLang="en-US" sz="2000">
-                <a:latin typeface="MS PMincho" panose="02020600040205080304" pitchFamily="18" charset="-128"/>
-                <a:ea typeface="MS PMincho" panose="02020600040205080304" pitchFamily="18" charset="-128"/>
-              </a:rPr>
-              <a:t>￥</a:t>
-            </a:r>
-            <a:r>
-              <a:rPr lang="en-US" altLang="ja-JP" sz="2000" dirty="0">
-                <a:latin typeface="MS PMincho" panose="02020600040205080304" pitchFamily="18" charset="-128"/>
-                <a:ea typeface="MS PMincho" panose="02020600040205080304" pitchFamily="18" charset="-128"/>
-              </a:rPr>
-              <a:t>463</a:t>
-            </a:r>
-          </a:p>
-          <a:p>
-            <a:r>
-              <a:rPr lang="ja-JP" altLang="en-US" sz="2000">
-                <a:latin typeface="MS PMincho" panose="02020600040205080304" pitchFamily="18" charset="-128"/>
-                <a:ea typeface="MS PMincho" panose="02020600040205080304" pitchFamily="18" charset="-128"/>
-              </a:rPr>
-              <a:t>消費税</a:t>
-            </a:r>
-            <a:r>
-              <a:rPr lang="en-US" altLang="ja-JP" sz="2000" dirty="0">
-                <a:latin typeface="MS PMincho" panose="02020600040205080304" pitchFamily="18" charset="-128"/>
-                <a:ea typeface="MS PMincho" panose="02020600040205080304" pitchFamily="18" charset="-128"/>
-              </a:rPr>
-              <a:t>(8%)</a:t>
-            </a:r>
-            <a:r>
-              <a:rPr lang="ja-JP" altLang="en-US" sz="2000">
-                <a:latin typeface="MS PMincho" panose="02020600040205080304" pitchFamily="18" charset="-128"/>
-                <a:ea typeface="MS PMincho" panose="02020600040205080304" pitchFamily="18" charset="-128"/>
-              </a:rPr>
-              <a:t>額</a:t>
-            </a:r>
-            <a:r>
-              <a:rPr lang="en-US" altLang="ja-JP" sz="2000" dirty="0">
-                <a:latin typeface="MS PMincho" panose="02020600040205080304" pitchFamily="18" charset="-128"/>
-                <a:ea typeface="MS PMincho" panose="02020600040205080304" pitchFamily="18" charset="-128"/>
-              </a:rPr>
-              <a:t> </a:t>
-            </a:r>
-            <a:r>
-              <a:rPr lang="ja-JP" altLang="en-US" sz="2000">
-                <a:latin typeface="MS PMincho" panose="02020600040205080304" pitchFamily="18" charset="-128"/>
-                <a:ea typeface="MS PMincho" panose="02020600040205080304" pitchFamily="18" charset="-128"/>
-              </a:rPr>
-              <a:t>  ￥</a:t>
-            </a:r>
-            <a:r>
-              <a:rPr lang="en-US" altLang="ja-JP" sz="2000" dirty="0">
-                <a:latin typeface="MS PMincho" panose="02020600040205080304" pitchFamily="18" charset="-128"/>
-                <a:ea typeface="MS PMincho" panose="02020600040205080304" pitchFamily="18" charset="-128"/>
-              </a:rPr>
-              <a:t>37</a:t>
-            </a:r>
-            <a:endParaRPr lang="en-US" sz="2000" dirty="0">
-              <a:latin typeface="MS PMincho" panose="02020600040205080304" pitchFamily="18" charset="-128"/>
-              <a:ea typeface="MS PMincho" panose="02020600040205080304" pitchFamily="18" charset="-128"/>
-            </a:endParaRPr>
-          </a:p>
-        </p:txBody>
-      </p:sp>
-      <p:sp>
-        <p:nvSpPr>
-          <p:cNvPr id="11" name="TextBox 10">
-            <a:extLst>
-              <a:ext uri="{FF2B5EF4-FFF2-40B4-BE49-F238E27FC236}">
-                <a16:creationId xmlns:a16="http://schemas.microsoft.com/office/drawing/2014/main" id="{6E16820D-7117-6C49-986E-38BC06D76494}"/>
-              </a:ext>
-            </a:extLst>
-          </p:cNvPr>
-          <p:cNvSpPr txBox="1"/>
-          <p:nvPr/>
-        </p:nvSpPr>
-        <p:spPr>
-          <a:xfrm>
-            <a:off x="6545670" y="4882854"/>
-            <a:ext cx="5112297" cy="1200329"/>
-          </a:xfrm>
-          <a:prstGeom prst="rect">
-            <a:avLst/>
-          </a:prstGeom>
-          <a:noFill/>
-        </p:spPr>
-        <p:txBody>
-          <a:bodyPr wrap="none" rtlCol="0">
-            <a:spAutoFit/>
-          </a:bodyPr>
-          <a:lstStyle/>
-          <a:p>
-            <a:r>
-              <a:rPr lang="ja-JP" altLang="en-US">
-                <a:latin typeface="MS PMincho" panose="02020600040205080304" pitchFamily="18" charset="-128"/>
-                <a:ea typeface="MS PMincho" panose="02020600040205080304" pitchFamily="18" charset="-128"/>
-              </a:rPr>
-              <a:t>〒</a:t>
-            </a:r>
-            <a:r>
-              <a:rPr lang="en-US" altLang="ja-JP" dirty="0">
-                <a:latin typeface="MS PMincho" panose="02020600040205080304" pitchFamily="18" charset="-128"/>
-                <a:ea typeface="MS PMincho" panose="02020600040205080304" pitchFamily="18" charset="-128"/>
-              </a:rPr>
-              <a:t>1</a:t>
-            </a:r>
-            <a:r>
-              <a:rPr lang="ja-JP" altLang="en-US">
-                <a:latin typeface="MS PMincho" panose="02020600040205080304" pitchFamily="18" charset="-128"/>
-                <a:ea typeface="MS PMincho" panose="02020600040205080304" pitchFamily="18" charset="-128"/>
-              </a:rPr>
-              <a:t> </a:t>
-            </a:r>
-            <a:r>
-              <a:rPr lang="en-US" altLang="ja-JP" dirty="0">
-                <a:latin typeface="MS PMincho" panose="02020600040205080304" pitchFamily="18" charset="-128"/>
-                <a:ea typeface="MS PMincho" panose="02020600040205080304" pitchFamily="18" charset="-128"/>
-              </a:rPr>
-              <a:t>03-0023</a:t>
-            </a:r>
-            <a:br>
-              <a:rPr lang="en-US" altLang="ja-JP" dirty="0">
-                <a:latin typeface="MS PMincho" panose="02020600040205080304" pitchFamily="18" charset="-128"/>
-                <a:ea typeface="MS PMincho" panose="02020600040205080304" pitchFamily="18" charset="-128"/>
-              </a:rPr>
-            </a:br>
-            <a:r>
-              <a:rPr lang="ja-JP" altLang="en-US">
-                <a:latin typeface="MS PMincho" panose="02020600040205080304" pitchFamily="18" charset="-128"/>
-                <a:ea typeface="MS PMincho" panose="02020600040205080304" pitchFamily="18" charset="-128"/>
-              </a:rPr>
-              <a:t>東京都中央区日本橋本町</a:t>
-            </a:r>
-            <a:r>
-              <a:rPr lang="en-US" altLang="ja-JP" dirty="0">
-                <a:latin typeface="MS PMincho" panose="02020600040205080304" pitchFamily="18" charset="-128"/>
-                <a:ea typeface="MS PMincho" panose="02020600040205080304" pitchFamily="18" charset="-128"/>
-              </a:rPr>
-              <a:t>4-8-16 </a:t>
-            </a:r>
-            <a:r>
-              <a:rPr lang="ja-JP" altLang="en-US">
-                <a:latin typeface="MS PMincho" panose="02020600040205080304" pitchFamily="18" charset="-128"/>
-                <a:ea typeface="MS PMincho" panose="02020600040205080304" pitchFamily="18" charset="-128"/>
-              </a:rPr>
-              <a:t>千城ビル</a:t>
-            </a:r>
-            <a:r>
-              <a:rPr lang="en-US" altLang="ja-JP" dirty="0">
-                <a:latin typeface="MS PMincho" panose="02020600040205080304" pitchFamily="18" charset="-128"/>
-                <a:ea typeface="MS PMincho" panose="02020600040205080304" pitchFamily="18" charset="-128"/>
-              </a:rPr>
-              <a:t>5</a:t>
-            </a:r>
-            <a:r>
-              <a:rPr lang="en-US" dirty="0">
-                <a:latin typeface="MS PMincho" panose="02020600040205080304" pitchFamily="18" charset="-128"/>
-                <a:ea typeface="MS PMincho" panose="02020600040205080304" pitchFamily="18" charset="-128"/>
-              </a:rPr>
-              <a:t>F </a:t>
-            </a:r>
-            <a:r>
-              <a:rPr lang="en-US" dirty="0" err="1">
-                <a:latin typeface="MS PMincho" panose="02020600040205080304" pitchFamily="18" charset="-128"/>
-                <a:ea typeface="MS PMincho" panose="02020600040205080304" pitchFamily="18" charset="-128"/>
-              </a:rPr>
-              <a:t>BcH</a:t>
-            </a:r>
-            <a:endParaRPr lang="en-US" altLang="ja-JP" dirty="0">
-              <a:latin typeface="MS PMincho" panose="02020600040205080304" pitchFamily="18" charset="-128"/>
-              <a:ea typeface="MS PMincho" panose="02020600040205080304" pitchFamily="18" charset="-128"/>
-            </a:endParaRPr>
-          </a:p>
-          <a:p>
-            <a:r>
-              <a:rPr lang="ja-JP" altLang="en-US">
-                <a:latin typeface="MS PMincho" panose="02020600040205080304" pitchFamily="18" charset="-128"/>
-                <a:ea typeface="MS PMincho" panose="02020600040205080304" pitchFamily="18" charset="-128"/>
-              </a:rPr>
-              <a:t>株式会社ゼタント</a:t>
-            </a:r>
-            <a:endParaRPr lang="en-US" altLang="ja-JP" dirty="0">
-              <a:latin typeface="MS PMincho" panose="02020600040205080304" pitchFamily="18" charset="-128"/>
-              <a:ea typeface="MS PMincho" panose="02020600040205080304" pitchFamily="18" charset="-128"/>
-            </a:endParaRPr>
-          </a:p>
-          <a:p>
-            <a:r>
-              <a:rPr lang="en-US" dirty="0">
-                <a:latin typeface="MS PMincho" panose="02020600040205080304" pitchFamily="18" charset="-128"/>
-                <a:ea typeface="MS PMincho" panose="02020600040205080304" pitchFamily="18" charset="-128"/>
-              </a:rPr>
-              <a:t>TEL: 03-5734-1161</a:t>
-            </a:r>
-          </a:p>
-        </p:txBody>
-      </p:sp>
-    </p:spTree>
-    <p:extLst>
-      <p:ext uri="{BB962C8B-B14F-4D97-AF65-F5344CB8AC3E}">
-        <p14:creationId xmlns:p14="http://schemas.microsoft.com/office/powerpoint/2010/main" val="4247090696"/>
-      </p:ext>
-    </p:extLst>
-  </p:cSld>
-  <p:clrMapOvr>
-    <a:masterClrMapping/>
-  </p:clrMapOvr>
-</p:sld>
-</file>
-
-<file path=ppt/slides/slide19.xml><?xml version="1.0" encoding="utf-8"?>
-<p:sld xmlns:a="http://schemas.openxmlformats.org/drawingml/2006/main" xmlns:r="http://schemas.openxmlformats.org/officeDocument/2006/relationships" xmlns:p="http://schemas.openxmlformats.org/presentationml/2006/main">
-  <p:cSld>
-    <p:spTree>
-      <p:nvGrpSpPr>
-        <p:cNvPr id="1" name=""/>
-        <p:cNvGrpSpPr/>
-        <p:nvPr/>
-      </p:nvGrpSpPr>
-      <p:grpSpPr>
-        <a:xfrm>
-          <a:off x="0" y="0"/>
-          <a:ext cx="0" cy="0"/>
-          <a:chOff x="0" y="0"/>
-          <a:chExt cx="0" cy="0"/>
-        </a:xfrm>
-      </p:grpSpPr>
-      <p:sp>
-        <p:nvSpPr>
-          <p:cNvPr id="4" name="TextBox 3">
-            <a:extLst>
-              <a:ext uri="{FF2B5EF4-FFF2-40B4-BE49-F238E27FC236}">
-                <a16:creationId xmlns:a16="http://schemas.microsoft.com/office/drawing/2014/main" id="{CE4A5ADC-C63F-5C4B-BF79-AB5FFF7F654A}"/>
-              </a:ext>
-            </a:extLst>
-          </p:cNvPr>
-          <p:cNvSpPr txBox="1"/>
-          <p:nvPr/>
-        </p:nvSpPr>
-        <p:spPr>
-          <a:xfrm>
-            <a:off x="5037056" y="546538"/>
-            <a:ext cx="2117887" cy="861774"/>
-          </a:xfrm>
-          <a:prstGeom prst="rect">
-            <a:avLst/>
-          </a:prstGeom>
-          <a:noFill/>
-        </p:spPr>
-        <p:txBody>
-          <a:bodyPr wrap="none" rtlCol="0">
-            <a:spAutoFit/>
-          </a:bodyPr>
-          <a:lstStyle/>
-          <a:p>
-            <a:pPr algn="ctr"/>
-            <a:r>
-              <a:rPr lang="ja-JP" altLang="en-US" sz="5000" b="1">
-                <a:latin typeface="MS PMincho" panose="02020600040205080304" pitchFamily="18" charset="-128"/>
-                <a:ea typeface="MS PMincho" panose="02020600040205080304" pitchFamily="18" charset="-128"/>
-              </a:rPr>
-              <a:t>領収書</a:t>
-            </a:r>
-            <a:endParaRPr lang="en-US" sz="5000" b="1" dirty="0">
-              <a:latin typeface="MS PMincho" panose="02020600040205080304" pitchFamily="18" charset="-128"/>
-              <a:ea typeface="MS PMincho" panose="02020600040205080304" pitchFamily="18" charset="-128"/>
-            </a:endParaRPr>
-          </a:p>
-        </p:txBody>
-      </p:sp>
-      <p:sp>
-        <p:nvSpPr>
-          <p:cNvPr id="5" name="TextBox 4">
-            <a:extLst>
-              <a:ext uri="{FF2B5EF4-FFF2-40B4-BE49-F238E27FC236}">
-                <a16:creationId xmlns:a16="http://schemas.microsoft.com/office/drawing/2014/main" id="{6AB7C405-EBA8-2D41-A6E8-9C8C1B1B8913}"/>
-              </a:ext>
-            </a:extLst>
-          </p:cNvPr>
-          <p:cNvSpPr txBox="1"/>
-          <p:nvPr/>
-        </p:nvSpPr>
-        <p:spPr>
-          <a:xfrm>
-            <a:off x="8407189" y="546538"/>
-            <a:ext cx="1696298" cy="369332"/>
-          </a:xfrm>
-          <a:prstGeom prst="rect">
-            <a:avLst/>
-          </a:prstGeom>
-          <a:noFill/>
-        </p:spPr>
-        <p:txBody>
-          <a:bodyPr wrap="none" rtlCol="0">
-            <a:spAutoFit/>
-          </a:bodyPr>
-          <a:lstStyle/>
-          <a:p>
-            <a:r>
-              <a:rPr lang="en-US" u="sng" dirty="0">
-                <a:latin typeface="MS PMincho" panose="02020600040205080304" pitchFamily="18" charset="-128"/>
-                <a:ea typeface="MS PMincho" panose="02020600040205080304" pitchFamily="18" charset="-128"/>
-              </a:rPr>
-              <a:t>2019</a:t>
-            </a:r>
-            <a:r>
-              <a:rPr lang="ja-JP" altLang="en-US" u="sng">
-                <a:latin typeface="MS PMincho" panose="02020600040205080304" pitchFamily="18" charset="-128"/>
-                <a:ea typeface="MS PMincho" panose="02020600040205080304" pitchFamily="18" charset="-128"/>
-              </a:rPr>
-              <a:t>年</a:t>
-            </a:r>
-            <a:r>
-              <a:rPr lang="en-US" altLang="ja-JP" u="sng" dirty="0">
-                <a:latin typeface="MS PMincho" panose="02020600040205080304" pitchFamily="18" charset="-128"/>
-                <a:ea typeface="MS PMincho" panose="02020600040205080304" pitchFamily="18" charset="-128"/>
-              </a:rPr>
-              <a:t>9</a:t>
-            </a:r>
-            <a:r>
-              <a:rPr lang="ja-JP" altLang="en-US" u="sng">
-                <a:latin typeface="MS PMincho" panose="02020600040205080304" pitchFamily="18" charset="-128"/>
-                <a:ea typeface="MS PMincho" panose="02020600040205080304" pitchFamily="18" charset="-128"/>
-              </a:rPr>
-              <a:t>月</a:t>
-            </a:r>
-            <a:r>
-              <a:rPr lang="en-US" altLang="ja-JP" u="sng" dirty="0">
-                <a:latin typeface="MS PMincho" panose="02020600040205080304" pitchFamily="18" charset="-128"/>
-                <a:ea typeface="MS PMincho" panose="02020600040205080304" pitchFamily="18" charset="-128"/>
-              </a:rPr>
-              <a:t>19</a:t>
-            </a:r>
-            <a:r>
-              <a:rPr lang="ja-JP" altLang="en-US" u="sng">
-                <a:latin typeface="MS PMincho" panose="02020600040205080304" pitchFamily="18" charset="-128"/>
-                <a:ea typeface="MS PMincho" panose="02020600040205080304" pitchFamily="18" charset="-128"/>
-              </a:rPr>
-              <a:t>日</a:t>
-            </a:r>
-            <a:endParaRPr lang="en-US" u="sng" dirty="0">
-              <a:latin typeface="MS PMincho" panose="02020600040205080304" pitchFamily="18" charset="-128"/>
-              <a:ea typeface="MS PMincho" panose="02020600040205080304" pitchFamily="18" charset="-128"/>
-            </a:endParaRPr>
-          </a:p>
-        </p:txBody>
-      </p:sp>
-      <p:sp>
-        <p:nvSpPr>
-          <p:cNvPr id="6" name="TextBox 5">
-            <a:extLst>
-              <a:ext uri="{FF2B5EF4-FFF2-40B4-BE49-F238E27FC236}">
-                <a16:creationId xmlns:a16="http://schemas.microsoft.com/office/drawing/2014/main" id="{57203D7A-B859-D54C-AFC2-25EE7E0097D2}"/>
-              </a:ext>
-            </a:extLst>
-          </p:cNvPr>
-          <p:cNvSpPr txBox="1"/>
-          <p:nvPr/>
-        </p:nvSpPr>
-        <p:spPr>
-          <a:xfrm>
-            <a:off x="1360812" y="1775296"/>
-            <a:ext cx="3159839" cy="400110"/>
-          </a:xfrm>
-          <a:prstGeom prst="rect">
-            <a:avLst/>
-          </a:prstGeom>
-          <a:noFill/>
-        </p:spPr>
-        <p:txBody>
-          <a:bodyPr wrap="none" rtlCol="0">
-            <a:spAutoFit/>
-          </a:bodyPr>
-          <a:lstStyle/>
-          <a:p>
-            <a:r>
-              <a:rPr lang="ja-JP" altLang="en-US" sz="2000" u="sng">
-                <a:latin typeface="MS PMincho" panose="02020600040205080304" pitchFamily="18" charset="-128"/>
-                <a:ea typeface="MS PMincho" panose="02020600040205080304" pitchFamily="18" charset="-128"/>
-              </a:rPr>
-              <a:t>　　　　　　　　　　　　　　　　様</a:t>
-            </a:r>
-            <a:endParaRPr lang="en-US" sz="2000" u="sng" dirty="0">
-              <a:latin typeface="MS PMincho" panose="02020600040205080304" pitchFamily="18" charset="-128"/>
-              <a:ea typeface="MS PMincho" panose="02020600040205080304" pitchFamily="18" charset="-128"/>
-            </a:endParaRPr>
-          </a:p>
-        </p:txBody>
-      </p:sp>
-      <p:sp>
-        <p:nvSpPr>
-          <p:cNvPr id="7" name="TextBox 6">
-            <a:extLst>
-              <a:ext uri="{FF2B5EF4-FFF2-40B4-BE49-F238E27FC236}">
-                <a16:creationId xmlns:a16="http://schemas.microsoft.com/office/drawing/2014/main" id="{B4D4C185-2E76-9744-BDC4-89CC1E44A0D7}"/>
-              </a:ext>
-            </a:extLst>
-          </p:cNvPr>
-          <p:cNvSpPr txBox="1"/>
-          <p:nvPr/>
-        </p:nvSpPr>
-        <p:spPr>
-          <a:xfrm>
-            <a:off x="4423106" y="2282740"/>
-            <a:ext cx="3345788" cy="1015663"/>
-          </a:xfrm>
-          <a:prstGeom prst="rect">
-            <a:avLst/>
-          </a:prstGeom>
-          <a:noFill/>
-        </p:spPr>
-        <p:txBody>
-          <a:bodyPr wrap="none" rtlCol="0">
-            <a:spAutoFit/>
-          </a:bodyPr>
-          <a:lstStyle/>
-          <a:p>
-            <a:pPr algn="ctr"/>
-            <a:r>
-              <a:rPr lang="en-US" sz="6000" b="1" u="sng" dirty="0">
-                <a:latin typeface="MS PMincho" panose="02020600040205080304" pitchFamily="18" charset="-128"/>
-                <a:ea typeface="MS PMincho" panose="02020600040205080304" pitchFamily="18" charset="-128"/>
-              </a:rPr>
-              <a:t>￥500 </a:t>
-            </a:r>
-            <a:r>
-              <a:rPr lang="en-US" sz="3000" b="1" u="sng" dirty="0">
-                <a:latin typeface="MS PMincho" panose="02020600040205080304" pitchFamily="18" charset="-128"/>
-                <a:ea typeface="MS PMincho" panose="02020600040205080304" pitchFamily="18" charset="-128"/>
-              </a:rPr>
-              <a:t>(</a:t>
-            </a:r>
-            <a:r>
-              <a:rPr lang="ja-JP" altLang="en-US" sz="3000" b="1" u="sng">
-                <a:latin typeface="MS PMincho" panose="02020600040205080304" pitchFamily="18" charset="-128"/>
-                <a:ea typeface="MS PMincho" panose="02020600040205080304" pitchFamily="18" charset="-128"/>
-              </a:rPr>
-              <a:t>税込</a:t>
-            </a:r>
-            <a:r>
-              <a:rPr lang="en-US" sz="3000" b="1" u="sng" dirty="0">
-                <a:latin typeface="MS PMincho" panose="02020600040205080304" pitchFamily="18" charset="-128"/>
-                <a:ea typeface="MS PMincho" panose="02020600040205080304" pitchFamily="18" charset="-128"/>
-              </a:rPr>
-              <a:t>)</a:t>
-            </a:r>
-          </a:p>
-        </p:txBody>
-      </p:sp>
-      <p:sp>
-        <p:nvSpPr>
-          <p:cNvPr id="8" name="TextBox 7">
-            <a:extLst>
-              <a:ext uri="{FF2B5EF4-FFF2-40B4-BE49-F238E27FC236}">
-                <a16:creationId xmlns:a16="http://schemas.microsoft.com/office/drawing/2014/main" id="{29B684C0-7E0F-DB46-B6AC-A6849DBDC544}"/>
-              </a:ext>
-            </a:extLst>
-          </p:cNvPr>
-          <p:cNvSpPr txBox="1"/>
-          <p:nvPr/>
-        </p:nvSpPr>
-        <p:spPr>
-          <a:xfrm>
-            <a:off x="4297269" y="3675130"/>
-            <a:ext cx="3597460" cy="830997"/>
-          </a:xfrm>
-          <a:prstGeom prst="rect">
-            <a:avLst/>
-          </a:prstGeom>
-          <a:noFill/>
-        </p:spPr>
-        <p:txBody>
-          <a:bodyPr wrap="none" rtlCol="0">
-            <a:spAutoFit/>
-          </a:bodyPr>
-          <a:lstStyle/>
-          <a:p>
-            <a:r>
-              <a:rPr lang="ja-JP" altLang="en-US" sz="2400">
-                <a:latin typeface="MS PMincho" panose="02020600040205080304" pitchFamily="18" charset="-128"/>
-                <a:ea typeface="MS PMincho" panose="02020600040205080304" pitchFamily="18" charset="-128"/>
-              </a:rPr>
-              <a:t>但　</a:t>
-            </a:r>
-            <a:r>
-              <a:rPr lang="ja-JP" altLang="en-US" sz="2400" u="sng">
-                <a:latin typeface="MS PMincho" panose="02020600040205080304" pitchFamily="18" charset="-128"/>
-                <a:ea typeface="MS PMincho" panose="02020600040205080304" pitchFamily="18" charset="-128"/>
-              </a:rPr>
-              <a:t>勉強会参加費として</a:t>
-            </a:r>
-            <a:endParaRPr lang="en-US" altLang="ja-JP" sz="2400" u="sng" dirty="0">
-              <a:latin typeface="MS PMincho" panose="02020600040205080304" pitchFamily="18" charset="-128"/>
-              <a:ea typeface="MS PMincho" panose="02020600040205080304" pitchFamily="18" charset="-128"/>
-            </a:endParaRPr>
-          </a:p>
-          <a:p>
-            <a:r>
-              <a:rPr lang="ja-JP" altLang="en-US" sz="2400">
-                <a:latin typeface="MS PMincho" panose="02020600040205080304" pitchFamily="18" charset="-128"/>
-                <a:ea typeface="MS PMincho" panose="02020600040205080304" pitchFamily="18" charset="-128"/>
-              </a:rPr>
-              <a:t>上記正に領収いたしました</a:t>
-            </a:r>
-            <a:endParaRPr lang="en-US" sz="2400" dirty="0">
-              <a:latin typeface="MS PMincho" panose="02020600040205080304" pitchFamily="18" charset="-128"/>
-              <a:ea typeface="MS PMincho" panose="02020600040205080304" pitchFamily="18" charset="-128"/>
-            </a:endParaRPr>
-          </a:p>
-        </p:txBody>
-      </p:sp>
-      <p:sp>
-        <p:nvSpPr>
-          <p:cNvPr id="10" name="TextBox 9">
-            <a:extLst>
-              <a:ext uri="{FF2B5EF4-FFF2-40B4-BE49-F238E27FC236}">
-                <a16:creationId xmlns:a16="http://schemas.microsoft.com/office/drawing/2014/main" id="{56C5080F-05F1-074F-8A8F-100D1D7CFEE3}"/>
-              </a:ext>
-            </a:extLst>
-          </p:cNvPr>
-          <p:cNvSpPr txBox="1"/>
-          <p:nvPr/>
-        </p:nvSpPr>
-        <p:spPr>
-          <a:xfrm>
-            <a:off x="1618635" y="4888507"/>
-            <a:ext cx="2448106" cy="1015663"/>
-          </a:xfrm>
-          <a:prstGeom prst="rect">
-            <a:avLst/>
-          </a:prstGeom>
-          <a:noFill/>
-        </p:spPr>
-        <p:txBody>
-          <a:bodyPr wrap="none" rtlCol="0">
-            <a:spAutoFit/>
-          </a:bodyPr>
-          <a:lstStyle/>
-          <a:p>
-            <a:r>
-              <a:rPr lang="ja-JP" altLang="en-US" sz="2000" u="sng">
-                <a:latin typeface="MS PMincho" panose="02020600040205080304" pitchFamily="18" charset="-128"/>
-                <a:ea typeface="MS PMincho" panose="02020600040205080304" pitchFamily="18" charset="-128"/>
-              </a:rPr>
-              <a:t>内訳　　　　　　　　</a:t>
-            </a:r>
-            <a:r>
-              <a:rPr lang="en-US" altLang="ja-JP" sz="2000" u="sng" dirty="0">
-                <a:latin typeface="MS PMincho" panose="02020600040205080304" pitchFamily="18" charset="-128"/>
-                <a:ea typeface="MS PMincho" panose="02020600040205080304" pitchFamily="18" charset="-128"/>
-              </a:rPr>
-              <a:t>   </a:t>
-            </a:r>
-            <a:r>
-              <a:rPr lang="ja-JP" altLang="en-US" sz="2000" u="sng">
-                <a:latin typeface="MS PMincho" panose="02020600040205080304" pitchFamily="18" charset="-128"/>
-                <a:ea typeface="MS PMincho" panose="02020600040205080304" pitchFamily="18" charset="-128"/>
-              </a:rPr>
-              <a:t>　</a:t>
-            </a:r>
-            <a:endParaRPr lang="en-US" altLang="ja-JP" sz="2000" u="sng" dirty="0">
-              <a:latin typeface="MS PMincho" panose="02020600040205080304" pitchFamily="18" charset="-128"/>
-              <a:ea typeface="MS PMincho" panose="02020600040205080304" pitchFamily="18" charset="-128"/>
-            </a:endParaRPr>
-          </a:p>
-          <a:p>
-            <a:r>
-              <a:rPr lang="ja-JP" altLang="en-US" sz="2000">
-                <a:latin typeface="MS PMincho" panose="02020600040205080304" pitchFamily="18" charset="-128"/>
-                <a:ea typeface="MS PMincho" panose="02020600040205080304" pitchFamily="18" charset="-128"/>
-              </a:rPr>
-              <a:t>税抜き金額  </a:t>
-            </a:r>
-            <a:r>
-              <a:rPr lang="en-US" altLang="ja-JP" sz="2000" dirty="0">
-                <a:latin typeface="MS PMincho" panose="02020600040205080304" pitchFamily="18" charset="-128"/>
-                <a:ea typeface="MS PMincho" panose="02020600040205080304" pitchFamily="18" charset="-128"/>
-              </a:rPr>
-              <a:t>  </a:t>
-            </a:r>
-            <a:r>
-              <a:rPr lang="ja-JP" altLang="en-US" sz="2000">
-                <a:latin typeface="MS PMincho" panose="02020600040205080304" pitchFamily="18" charset="-128"/>
-                <a:ea typeface="MS PMincho" panose="02020600040205080304" pitchFamily="18" charset="-128"/>
-              </a:rPr>
-              <a:t>￥</a:t>
-            </a:r>
-            <a:r>
-              <a:rPr lang="en-US" altLang="ja-JP" sz="2000" dirty="0">
-                <a:latin typeface="MS PMincho" panose="02020600040205080304" pitchFamily="18" charset="-128"/>
-                <a:ea typeface="MS PMincho" panose="02020600040205080304" pitchFamily="18" charset="-128"/>
-              </a:rPr>
-              <a:t>463</a:t>
-            </a:r>
-          </a:p>
-          <a:p>
-            <a:r>
-              <a:rPr lang="ja-JP" altLang="en-US" sz="2000">
-                <a:latin typeface="MS PMincho" panose="02020600040205080304" pitchFamily="18" charset="-128"/>
-                <a:ea typeface="MS PMincho" panose="02020600040205080304" pitchFamily="18" charset="-128"/>
-              </a:rPr>
-              <a:t>消費税</a:t>
-            </a:r>
-            <a:r>
-              <a:rPr lang="en-US" altLang="ja-JP" sz="2000" dirty="0">
-                <a:latin typeface="MS PMincho" panose="02020600040205080304" pitchFamily="18" charset="-128"/>
-                <a:ea typeface="MS PMincho" panose="02020600040205080304" pitchFamily="18" charset="-128"/>
-              </a:rPr>
-              <a:t>(8%)</a:t>
-            </a:r>
-            <a:r>
-              <a:rPr lang="ja-JP" altLang="en-US" sz="2000">
-                <a:latin typeface="MS PMincho" panose="02020600040205080304" pitchFamily="18" charset="-128"/>
-                <a:ea typeface="MS PMincho" panose="02020600040205080304" pitchFamily="18" charset="-128"/>
-              </a:rPr>
-              <a:t>額</a:t>
-            </a:r>
-            <a:r>
-              <a:rPr lang="en-US" altLang="ja-JP" sz="2000" dirty="0">
-                <a:latin typeface="MS PMincho" panose="02020600040205080304" pitchFamily="18" charset="-128"/>
-                <a:ea typeface="MS PMincho" panose="02020600040205080304" pitchFamily="18" charset="-128"/>
-              </a:rPr>
-              <a:t> </a:t>
-            </a:r>
-            <a:r>
-              <a:rPr lang="ja-JP" altLang="en-US" sz="2000">
-                <a:latin typeface="MS PMincho" panose="02020600040205080304" pitchFamily="18" charset="-128"/>
-                <a:ea typeface="MS PMincho" panose="02020600040205080304" pitchFamily="18" charset="-128"/>
-              </a:rPr>
-              <a:t>  ￥</a:t>
-            </a:r>
-            <a:r>
-              <a:rPr lang="en-US" altLang="ja-JP" sz="2000" dirty="0">
-                <a:latin typeface="MS PMincho" panose="02020600040205080304" pitchFamily="18" charset="-128"/>
-                <a:ea typeface="MS PMincho" panose="02020600040205080304" pitchFamily="18" charset="-128"/>
-              </a:rPr>
-              <a:t>37</a:t>
-            </a:r>
-            <a:endParaRPr lang="en-US" sz="2000" dirty="0">
-              <a:latin typeface="MS PMincho" panose="02020600040205080304" pitchFamily="18" charset="-128"/>
-              <a:ea typeface="MS PMincho" panose="02020600040205080304" pitchFamily="18" charset="-128"/>
-            </a:endParaRPr>
-          </a:p>
-        </p:txBody>
-      </p:sp>
-      <p:sp>
-        <p:nvSpPr>
-          <p:cNvPr id="11" name="TextBox 10">
-            <a:extLst>
-              <a:ext uri="{FF2B5EF4-FFF2-40B4-BE49-F238E27FC236}">
-                <a16:creationId xmlns:a16="http://schemas.microsoft.com/office/drawing/2014/main" id="{6E16820D-7117-6C49-986E-38BC06D76494}"/>
-              </a:ext>
-            </a:extLst>
-          </p:cNvPr>
-          <p:cNvSpPr txBox="1"/>
-          <p:nvPr/>
-        </p:nvSpPr>
-        <p:spPr>
-          <a:xfrm>
-            <a:off x="6545670" y="4882854"/>
-            <a:ext cx="5112297" cy="1200329"/>
-          </a:xfrm>
-          <a:prstGeom prst="rect">
-            <a:avLst/>
-          </a:prstGeom>
-          <a:noFill/>
-        </p:spPr>
-        <p:txBody>
-          <a:bodyPr wrap="none" rtlCol="0">
-            <a:spAutoFit/>
-          </a:bodyPr>
-          <a:lstStyle/>
-          <a:p>
-            <a:r>
-              <a:rPr lang="ja-JP" altLang="en-US">
-                <a:latin typeface="MS PMincho" panose="02020600040205080304" pitchFamily="18" charset="-128"/>
-                <a:ea typeface="MS PMincho" panose="02020600040205080304" pitchFamily="18" charset="-128"/>
-              </a:rPr>
-              <a:t>〒</a:t>
-            </a:r>
-            <a:r>
-              <a:rPr lang="en-US" altLang="ja-JP" dirty="0">
-                <a:latin typeface="MS PMincho" panose="02020600040205080304" pitchFamily="18" charset="-128"/>
-                <a:ea typeface="MS PMincho" panose="02020600040205080304" pitchFamily="18" charset="-128"/>
-              </a:rPr>
-              <a:t>1</a:t>
-            </a:r>
-            <a:r>
-              <a:rPr lang="ja-JP" altLang="en-US">
-                <a:latin typeface="MS PMincho" panose="02020600040205080304" pitchFamily="18" charset="-128"/>
-                <a:ea typeface="MS PMincho" panose="02020600040205080304" pitchFamily="18" charset="-128"/>
-              </a:rPr>
-              <a:t> </a:t>
-            </a:r>
-            <a:r>
-              <a:rPr lang="en-US" altLang="ja-JP" dirty="0">
-                <a:latin typeface="MS PMincho" panose="02020600040205080304" pitchFamily="18" charset="-128"/>
-                <a:ea typeface="MS PMincho" panose="02020600040205080304" pitchFamily="18" charset="-128"/>
-              </a:rPr>
-              <a:t>03-0023</a:t>
-            </a:r>
-            <a:br>
-              <a:rPr lang="en-US" altLang="ja-JP" dirty="0">
-                <a:latin typeface="MS PMincho" panose="02020600040205080304" pitchFamily="18" charset="-128"/>
-                <a:ea typeface="MS PMincho" panose="02020600040205080304" pitchFamily="18" charset="-128"/>
-              </a:rPr>
-            </a:br>
-            <a:r>
-              <a:rPr lang="ja-JP" altLang="en-US">
-                <a:latin typeface="MS PMincho" panose="02020600040205080304" pitchFamily="18" charset="-128"/>
-                <a:ea typeface="MS PMincho" panose="02020600040205080304" pitchFamily="18" charset="-128"/>
-              </a:rPr>
-              <a:t>東京都中央区日本橋本町</a:t>
-            </a:r>
-            <a:r>
-              <a:rPr lang="en-US" altLang="ja-JP" dirty="0">
-                <a:latin typeface="MS PMincho" panose="02020600040205080304" pitchFamily="18" charset="-128"/>
-                <a:ea typeface="MS PMincho" panose="02020600040205080304" pitchFamily="18" charset="-128"/>
-              </a:rPr>
-              <a:t>4-8-16 </a:t>
-            </a:r>
-            <a:r>
-              <a:rPr lang="ja-JP" altLang="en-US">
-                <a:latin typeface="MS PMincho" panose="02020600040205080304" pitchFamily="18" charset="-128"/>
-                <a:ea typeface="MS PMincho" panose="02020600040205080304" pitchFamily="18" charset="-128"/>
-              </a:rPr>
-              <a:t>千城ビル</a:t>
-            </a:r>
-            <a:r>
-              <a:rPr lang="en-US" altLang="ja-JP" dirty="0">
-                <a:latin typeface="MS PMincho" panose="02020600040205080304" pitchFamily="18" charset="-128"/>
-                <a:ea typeface="MS PMincho" panose="02020600040205080304" pitchFamily="18" charset="-128"/>
-              </a:rPr>
-              <a:t>5</a:t>
-            </a:r>
-            <a:r>
-              <a:rPr lang="en-US" dirty="0">
-                <a:latin typeface="MS PMincho" panose="02020600040205080304" pitchFamily="18" charset="-128"/>
-                <a:ea typeface="MS PMincho" panose="02020600040205080304" pitchFamily="18" charset="-128"/>
-              </a:rPr>
-              <a:t>F </a:t>
-            </a:r>
-            <a:r>
-              <a:rPr lang="en-US" dirty="0" err="1">
-                <a:latin typeface="MS PMincho" panose="02020600040205080304" pitchFamily="18" charset="-128"/>
-                <a:ea typeface="MS PMincho" panose="02020600040205080304" pitchFamily="18" charset="-128"/>
-              </a:rPr>
-              <a:t>BcH</a:t>
-            </a:r>
-            <a:endParaRPr lang="en-US" altLang="ja-JP" dirty="0">
-              <a:latin typeface="MS PMincho" panose="02020600040205080304" pitchFamily="18" charset="-128"/>
-              <a:ea typeface="MS PMincho" panose="02020600040205080304" pitchFamily="18" charset="-128"/>
-            </a:endParaRPr>
-          </a:p>
-          <a:p>
-            <a:r>
-              <a:rPr lang="ja-JP" altLang="en-US">
-                <a:latin typeface="MS PMincho" panose="02020600040205080304" pitchFamily="18" charset="-128"/>
-                <a:ea typeface="MS PMincho" panose="02020600040205080304" pitchFamily="18" charset="-128"/>
-              </a:rPr>
-              <a:t>株式会社ゼタント</a:t>
-            </a:r>
-            <a:endParaRPr lang="en-US" altLang="ja-JP" dirty="0">
-              <a:latin typeface="MS PMincho" panose="02020600040205080304" pitchFamily="18" charset="-128"/>
-              <a:ea typeface="MS PMincho" panose="02020600040205080304" pitchFamily="18" charset="-128"/>
-            </a:endParaRPr>
-          </a:p>
-          <a:p>
-            <a:r>
-              <a:rPr lang="en-US" dirty="0">
-                <a:latin typeface="MS PMincho" panose="02020600040205080304" pitchFamily="18" charset="-128"/>
-                <a:ea typeface="MS PMincho" panose="02020600040205080304" pitchFamily="18" charset="-128"/>
-              </a:rPr>
-              <a:t>TEL: 03-5734-1161</a:t>
-            </a:r>
-          </a:p>
-        </p:txBody>
-      </p:sp>
-    </p:spTree>
-    <p:extLst>
-      <p:ext uri="{BB962C8B-B14F-4D97-AF65-F5344CB8AC3E}">
-        <p14:creationId xmlns:p14="http://schemas.microsoft.com/office/powerpoint/2010/main" val="1508661616"/>
+        <p14:creationId xmlns:p14="http://schemas.microsoft.com/office/powerpoint/2010/main" val="1169150342"/>
       </p:ext>
     </p:extLst>
   </p:cSld>
@@ -9789,7 +5663,7 @@
         <p:spPr>
           <a:xfrm>
             <a:off x="8407189" y="546538"/>
-            <a:ext cx="1696298" cy="369332"/>
+            <a:ext cx="1685077" cy="369332"/>
           </a:xfrm>
           <a:prstGeom prst="rect">
             <a:avLst/>
@@ -9821,7 +5695,7 @@
                 <a:latin typeface="MS PMincho" panose="02020600040205080304" pitchFamily="18" charset="-128"/>
                 <a:ea typeface="MS PMincho" panose="02020600040205080304" pitchFamily="18" charset="-128"/>
               </a:rPr>
-              <a:t>9</a:t>
+              <a:t>10</a:t>
             </a:r>
             <a:r>
               <a:rPr lang="ja-JP" altLang="en-US" u="sng">
@@ -9835,7 +5709,7 @@
                 <a:latin typeface="MS PMincho" panose="02020600040205080304" pitchFamily="18" charset="-128"/>
                 <a:ea typeface="MS PMincho" panose="02020600040205080304" pitchFamily="18" charset="-128"/>
               </a:rPr>
-              <a:t>19</a:t>
+              <a:t>3</a:t>
             </a:r>
             <a:r>
               <a:rPr lang="ja-JP" altLang="en-US" u="sng">
@@ -9907,8 +5781,8 @@
         </p:nvSpPr>
         <p:spPr>
           <a:xfrm>
-            <a:off x="4423106" y="2282740"/>
-            <a:ext cx="3345788" cy="1015663"/>
+            <a:off x="4217922" y="2282740"/>
+            <a:ext cx="3756157" cy="1015663"/>
           </a:xfrm>
           <a:prstGeom prst="rect">
             <a:avLst/>
@@ -9927,7 +5801,7 @@
                 <a:latin typeface="MS PMincho" panose="02020600040205080304" pitchFamily="18" charset="-128"/>
                 <a:ea typeface="MS PMincho" panose="02020600040205080304" pitchFamily="18" charset="-128"/>
               </a:rPr>
-              <a:t>￥500 </a:t>
+              <a:t>￥2000 </a:t>
             </a:r>
             <a:r>
               <a:rPr lang="en-US" sz="3000" b="1" u="sng" dirty="0">
@@ -10030,7 +5904,7 @@
         <p:spPr>
           <a:xfrm>
             <a:off x="1618635" y="4888507"/>
-            <a:ext cx="2448106" cy="1015663"/>
+            <a:ext cx="2497800" cy="1015663"/>
           </a:xfrm>
           <a:prstGeom prst="rect">
             <a:avLst/>
@@ -10096,7 +5970,7 @@
                 <a:latin typeface="MS PMincho" panose="02020600040205080304" pitchFamily="18" charset="-128"/>
                 <a:ea typeface="MS PMincho" panose="02020600040205080304" pitchFamily="18" charset="-128"/>
               </a:rPr>
-              <a:t>463</a:t>
+              <a:t>1819</a:t>
             </a:r>
           </a:p>
           <a:p>
@@ -10112,7 +5986,7 @@
                 <a:latin typeface="MS PMincho" panose="02020600040205080304" pitchFamily="18" charset="-128"/>
                 <a:ea typeface="MS PMincho" panose="02020600040205080304" pitchFamily="18" charset="-128"/>
               </a:rPr>
-              <a:t>(8%)</a:t>
+              <a:t>(10%)</a:t>
             </a:r>
             <a:r>
               <a:rPr lang="ja-JP" altLang="en-US" sz="2000">
@@ -10133,14 +6007,14 @@
                 <a:latin typeface="MS PMincho" panose="02020600040205080304" pitchFamily="18" charset="-128"/>
                 <a:ea typeface="MS PMincho" panose="02020600040205080304" pitchFamily="18" charset="-128"/>
               </a:rPr>
-              <a:t>  ￥</a:t>
+              <a:t>￥</a:t>
             </a:r>
             <a:r>
               <a:rPr lang="en-US" altLang="ja-JP" sz="2000" dirty="0">
                 <a:latin typeface="MS PMincho" panose="02020600040205080304" pitchFamily="18" charset="-128"/>
                 <a:ea typeface="MS PMincho" panose="02020600040205080304" pitchFamily="18" charset="-128"/>
               </a:rPr>
-              <a:t>37</a:t>
+              <a:t>181</a:t>
             </a:r>
             <a:endParaRPr lang="en-US" sz="2000" dirty="0">
               <a:latin typeface="MS PMincho" panose="02020600040205080304" pitchFamily="18" charset="-128"/>
@@ -10189,21 +6063,7 @@
                 <a:latin typeface="MS PMincho" panose="02020600040205080304" pitchFamily="18" charset="-128"/>
                 <a:ea typeface="MS PMincho" panose="02020600040205080304" pitchFamily="18" charset="-128"/>
               </a:rPr>
-              <a:t>1</a:t>
-            </a:r>
-            <a:r>
-              <a:rPr lang="ja-JP" altLang="en-US">
-                <a:latin typeface="MS PMincho" panose="02020600040205080304" pitchFamily="18" charset="-128"/>
-                <a:ea typeface="MS PMincho" panose="02020600040205080304" pitchFamily="18" charset="-128"/>
-              </a:rPr>
-              <a:t> </a:t>
-            </a:r>
-            <a:r>
-              <a:rPr lang="en-US" altLang="ja-JP" dirty="0">
-                <a:latin typeface="MS PMincho" panose="02020600040205080304" pitchFamily="18" charset="-128"/>
-                <a:ea typeface="MS PMincho" panose="02020600040205080304" pitchFamily="18" charset="-128"/>
-              </a:rPr>
-              <a:t>03-0023</a:t>
+              <a:t>103-0023</a:t>
             </a:r>
             <a:br>
               <a:rPr lang="en-US" altLang="ja-JP" dirty="0">
@@ -10285,588 +6145,7 @@
     </p:spTree>
     <p:extLst>
       <p:ext uri="{BB962C8B-B14F-4D97-AF65-F5344CB8AC3E}">
-        <p14:creationId xmlns:p14="http://schemas.microsoft.com/office/powerpoint/2010/main" val="2654077270"/>
-      </p:ext>
-    </p:extLst>
-  </p:cSld>
-  <p:clrMapOvr>
-    <a:masterClrMapping/>
-  </p:clrMapOvr>
-</p:sld>
-</file>
-
-<file path=ppt/slides/slide20.xml><?xml version="1.0" encoding="utf-8"?>
-<p:sld xmlns:a="http://schemas.openxmlformats.org/drawingml/2006/main" xmlns:r="http://schemas.openxmlformats.org/officeDocument/2006/relationships" xmlns:p="http://schemas.openxmlformats.org/presentationml/2006/main">
-  <p:cSld>
-    <p:spTree>
-      <p:nvGrpSpPr>
-        <p:cNvPr id="1" name=""/>
-        <p:cNvGrpSpPr/>
-        <p:nvPr/>
-      </p:nvGrpSpPr>
-      <p:grpSpPr>
-        <a:xfrm>
-          <a:off x="0" y="0"/>
-          <a:ext cx="0" cy="0"/>
-          <a:chOff x="0" y="0"/>
-          <a:chExt cx="0" cy="0"/>
-        </a:xfrm>
-      </p:grpSpPr>
-      <p:sp>
-        <p:nvSpPr>
-          <p:cNvPr id="4" name="TextBox 3">
-            <a:extLst>
-              <a:ext uri="{FF2B5EF4-FFF2-40B4-BE49-F238E27FC236}">
-                <a16:creationId xmlns:a16="http://schemas.microsoft.com/office/drawing/2014/main" id="{CE4A5ADC-C63F-5C4B-BF79-AB5FFF7F654A}"/>
-              </a:ext>
-            </a:extLst>
-          </p:cNvPr>
-          <p:cNvSpPr txBox="1"/>
-          <p:nvPr/>
-        </p:nvSpPr>
-        <p:spPr>
-          <a:xfrm>
-            <a:off x="5037056" y="546538"/>
-            <a:ext cx="2117887" cy="861774"/>
-          </a:xfrm>
-          <a:prstGeom prst="rect">
-            <a:avLst/>
-          </a:prstGeom>
-          <a:noFill/>
-        </p:spPr>
-        <p:txBody>
-          <a:bodyPr wrap="none" rtlCol="0">
-            <a:spAutoFit/>
-          </a:bodyPr>
-          <a:lstStyle/>
-          <a:p>
-            <a:pPr algn="ctr"/>
-            <a:r>
-              <a:rPr lang="ja-JP" altLang="en-US" sz="5000" b="1">
-                <a:latin typeface="MS PMincho" panose="02020600040205080304" pitchFamily="18" charset="-128"/>
-                <a:ea typeface="MS PMincho" panose="02020600040205080304" pitchFamily="18" charset="-128"/>
-              </a:rPr>
-              <a:t>領収書</a:t>
-            </a:r>
-            <a:endParaRPr lang="en-US" sz="5000" b="1" dirty="0">
-              <a:latin typeface="MS PMincho" panose="02020600040205080304" pitchFamily="18" charset="-128"/>
-              <a:ea typeface="MS PMincho" panose="02020600040205080304" pitchFamily="18" charset="-128"/>
-            </a:endParaRPr>
-          </a:p>
-        </p:txBody>
-      </p:sp>
-      <p:sp>
-        <p:nvSpPr>
-          <p:cNvPr id="5" name="TextBox 4">
-            <a:extLst>
-              <a:ext uri="{FF2B5EF4-FFF2-40B4-BE49-F238E27FC236}">
-                <a16:creationId xmlns:a16="http://schemas.microsoft.com/office/drawing/2014/main" id="{6AB7C405-EBA8-2D41-A6E8-9C8C1B1B8913}"/>
-              </a:ext>
-            </a:extLst>
-          </p:cNvPr>
-          <p:cNvSpPr txBox="1"/>
-          <p:nvPr/>
-        </p:nvSpPr>
-        <p:spPr>
-          <a:xfrm>
-            <a:off x="8407189" y="546538"/>
-            <a:ext cx="1696298" cy="369332"/>
-          </a:xfrm>
-          <a:prstGeom prst="rect">
-            <a:avLst/>
-          </a:prstGeom>
-          <a:noFill/>
-        </p:spPr>
-        <p:txBody>
-          <a:bodyPr wrap="none" rtlCol="0">
-            <a:spAutoFit/>
-          </a:bodyPr>
-          <a:lstStyle/>
-          <a:p>
-            <a:r>
-              <a:rPr lang="en-US" u="sng" dirty="0">
-                <a:latin typeface="MS PMincho" panose="02020600040205080304" pitchFamily="18" charset="-128"/>
-                <a:ea typeface="MS PMincho" panose="02020600040205080304" pitchFamily="18" charset="-128"/>
-              </a:rPr>
-              <a:t>2019</a:t>
-            </a:r>
-            <a:r>
-              <a:rPr lang="ja-JP" altLang="en-US" u="sng">
-                <a:latin typeface="MS PMincho" panose="02020600040205080304" pitchFamily="18" charset="-128"/>
-                <a:ea typeface="MS PMincho" panose="02020600040205080304" pitchFamily="18" charset="-128"/>
-              </a:rPr>
-              <a:t>年</a:t>
-            </a:r>
-            <a:r>
-              <a:rPr lang="en-US" altLang="ja-JP" u="sng" dirty="0">
-                <a:latin typeface="MS PMincho" panose="02020600040205080304" pitchFamily="18" charset="-128"/>
-                <a:ea typeface="MS PMincho" panose="02020600040205080304" pitchFamily="18" charset="-128"/>
-              </a:rPr>
-              <a:t>9</a:t>
-            </a:r>
-            <a:r>
-              <a:rPr lang="ja-JP" altLang="en-US" u="sng">
-                <a:latin typeface="MS PMincho" panose="02020600040205080304" pitchFamily="18" charset="-128"/>
-                <a:ea typeface="MS PMincho" panose="02020600040205080304" pitchFamily="18" charset="-128"/>
-              </a:rPr>
-              <a:t>月</a:t>
-            </a:r>
-            <a:r>
-              <a:rPr lang="en-US" altLang="ja-JP" u="sng" dirty="0">
-                <a:latin typeface="MS PMincho" panose="02020600040205080304" pitchFamily="18" charset="-128"/>
-                <a:ea typeface="MS PMincho" panose="02020600040205080304" pitchFamily="18" charset="-128"/>
-              </a:rPr>
-              <a:t>19</a:t>
-            </a:r>
-            <a:r>
-              <a:rPr lang="ja-JP" altLang="en-US" u="sng">
-                <a:latin typeface="MS PMincho" panose="02020600040205080304" pitchFamily="18" charset="-128"/>
-                <a:ea typeface="MS PMincho" panose="02020600040205080304" pitchFamily="18" charset="-128"/>
-              </a:rPr>
-              <a:t>日</a:t>
-            </a:r>
-            <a:endParaRPr lang="en-US" u="sng" dirty="0">
-              <a:latin typeface="MS PMincho" panose="02020600040205080304" pitchFamily="18" charset="-128"/>
-              <a:ea typeface="MS PMincho" panose="02020600040205080304" pitchFamily="18" charset="-128"/>
-            </a:endParaRPr>
-          </a:p>
-        </p:txBody>
-      </p:sp>
-      <p:sp>
-        <p:nvSpPr>
-          <p:cNvPr id="6" name="TextBox 5">
-            <a:extLst>
-              <a:ext uri="{FF2B5EF4-FFF2-40B4-BE49-F238E27FC236}">
-                <a16:creationId xmlns:a16="http://schemas.microsoft.com/office/drawing/2014/main" id="{57203D7A-B859-D54C-AFC2-25EE7E0097D2}"/>
-              </a:ext>
-            </a:extLst>
-          </p:cNvPr>
-          <p:cNvSpPr txBox="1"/>
-          <p:nvPr/>
-        </p:nvSpPr>
-        <p:spPr>
-          <a:xfrm>
-            <a:off x="1360812" y="1775296"/>
-            <a:ext cx="3159839" cy="400110"/>
-          </a:xfrm>
-          <a:prstGeom prst="rect">
-            <a:avLst/>
-          </a:prstGeom>
-          <a:noFill/>
-        </p:spPr>
-        <p:txBody>
-          <a:bodyPr wrap="none" rtlCol="0">
-            <a:spAutoFit/>
-          </a:bodyPr>
-          <a:lstStyle/>
-          <a:p>
-            <a:r>
-              <a:rPr lang="ja-JP" altLang="en-US" sz="2000" u="sng">
-                <a:latin typeface="MS PMincho" panose="02020600040205080304" pitchFamily="18" charset="-128"/>
-                <a:ea typeface="MS PMincho" panose="02020600040205080304" pitchFamily="18" charset="-128"/>
-              </a:rPr>
-              <a:t>　　　　　　　　　　　　　　　　様</a:t>
-            </a:r>
-            <a:endParaRPr lang="en-US" sz="2000" u="sng" dirty="0">
-              <a:latin typeface="MS PMincho" panose="02020600040205080304" pitchFamily="18" charset="-128"/>
-              <a:ea typeface="MS PMincho" panose="02020600040205080304" pitchFamily="18" charset="-128"/>
-            </a:endParaRPr>
-          </a:p>
-        </p:txBody>
-      </p:sp>
-      <p:sp>
-        <p:nvSpPr>
-          <p:cNvPr id="7" name="TextBox 6">
-            <a:extLst>
-              <a:ext uri="{FF2B5EF4-FFF2-40B4-BE49-F238E27FC236}">
-                <a16:creationId xmlns:a16="http://schemas.microsoft.com/office/drawing/2014/main" id="{B4D4C185-2E76-9744-BDC4-89CC1E44A0D7}"/>
-              </a:ext>
-            </a:extLst>
-          </p:cNvPr>
-          <p:cNvSpPr txBox="1"/>
-          <p:nvPr/>
-        </p:nvSpPr>
-        <p:spPr>
-          <a:xfrm>
-            <a:off x="4423106" y="2282740"/>
-            <a:ext cx="3345788" cy="1015663"/>
-          </a:xfrm>
-          <a:prstGeom prst="rect">
-            <a:avLst/>
-          </a:prstGeom>
-          <a:noFill/>
-        </p:spPr>
-        <p:txBody>
-          <a:bodyPr wrap="none" rtlCol="0">
-            <a:spAutoFit/>
-          </a:bodyPr>
-          <a:lstStyle/>
-          <a:p>
-            <a:pPr algn="ctr"/>
-            <a:r>
-              <a:rPr lang="en-US" sz="6000" b="1" u="sng" dirty="0">
-                <a:latin typeface="MS PMincho" panose="02020600040205080304" pitchFamily="18" charset="-128"/>
-                <a:ea typeface="MS PMincho" panose="02020600040205080304" pitchFamily="18" charset="-128"/>
-              </a:rPr>
-              <a:t>￥500 </a:t>
-            </a:r>
-            <a:r>
-              <a:rPr lang="en-US" sz="3000" b="1" u="sng" dirty="0">
-                <a:latin typeface="MS PMincho" panose="02020600040205080304" pitchFamily="18" charset="-128"/>
-                <a:ea typeface="MS PMincho" panose="02020600040205080304" pitchFamily="18" charset="-128"/>
-              </a:rPr>
-              <a:t>(</a:t>
-            </a:r>
-            <a:r>
-              <a:rPr lang="ja-JP" altLang="en-US" sz="3000" b="1" u="sng">
-                <a:latin typeface="MS PMincho" panose="02020600040205080304" pitchFamily="18" charset="-128"/>
-                <a:ea typeface="MS PMincho" panose="02020600040205080304" pitchFamily="18" charset="-128"/>
-              </a:rPr>
-              <a:t>税込</a:t>
-            </a:r>
-            <a:r>
-              <a:rPr lang="en-US" sz="3000" b="1" u="sng" dirty="0">
-                <a:latin typeface="MS PMincho" panose="02020600040205080304" pitchFamily="18" charset="-128"/>
-                <a:ea typeface="MS PMincho" panose="02020600040205080304" pitchFamily="18" charset="-128"/>
-              </a:rPr>
-              <a:t>)</a:t>
-            </a:r>
-          </a:p>
-        </p:txBody>
-      </p:sp>
-      <p:sp>
-        <p:nvSpPr>
-          <p:cNvPr id="8" name="TextBox 7">
-            <a:extLst>
-              <a:ext uri="{FF2B5EF4-FFF2-40B4-BE49-F238E27FC236}">
-                <a16:creationId xmlns:a16="http://schemas.microsoft.com/office/drawing/2014/main" id="{29B684C0-7E0F-DB46-B6AC-A6849DBDC544}"/>
-              </a:ext>
-            </a:extLst>
-          </p:cNvPr>
-          <p:cNvSpPr txBox="1"/>
-          <p:nvPr/>
-        </p:nvSpPr>
-        <p:spPr>
-          <a:xfrm>
-            <a:off x="4297269" y="3675130"/>
-            <a:ext cx="3597460" cy="830997"/>
-          </a:xfrm>
-          <a:prstGeom prst="rect">
-            <a:avLst/>
-          </a:prstGeom>
-          <a:noFill/>
-        </p:spPr>
-        <p:txBody>
-          <a:bodyPr wrap="none" rtlCol="0">
-            <a:spAutoFit/>
-          </a:bodyPr>
-          <a:lstStyle/>
-          <a:p>
-            <a:r>
-              <a:rPr lang="ja-JP" altLang="en-US" sz="2400">
-                <a:latin typeface="MS PMincho" panose="02020600040205080304" pitchFamily="18" charset="-128"/>
-                <a:ea typeface="MS PMincho" panose="02020600040205080304" pitchFamily="18" charset="-128"/>
-              </a:rPr>
-              <a:t>但　</a:t>
-            </a:r>
-            <a:r>
-              <a:rPr lang="ja-JP" altLang="en-US" sz="2400" u="sng">
-                <a:latin typeface="MS PMincho" panose="02020600040205080304" pitchFamily="18" charset="-128"/>
-                <a:ea typeface="MS PMincho" panose="02020600040205080304" pitchFamily="18" charset="-128"/>
-              </a:rPr>
-              <a:t>勉強会参加費として</a:t>
-            </a:r>
-            <a:endParaRPr lang="en-US" altLang="ja-JP" sz="2400" u="sng" dirty="0">
-              <a:latin typeface="MS PMincho" panose="02020600040205080304" pitchFamily="18" charset="-128"/>
-              <a:ea typeface="MS PMincho" panose="02020600040205080304" pitchFamily="18" charset="-128"/>
-            </a:endParaRPr>
-          </a:p>
-          <a:p>
-            <a:r>
-              <a:rPr lang="ja-JP" altLang="en-US" sz="2400">
-                <a:latin typeface="MS PMincho" panose="02020600040205080304" pitchFamily="18" charset="-128"/>
-                <a:ea typeface="MS PMincho" panose="02020600040205080304" pitchFamily="18" charset="-128"/>
-              </a:rPr>
-              <a:t>上記正に領収いたしました</a:t>
-            </a:r>
-            <a:endParaRPr lang="en-US" sz="2400" dirty="0">
-              <a:latin typeface="MS PMincho" panose="02020600040205080304" pitchFamily="18" charset="-128"/>
-              <a:ea typeface="MS PMincho" panose="02020600040205080304" pitchFamily="18" charset="-128"/>
-            </a:endParaRPr>
-          </a:p>
-        </p:txBody>
-      </p:sp>
-      <p:sp>
-        <p:nvSpPr>
-          <p:cNvPr id="10" name="TextBox 9">
-            <a:extLst>
-              <a:ext uri="{FF2B5EF4-FFF2-40B4-BE49-F238E27FC236}">
-                <a16:creationId xmlns:a16="http://schemas.microsoft.com/office/drawing/2014/main" id="{56C5080F-05F1-074F-8A8F-100D1D7CFEE3}"/>
-              </a:ext>
-            </a:extLst>
-          </p:cNvPr>
-          <p:cNvSpPr txBox="1"/>
-          <p:nvPr/>
-        </p:nvSpPr>
-        <p:spPr>
-          <a:xfrm>
-            <a:off x="1618635" y="4888507"/>
-            <a:ext cx="2448106" cy="1015663"/>
-          </a:xfrm>
-          <a:prstGeom prst="rect">
-            <a:avLst/>
-          </a:prstGeom>
-          <a:noFill/>
-        </p:spPr>
-        <p:txBody>
-          <a:bodyPr wrap="none" rtlCol="0">
-            <a:spAutoFit/>
-          </a:bodyPr>
-          <a:lstStyle/>
-          <a:p>
-            <a:r>
-              <a:rPr lang="ja-JP" altLang="en-US" sz="2000" u="sng">
-                <a:latin typeface="MS PMincho" panose="02020600040205080304" pitchFamily="18" charset="-128"/>
-                <a:ea typeface="MS PMincho" panose="02020600040205080304" pitchFamily="18" charset="-128"/>
-              </a:rPr>
-              <a:t>内訳　　　　　　　　</a:t>
-            </a:r>
-            <a:r>
-              <a:rPr lang="en-US" altLang="ja-JP" sz="2000" u="sng" dirty="0">
-                <a:latin typeface="MS PMincho" panose="02020600040205080304" pitchFamily="18" charset="-128"/>
-                <a:ea typeface="MS PMincho" panose="02020600040205080304" pitchFamily="18" charset="-128"/>
-              </a:rPr>
-              <a:t>   </a:t>
-            </a:r>
-            <a:r>
-              <a:rPr lang="ja-JP" altLang="en-US" sz="2000" u="sng">
-                <a:latin typeface="MS PMincho" panose="02020600040205080304" pitchFamily="18" charset="-128"/>
-                <a:ea typeface="MS PMincho" panose="02020600040205080304" pitchFamily="18" charset="-128"/>
-              </a:rPr>
-              <a:t>　</a:t>
-            </a:r>
-            <a:endParaRPr lang="en-US" altLang="ja-JP" sz="2000" u="sng" dirty="0">
-              <a:latin typeface="MS PMincho" panose="02020600040205080304" pitchFamily="18" charset="-128"/>
-              <a:ea typeface="MS PMincho" panose="02020600040205080304" pitchFamily="18" charset="-128"/>
-            </a:endParaRPr>
-          </a:p>
-          <a:p>
-            <a:r>
-              <a:rPr lang="ja-JP" altLang="en-US" sz="2000">
-                <a:latin typeface="MS PMincho" panose="02020600040205080304" pitchFamily="18" charset="-128"/>
-                <a:ea typeface="MS PMincho" panose="02020600040205080304" pitchFamily="18" charset="-128"/>
-              </a:rPr>
-              <a:t>税抜き金額  </a:t>
-            </a:r>
-            <a:r>
-              <a:rPr lang="en-US" altLang="ja-JP" sz="2000" dirty="0">
-                <a:latin typeface="MS PMincho" panose="02020600040205080304" pitchFamily="18" charset="-128"/>
-                <a:ea typeface="MS PMincho" panose="02020600040205080304" pitchFamily="18" charset="-128"/>
-              </a:rPr>
-              <a:t>  </a:t>
-            </a:r>
-            <a:r>
-              <a:rPr lang="ja-JP" altLang="en-US" sz="2000">
-                <a:latin typeface="MS PMincho" panose="02020600040205080304" pitchFamily="18" charset="-128"/>
-                <a:ea typeface="MS PMincho" panose="02020600040205080304" pitchFamily="18" charset="-128"/>
-              </a:rPr>
-              <a:t>￥</a:t>
-            </a:r>
-            <a:r>
-              <a:rPr lang="en-US" altLang="ja-JP" sz="2000" dirty="0">
-                <a:latin typeface="MS PMincho" panose="02020600040205080304" pitchFamily="18" charset="-128"/>
-                <a:ea typeface="MS PMincho" panose="02020600040205080304" pitchFamily="18" charset="-128"/>
-              </a:rPr>
-              <a:t>463</a:t>
-            </a:r>
-          </a:p>
-          <a:p>
-            <a:r>
-              <a:rPr lang="ja-JP" altLang="en-US" sz="2000">
-                <a:latin typeface="MS PMincho" panose="02020600040205080304" pitchFamily="18" charset="-128"/>
-                <a:ea typeface="MS PMincho" panose="02020600040205080304" pitchFamily="18" charset="-128"/>
-              </a:rPr>
-              <a:t>消費税</a:t>
-            </a:r>
-            <a:r>
-              <a:rPr lang="en-US" altLang="ja-JP" sz="2000" dirty="0">
-                <a:latin typeface="MS PMincho" panose="02020600040205080304" pitchFamily="18" charset="-128"/>
-                <a:ea typeface="MS PMincho" panose="02020600040205080304" pitchFamily="18" charset="-128"/>
-              </a:rPr>
-              <a:t>(8%)</a:t>
-            </a:r>
-            <a:r>
-              <a:rPr lang="ja-JP" altLang="en-US" sz="2000">
-                <a:latin typeface="MS PMincho" panose="02020600040205080304" pitchFamily="18" charset="-128"/>
-                <a:ea typeface="MS PMincho" panose="02020600040205080304" pitchFamily="18" charset="-128"/>
-              </a:rPr>
-              <a:t>額</a:t>
-            </a:r>
-            <a:r>
-              <a:rPr lang="en-US" altLang="ja-JP" sz="2000" dirty="0">
-                <a:latin typeface="MS PMincho" panose="02020600040205080304" pitchFamily="18" charset="-128"/>
-                <a:ea typeface="MS PMincho" panose="02020600040205080304" pitchFamily="18" charset="-128"/>
-              </a:rPr>
-              <a:t> </a:t>
-            </a:r>
-            <a:r>
-              <a:rPr lang="ja-JP" altLang="en-US" sz="2000">
-                <a:latin typeface="MS PMincho" panose="02020600040205080304" pitchFamily="18" charset="-128"/>
-                <a:ea typeface="MS PMincho" panose="02020600040205080304" pitchFamily="18" charset="-128"/>
-              </a:rPr>
-              <a:t>  ￥</a:t>
-            </a:r>
-            <a:r>
-              <a:rPr lang="en-US" altLang="ja-JP" sz="2000" dirty="0">
-                <a:latin typeface="MS PMincho" panose="02020600040205080304" pitchFamily="18" charset="-128"/>
-                <a:ea typeface="MS PMincho" panose="02020600040205080304" pitchFamily="18" charset="-128"/>
-              </a:rPr>
-              <a:t>37</a:t>
-            </a:r>
-            <a:endParaRPr lang="en-US" sz="2000" dirty="0">
-              <a:latin typeface="MS PMincho" panose="02020600040205080304" pitchFamily="18" charset="-128"/>
-              <a:ea typeface="MS PMincho" panose="02020600040205080304" pitchFamily="18" charset="-128"/>
-            </a:endParaRPr>
-          </a:p>
-        </p:txBody>
-      </p:sp>
-      <p:sp>
-        <p:nvSpPr>
-          <p:cNvPr id="11" name="TextBox 10">
-            <a:extLst>
-              <a:ext uri="{FF2B5EF4-FFF2-40B4-BE49-F238E27FC236}">
-                <a16:creationId xmlns:a16="http://schemas.microsoft.com/office/drawing/2014/main" id="{6E16820D-7117-6C49-986E-38BC06D76494}"/>
-              </a:ext>
-            </a:extLst>
-          </p:cNvPr>
-          <p:cNvSpPr txBox="1"/>
-          <p:nvPr/>
-        </p:nvSpPr>
-        <p:spPr>
-          <a:xfrm>
-            <a:off x="6545670" y="4882854"/>
-            <a:ext cx="5112297" cy="1200329"/>
-          </a:xfrm>
-          <a:prstGeom prst="rect">
-            <a:avLst/>
-          </a:prstGeom>
-          <a:noFill/>
-        </p:spPr>
-        <p:txBody>
-          <a:bodyPr wrap="none" rtlCol="0">
-            <a:spAutoFit/>
-          </a:bodyPr>
-          <a:lstStyle/>
-          <a:p>
-            <a:r>
-              <a:rPr lang="ja-JP" altLang="en-US">
-                <a:latin typeface="MS PMincho" panose="02020600040205080304" pitchFamily="18" charset="-128"/>
-                <a:ea typeface="MS PMincho" panose="02020600040205080304" pitchFamily="18" charset="-128"/>
-              </a:rPr>
-              <a:t>〒</a:t>
-            </a:r>
-            <a:r>
-              <a:rPr lang="en-US" altLang="ja-JP" dirty="0">
-                <a:latin typeface="MS PMincho" panose="02020600040205080304" pitchFamily="18" charset="-128"/>
-                <a:ea typeface="MS PMincho" panose="02020600040205080304" pitchFamily="18" charset="-128"/>
-              </a:rPr>
-              <a:t>1</a:t>
-            </a:r>
-            <a:r>
-              <a:rPr lang="ja-JP" altLang="en-US">
-                <a:latin typeface="MS PMincho" panose="02020600040205080304" pitchFamily="18" charset="-128"/>
-                <a:ea typeface="MS PMincho" panose="02020600040205080304" pitchFamily="18" charset="-128"/>
-              </a:rPr>
-              <a:t> </a:t>
-            </a:r>
-            <a:r>
-              <a:rPr lang="en-US" altLang="ja-JP" dirty="0">
-                <a:latin typeface="MS PMincho" panose="02020600040205080304" pitchFamily="18" charset="-128"/>
-                <a:ea typeface="MS PMincho" panose="02020600040205080304" pitchFamily="18" charset="-128"/>
-              </a:rPr>
-              <a:t>03-0023</a:t>
-            </a:r>
-            <a:br>
-              <a:rPr lang="en-US" altLang="ja-JP" dirty="0">
-                <a:latin typeface="MS PMincho" panose="02020600040205080304" pitchFamily="18" charset="-128"/>
-                <a:ea typeface="MS PMincho" panose="02020600040205080304" pitchFamily="18" charset="-128"/>
-              </a:rPr>
-            </a:br>
-            <a:r>
-              <a:rPr lang="ja-JP" altLang="en-US">
-                <a:latin typeface="MS PMincho" panose="02020600040205080304" pitchFamily="18" charset="-128"/>
-                <a:ea typeface="MS PMincho" panose="02020600040205080304" pitchFamily="18" charset="-128"/>
-              </a:rPr>
-              <a:t>東京都中央区日本橋本町</a:t>
-            </a:r>
-            <a:r>
-              <a:rPr lang="en-US" altLang="ja-JP" dirty="0">
-                <a:latin typeface="MS PMincho" panose="02020600040205080304" pitchFamily="18" charset="-128"/>
-                <a:ea typeface="MS PMincho" panose="02020600040205080304" pitchFamily="18" charset="-128"/>
-              </a:rPr>
-              <a:t>4-8-16 </a:t>
-            </a:r>
-            <a:r>
-              <a:rPr lang="ja-JP" altLang="en-US">
-                <a:latin typeface="MS PMincho" panose="02020600040205080304" pitchFamily="18" charset="-128"/>
-                <a:ea typeface="MS PMincho" panose="02020600040205080304" pitchFamily="18" charset="-128"/>
-              </a:rPr>
-              <a:t>千城ビル</a:t>
-            </a:r>
-            <a:r>
-              <a:rPr lang="en-US" altLang="ja-JP" dirty="0">
-                <a:latin typeface="MS PMincho" panose="02020600040205080304" pitchFamily="18" charset="-128"/>
-                <a:ea typeface="MS PMincho" panose="02020600040205080304" pitchFamily="18" charset="-128"/>
-              </a:rPr>
-              <a:t>5</a:t>
-            </a:r>
-            <a:r>
-              <a:rPr lang="en-US" dirty="0">
-                <a:latin typeface="MS PMincho" panose="02020600040205080304" pitchFamily="18" charset="-128"/>
-                <a:ea typeface="MS PMincho" panose="02020600040205080304" pitchFamily="18" charset="-128"/>
-              </a:rPr>
-              <a:t>F </a:t>
-            </a:r>
-            <a:r>
-              <a:rPr lang="en-US" dirty="0" err="1">
-                <a:latin typeface="MS PMincho" panose="02020600040205080304" pitchFamily="18" charset="-128"/>
-                <a:ea typeface="MS PMincho" panose="02020600040205080304" pitchFamily="18" charset="-128"/>
-              </a:rPr>
-              <a:t>BcH</a:t>
-            </a:r>
-            <a:endParaRPr lang="en-US" altLang="ja-JP" dirty="0">
-              <a:latin typeface="MS PMincho" panose="02020600040205080304" pitchFamily="18" charset="-128"/>
-              <a:ea typeface="MS PMincho" panose="02020600040205080304" pitchFamily="18" charset="-128"/>
-            </a:endParaRPr>
-          </a:p>
-          <a:p>
-            <a:r>
-              <a:rPr lang="ja-JP" altLang="en-US">
-                <a:latin typeface="MS PMincho" panose="02020600040205080304" pitchFamily="18" charset="-128"/>
-                <a:ea typeface="MS PMincho" panose="02020600040205080304" pitchFamily="18" charset="-128"/>
-              </a:rPr>
-              <a:t>株式会社ゼタント</a:t>
-            </a:r>
-            <a:endParaRPr lang="en-US" altLang="ja-JP" dirty="0">
-              <a:latin typeface="MS PMincho" panose="02020600040205080304" pitchFamily="18" charset="-128"/>
-              <a:ea typeface="MS PMincho" panose="02020600040205080304" pitchFamily="18" charset="-128"/>
-            </a:endParaRPr>
-          </a:p>
-          <a:p>
-            <a:r>
-              <a:rPr lang="en-US" dirty="0">
-                <a:latin typeface="MS PMincho" panose="02020600040205080304" pitchFamily="18" charset="-128"/>
-                <a:ea typeface="MS PMincho" panose="02020600040205080304" pitchFamily="18" charset="-128"/>
-              </a:rPr>
-              <a:t>TEL: 03-5734-1161</a:t>
-            </a:r>
-          </a:p>
-        </p:txBody>
-      </p:sp>
-    </p:spTree>
-    <p:extLst>
-      <p:ext uri="{BB962C8B-B14F-4D97-AF65-F5344CB8AC3E}">
-        <p14:creationId xmlns:p14="http://schemas.microsoft.com/office/powerpoint/2010/main" val="3663870254"/>
+        <p14:creationId xmlns:p14="http://schemas.microsoft.com/office/powerpoint/2010/main" val="3821557634"/>
       </p:ext>
     </p:extLst>
   </p:cSld>
@@ -10951,7 +6230,7 @@
         <p:spPr>
           <a:xfrm>
             <a:off x="8407189" y="546538"/>
-            <a:ext cx="1696298" cy="369332"/>
+            <a:ext cx="1685077" cy="369332"/>
           </a:xfrm>
           <a:prstGeom prst="rect">
             <a:avLst/>
@@ -10983,7 +6262,7 @@
                 <a:latin typeface="MS PMincho" panose="02020600040205080304" pitchFamily="18" charset="-128"/>
                 <a:ea typeface="MS PMincho" panose="02020600040205080304" pitchFamily="18" charset="-128"/>
               </a:rPr>
-              <a:t>9</a:t>
+              <a:t>10</a:t>
             </a:r>
             <a:r>
               <a:rPr lang="ja-JP" altLang="en-US" u="sng">
@@ -10997,7 +6276,7 @@
                 <a:latin typeface="MS PMincho" panose="02020600040205080304" pitchFamily="18" charset="-128"/>
                 <a:ea typeface="MS PMincho" panose="02020600040205080304" pitchFamily="18" charset="-128"/>
               </a:rPr>
-              <a:t>19</a:t>
+              <a:t>3</a:t>
             </a:r>
             <a:r>
               <a:rPr lang="ja-JP" altLang="en-US" u="sng">
@@ -11069,8 +6348,8 @@
         </p:nvSpPr>
         <p:spPr>
           <a:xfrm>
-            <a:off x="4423106" y="2282740"/>
-            <a:ext cx="3345788" cy="1015663"/>
+            <a:off x="4217922" y="2282740"/>
+            <a:ext cx="3756157" cy="1015663"/>
           </a:xfrm>
           <a:prstGeom prst="rect">
             <a:avLst/>
@@ -11089,7 +6368,7 @@
                 <a:latin typeface="MS PMincho" panose="02020600040205080304" pitchFamily="18" charset="-128"/>
                 <a:ea typeface="MS PMincho" panose="02020600040205080304" pitchFamily="18" charset="-128"/>
               </a:rPr>
-              <a:t>￥500 </a:t>
+              <a:t>￥2000 </a:t>
             </a:r>
             <a:r>
               <a:rPr lang="en-US" sz="3000" b="1" u="sng" dirty="0">
@@ -11192,7 +6471,7 @@
         <p:spPr>
           <a:xfrm>
             <a:off x="1618635" y="4888507"/>
-            <a:ext cx="2448106" cy="1015663"/>
+            <a:ext cx="2497800" cy="1015663"/>
           </a:xfrm>
           <a:prstGeom prst="rect">
             <a:avLst/>
@@ -11258,7 +6537,7 @@
                 <a:latin typeface="MS PMincho" panose="02020600040205080304" pitchFamily="18" charset="-128"/>
                 <a:ea typeface="MS PMincho" panose="02020600040205080304" pitchFamily="18" charset="-128"/>
               </a:rPr>
-              <a:t>463</a:t>
+              <a:t>1819</a:t>
             </a:r>
           </a:p>
           <a:p>
@@ -11274,7 +6553,7 @@
                 <a:latin typeface="MS PMincho" panose="02020600040205080304" pitchFamily="18" charset="-128"/>
                 <a:ea typeface="MS PMincho" panose="02020600040205080304" pitchFamily="18" charset="-128"/>
               </a:rPr>
-              <a:t>(8%)</a:t>
+              <a:t>(10%)</a:t>
             </a:r>
             <a:r>
               <a:rPr lang="ja-JP" altLang="en-US" sz="2000">
@@ -11295,14 +6574,14 @@
                 <a:latin typeface="MS PMincho" panose="02020600040205080304" pitchFamily="18" charset="-128"/>
                 <a:ea typeface="MS PMincho" panose="02020600040205080304" pitchFamily="18" charset="-128"/>
               </a:rPr>
-              <a:t>  ￥</a:t>
+              <a:t>￥</a:t>
             </a:r>
             <a:r>
               <a:rPr lang="en-US" altLang="ja-JP" sz="2000" dirty="0">
                 <a:latin typeface="MS PMincho" panose="02020600040205080304" pitchFamily="18" charset="-128"/>
                 <a:ea typeface="MS PMincho" panose="02020600040205080304" pitchFamily="18" charset="-128"/>
               </a:rPr>
-              <a:t>37</a:t>
+              <a:t>181</a:t>
             </a:r>
             <a:endParaRPr lang="en-US" sz="2000" dirty="0">
               <a:latin typeface="MS PMincho" panose="02020600040205080304" pitchFamily="18" charset="-128"/>
@@ -11351,21 +6630,7 @@
                 <a:latin typeface="MS PMincho" panose="02020600040205080304" pitchFamily="18" charset="-128"/>
                 <a:ea typeface="MS PMincho" panose="02020600040205080304" pitchFamily="18" charset="-128"/>
               </a:rPr>
-              <a:t>1</a:t>
-            </a:r>
-            <a:r>
-              <a:rPr lang="ja-JP" altLang="en-US">
-                <a:latin typeface="MS PMincho" panose="02020600040205080304" pitchFamily="18" charset="-128"/>
-                <a:ea typeface="MS PMincho" panose="02020600040205080304" pitchFamily="18" charset="-128"/>
-              </a:rPr>
-              <a:t> </a:t>
-            </a:r>
-            <a:r>
-              <a:rPr lang="en-US" altLang="ja-JP" dirty="0">
-                <a:latin typeface="MS PMincho" panose="02020600040205080304" pitchFamily="18" charset="-128"/>
-                <a:ea typeface="MS PMincho" panose="02020600040205080304" pitchFamily="18" charset="-128"/>
-              </a:rPr>
-              <a:t>03-0023</a:t>
+              <a:t>103-0023</a:t>
             </a:r>
             <a:br>
               <a:rPr lang="en-US" altLang="ja-JP" dirty="0">
@@ -11447,7 +6712,7 @@
     </p:spTree>
     <p:extLst>
       <p:ext uri="{BB962C8B-B14F-4D97-AF65-F5344CB8AC3E}">
-        <p14:creationId xmlns:p14="http://schemas.microsoft.com/office/powerpoint/2010/main" val="2722385174"/>
+        <p14:creationId xmlns:p14="http://schemas.microsoft.com/office/powerpoint/2010/main" val="1670575765"/>
       </p:ext>
     </p:extLst>
   </p:cSld>
@@ -11532,7 +6797,7 @@
         <p:spPr>
           <a:xfrm>
             <a:off x="8407189" y="546538"/>
-            <a:ext cx="1696298" cy="369332"/>
+            <a:ext cx="1685077" cy="369332"/>
           </a:xfrm>
           <a:prstGeom prst="rect">
             <a:avLst/>
@@ -11564,7 +6829,7 @@
                 <a:latin typeface="MS PMincho" panose="02020600040205080304" pitchFamily="18" charset="-128"/>
                 <a:ea typeface="MS PMincho" panose="02020600040205080304" pitchFamily="18" charset="-128"/>
               </a:rPr>
-              <a:t>9</a:t>
+              <a:t>10</a:t>
             </a:r>
             <a:r>
               <a:rPr lang="ja-JP" altLang="en-US" u="sng">
@@ -11578,7 +6843,7 @@
                 <a:latin typeface="MS PMincho" panose="02020600040205080304" pitchFamily="18" charset="-128"/>
                 <a:ea typeface="MS PMincho" panose="02020600040205080304" pitchFamily="18" charset="-128"/>
               </a:rPr>
-              <a:t>19</a:t>
+              <a:t>3</a:t>
             </a:r>
             <a:r>
               <a:rPr lang="ja-JP" altLang="en-US" u="sng">
@@ -11650,8 +6915,8 @@
         </p:nvSpPr>
         <p:spPr>
           <a:xfrm>
-            <a:off x="4423106" y="2282740"/>
-            <a:ext cx="3345788" cy="1015663"/>
+            <a:off x="4217922" y="2282740"/>
+            <a:ext cx="3756157" cy="1015663"/>
           </a:xfrm>
           <a:prstGeom prst="rect">
             <a:avLst/>
@@ -11670,7 +6935,7 @@
                 <a:latin typeface="MS PMincho" panose="02020600040205080304" pitchFamily="18" charset="-128"/>
                 <a:ea typeface="MS PMincho" panose="02020600040205080304" pitchFamily="18" charset="-128"/>
               </a:rPr>
-              <a:t>￥500 </a:t>
+              <a:t>￥2000 </a:t>
             </a:r>
             <a:r>
               <a:rPr lang="en-US" sz="3000" b="1" u="sng" dirty="0">
@@ -11773,7 +7038,7 @@
         <p:spPr>
           <a:xfrm>
             <a:off x="1618635" y="4888507"/>
-            <a:ext cx="2448106" cy="1015663"/>
+            <a:ext cx="2497800" cy="1015663"/>
           </a:xfrm>
           <a:prstGeom prst="rect">
             <a:avLst/>
@@ -11839,7 +7104,7 @@
                 <a:latin typeface="MS PMincho" panose="02020600040205080304" pitchFamily="18" charset="-128"/>
                 <a:ea typeface="MS PMincho" panose="02020600040205080304" pitchFamily="18" charset="-128"/>
               </a:rPr>
-              <a:t>463</a:t>
+              <a:t>1819</a:t>
             </a:r>
           </a:p>
           <a:p>
@@ -11855,7 +7120,7 @@
                 <a:latin typeface="MS PMincho" panose="02020600040205080304" pitchFamily="18" charset="-128"/>
                 <a:ea typeface="MS PMincho" panose="02020600040205080304" pitchFamily="18" charset="-128"/>
               </a:rPr>
-              <a:t>(8%)</a:t>
+              <a:t>(10%)</a:t>
             </a:r>
             <a:r>
               <a:rPr lang="ja-JP" altLang="en-US" sz="2000">
@@ -11876,14 +7141,14 @@
                 <a:latin typeface="MS PMincho" panose="02020600040205080304" pitchFamily="18" charset="-128"/>
                 <a:ea typeface="MS PMincho" panose="02020600040205080304" pitchFamily="18" charset="-128"/>
               </a:rPr>
-              <a:t>  ￥</a:t>
+              <a:t>￥</a:t>
             </a:r>
             <a:r>
               <a:rPr lang="en-US" altLang="ja-JP" sz="2000" dirty="0">
                 <a:latin typeface="MS PMincho" panose="02020600040205080304" pitchFamily="18" charset="-128"/>
                 <a:ea typeface="MS PMincho" panose="02020600040205080304" pitchFamily="18" charset="-128"/>
               </a:rPr>
-              <a:t>37</a:t>
+              <a:t>181</a:t>
             </a:r>
             <a:endParaRPr lang="en-US" sz="2000" dirty="0">
               <a:latin typeface="MS PMincho" panose="02020600040205080304" pitchFamily="18" charset="-128"/>
@@ -11932,21 +7197,7 @@
                 <a:latin typeface="MS PMincho" panose="02020600040205080304" pitchFamily="18" charset="-128"/>
                 <a:ea typeface="MS PMincho" panose="02020600040205080304" pitchFamily="18" charset="-128"/>
               </a:rPr>
-              <a:t>1</a:t>
-            </a:r>
-            <a:r>
-              <a:rPr lang="ja-JP" altLang="en-US">
-                <a:latin typeface="MS PMincho" panose="02020600040205080304" pitchFamily="18" charset="-128"/>
-                <a:ea typeface="MS PMincho" panose="02020600040205080304" pitchFamily="18" charset="-128"/>
-              </a:rPr>
-              <a:t> </a:t>
-            </a:r>
-            <a:r>
-              <a:rPr lang="en-US" altLang="ja-JP" dirty="0">
-                <a:latin typeface="MS PMincho" panose="02020600040205080304" pitchFamily="18" charset="-128"/>
-                <a:ea typeface="MS PMincho" panose="02020600040205080304" pitchFamily="18" charset="-128"/>
-              </a:rPr>
-              <a:t>03-0023</a:t>
+              <a:t>103-0023</a:t>
             </a:r>
             <a:br>
               <a:rPr lang="en-US" altLang="ja-JP" dirty="0">
@@ -12028,7 +7279,7 @@
     </p:spTree>
     <p:extLst>
       <p:ext uri="{BB962C8B-B14F-4D97-AF65-F5344CB8AC3E}">
-        <p14:creationId xmlns:p14="http://schemas.microsoft.com/office/powerpoint/2010/main" val="801939506"/>
+        <p14:creationId xmlns:p14="http://schemas.microsoft.com/office/powerpoint/2010/main" val="3543771019"/>
       </p:ext>
     </p:extLst>
   </p:cSld>
@@ -12113,7 +7364,7 @@
         <p:spPr>
           <a:xfrm>
             <a:off x="8407189" y="546538"/>
-            <a:ext cx="1696298" cy="369332"/>
+            <a:ext cx="1685077" cy="369332"/>
           </a:xfrm>
           <a:prstGeom prst="rect">
             <a:avLst/>
@@ -12145,7 +7396,7 @@
                 <a:latin typeface="MS PMincho" panose="02020600040205080304" pitchFamily="18" charset="-128"/>
                 <a:ea typeface="MS PMincho" panose="02020600040205080304" pitchFamily="18" charset="-128"/>
               </a:rPr>
-              <a:t>9</a:t>
+              <a:t>10</a:t>
             </a:r>
             <a:r>
               <a:rPr lang="ja-JP" altLang="en-US" u="sng">
@@ -12159,7 +7410,7 @@
                 <a:latin typeface="MS PMincho" panose="02020600040205080304" pitchFamily="18" charset="-128"/>
                 <a:ea typeface="MS PMincho" panose="02020600040205080304" pitchFamily="18" charset="-128"/>
               </a:rPr>
-              <a:t>19</a:t>
+              <a:t>3</a:t>
             </a:r>
             <a:r>
               <a:rPr lang="ja-JP" altLang="en-US" u="sng">
@@ -12231,8 +7482,8 @@
         </p:nvSpPr>
         <p:spPr>
           <a:xfrm>
-            <a:off x="4423106" y="2282740"/>
-            <a:ext cx="3345788" cy="1015663"/>
+            <a:off x="4217922" y="2282740"/>
+            <a:ext cx="3756157" cy="1015663"/>
           </a:xfrm>
           <a:prstGeom prst="rect">
             <a:avLst/>
@@ -12251,7 +7502,7 @@
                 <a:latin typeface="MS PMincho" panose="02020600040205080304" pitchFamily="18" charset="-128"/>
                 <a:ea typeface="MS PMincho" panose="02020600040205080304" pitchFamily="18" charset="-128"/>
               </a:rPr>
-              <a:t>￥500 </a:t>
+              <a:t>￥2000 </a:t>
             </a:r>
             <a:r>
               <a:rPr lang="en-US" sz="3000" b="1" u="sng" dirty="0">
@@ -12354,7 +7605,7 @@
         <p:spPr>
           <a:xfrm>
             <a:off x="1618635" y="4888507"/>
-            <a:ext cx="2448106" cy="1015663"/>
+            <a:ext cx="2497800" cy="1015663"/>
           </a:xfrm>
           <a:prstGeom prst="rect">
             <a:avLst/>
@@ -12420,7 +7671,7 @@
                 <a:latin typeface="MS PMincho" panose="02020600040205080304" pitchFamily="18" charset="-128"/>
                 <a:ea typeface="MS PMincho" panose="02020600040205080304" pitchFamily="18" charset="-128"/>
               </a:rPr>
-              <a:t>463</a:t>
+              <a:t>1819</a:t>
             </a:r>
           </a:p>
           <a:p>
@@ -12436,7 +7687,7 @@
                 <a:latin typeface="MS PMincho" panose="02020600040205080304" pitchFamily="18" charset="-128"/>
                 <a:ea typeface="MS PMincho" panose="02020600040205080304" pitchFamily="18" charset="-128"/>
               </a:rPr>
-              <a:t>(8%)</a:t>
+              <a:t>(10%)</a:t>
             </a:r>
             <a:r>
               <a:rPr lang="ja-JP" altLang="en-US" sz="2000">
@@ -12457,14 +7708,14 @@
                 <a:latin typeface="MS PMincho" panose="02020600040205080304" pitchFamily="18" charset="-128"/>
                 <a:ea typeface="MS PMincho" panose="02020600040205080304" pitchFamily="18" charset="-128"/>
               </a:rPr>
-              <a:t>  ￥</a:t>
+              <a:t>￥</a:t>
             </a:r>
             <a:r>
               <a:rPr lang="en-US" altLang="ja-JP" sz="2000" dirty="0">
                 <a:latin typeface="MS PMincho" panose="02020600040205080304" pitchFamily="18" charset="-128"/>
                 <a:ea typeface="MS PMincho" panose="02020600040205080304" pitchFamily="18" charset="-128"/>
               </a:rPr>
-              <a:t>37</a:t>
+              <a:t>181</a:t>
             </a:r>
             <a:endParaRPr lang="en-US" sz="2000" dirty="0">
               <a:latin typeface="MS PMincho" panose="02020600040205080304" pitchFamily="18" charset="-128"/>
@@ -12513,21 +7764,7 @@
                 <a:latin typeface="MS PMincho" panose="02020600040205080304" pitchFamily="18" charset="-128"/>
                 <a:ea typeface="MS PMincho" panose="02020600040205080304" pitchFamily="18" charset="-128"/>
               </a:rPr>
-              <a:t>1</a:t>
-            </a:r>
-            <a:r>
-              <a:rPr lang="ja-JP" altLang="en-US">
-                <a:latin typeface="MS PMincho" panose="02020600040205080304" pitchFamily="18" charset="-128"/>
-                <a:ea typeface="MS PMincho" panose="02020600040205080304" pitchFamily="18" charset="-128"/>
-              </a:rPr>
-              <a:t> </a:t>
-            </a:r>
-            <a:r>
-              <a:rPr lang="en-US" altLang="ja-JP" dirty="0">
-                <a:latin typeface="MS PMincho" panose="02020600040205080304" pitchFamily="18" charset="-128"/>
-                <a:ea typeface="MS PMincho" panose="02020600040205080304" pitchFamily="18" charset="-128"/>
-              </a:rPr>
-              <a:t>03-0023</a:t>
+              <a:t>103-0023</a:t>
             </a:r>
             <a:br>
               <a:rPr lang="en-US" altLang="ja-JP" dirty="0">
@@ -12609,7 +7846,7 @@
     </p:spTree>
     <p:extLst>
       <p:ext uri="{BB962C8B-B14F-4D97-AF65-F5344CB8AC3E}">
-        <p14:creationId xmlns:p14="http://schemas.microsoft.com/office/powerpoint/2010/main" val="305235318"/>
+        <p14:creationId xmlns:p14="http://schemas.microsoft.com/office/powerpoint/2010/main" val="3116103443"/>
       </p:ext>
     </p:extLst>
   </p:cSld>
@@ -12694,7 +7931,7 @@
         <p:spPr>
           <a:xfrm>
             <a:off x="8407189" y="546538"/>
-            <a:ext cx="1696298" cy="369332"/>
+            <a:ext cx="1685077" cy="369332"/>
           </a:xfrm>
           <a:prstGeom prst="rect">
             <a:avLst/>
@@ -12726,7 +7963,7 @@
                 <a:latin typeface="MS PMincho" panose="02020600040205080304" pitchFamily="18" charset="-128"/>
                 <a:ea typeface="MS PMincho" panose="02020600040205080304" pitchFamily="18" charset="-128"/>
               </a:rPr>
-              <a:t>9</a:t>
+              <a:t>10</a:t>
             </a:r>
             <a:r>
               <a:rPr lang="ja-JP" altLang="en-US" u="sng">
@@ -12740,7 +7977,7 @@
                 <a:latin typeface="MS PMincho" panose="02020600040205080304" pitchFamily="18" charset="-128"/>
                 <a:ea typeface="MS PMincho" panose="02020600040205080304" pitchFamily="18" charset="-128"/>
               </a:rPr>
-              <a:t>19</a:t>
+              <a:t>3</a:t>
             </a:r>
             <a:r>
               <a:rPr lang="ja-JP" altLang="en-US" u="sng">
@@ -12812,8 +8049,8 @@
         </p:nvSpPr>
         <p:spPr>
           <a:xfrm>
-            <a:off x="4423106" y="2282740"/>
-            <a:ext cx="3345788" cy="1015663"/>
+            <a:off x="4217922" y="2282740"/>
+            <a:ext cx="3756157" cy="1015663"/>
           </a:xfrm>
           <a:prstGeom prst="rect">
             <a:avLst/>
@@ -12832,7 +8069,7 @@
                 <a:latin typeface="MS PMincho" panose="02020600040205080304" pitchFamily="18" charset="-128"/>
                 <a:ea typeface="MS PMincho" panose="02020600040205080304" pitchFamily="18" charset="-128"/>
               </a:rPr>
-              <a:t>￥500 </a:t>
+              <a:t>￥2000 </a:t>
             </a:r>
             <a:r>
               <a:rPr lang="en-US" sz="3000" b="1" u="sng" dirty="0">
@@ -12935,7 +8172,7 @@
         <p:spPr>
           <a:xfrm>
             <a:off x="1618635" y="4888507"/>
-            <a:ext cx="2448106" cy="1015663"/>
+            <a:ext cx="2497800" cy="1015663"/>
           </a:xfrm>
           <a:prstGeom prst="rect">
             <a:avLst/>
@@ -13001,7 +8238,7 @@
                 <a:latin typeface="MS PMincho" panose="02020600040205080304" pitchFamily="18" charset="-128"/>
                 <a:ea typeface="MS PMincho" panose="02020600040205080304" pitchFamily="18" charset="-128"/>
               </a:rPr>
-              <a:t>463</a:t>
+              <a:t>1819</a:t>
             </a:r>
           </a:p>
           <a:p>
@@ -13017,7 +8254,7 @@
                 <a:latin typeface="MS PMincho" panose="02020600040205080304" pitchFamily="18" charset="-128"/>
                 <a:ea typeface="MS PMincho" panose="02020600040205080304" pitchFamily="18" charset="-128"/>
               </a:rPr>
-              <a:t>(8%)</a:t>
+              <a:t>(10%)</a:t>
             </a:r>
             <a:r>
               <a:rPr lang="ja-JP" altLang="en-US" sz="2000">
@@ -13038,14 +8275,14 @@
                 <a:latin typeface="MS PMincho" panose="02020600040205080304" pitchFamily="18" charset="-128"/>
                 <a:ea typeface="MS PMincho" panose="02020600040205080304" pitchFamily="18" charset="-128"/>
               </a:rPr>
-              <a:t>  ￥</a:t>
+              <a:t>￥</a:t>
             </a:r>
             <a:r>
               <a:rPr lang="en-US" altLang="ja-JP" sz="2000" dirty="0">
                 <a:latin typeface="MS PMincho" panose="02020600040205080304" pitchFamily="18" charset="-128"/>
                 <a:ea typeface="MS PMincho" panose="02020600040205080304" pitchFamily="18" charset="-128"/>
               </a:rPr>
-              <a:t>37</a:t>
+              <a:t>181</a:t>
             </a:r>
             <a:endParaRPr lang="en-US" sz="2000" dirty="0">
               <a:latin typeface="MS PMincho" panose="02020600040205080304" pitchFamily="18" charset="-128"/>
@@ -13094,21 +8331,7 @@
                 <a:latin typeface="MS PMincho" panose="02020600040205080304" pitchFamily="18" charset="-128"/>
                 <a:ea typeface="MS PMincho" panose="02020600040205080304" pitchFamily="18" charset="-128"/>
               </a:rPr>
-              <a:t>1</a:t>
-            </a:r>
-            <a:r>
-              <a:rPr lang="ja-JP" altLang="en-US">
-                <a:latin typeface="MS PMincho" panose="02020600040205080304" pitchFamily="18" charset="-128"/>
-                <a:ea typeface="MS PMincho" panose="02020600040205080304" pitchFamily="18" charset="-128"/>
-              </a:rPr>
-              <a:t> </a:t>
-            </a:r>
-            <a:r>
-              <a:rPr lang="en-US" altLang="ja-JP" dirty="0">
-                <a:latin typeface="MS PMincho" panose="02020600040205080304" pitchFamily="18" charset="-128"/>
-                <a:ea typeface="MS PMincho" panose="02020600040205080304" pitchFamily="18" charset="-128"/>
-              </a:rPr>
-              <a:t>03-0023</a:t>
+              <a:t>103-0023</a:t>
             </a:r>
             <a:br>
               <a:rPr lang="en-US" altLang="ja-JP" dirty="0">
@@ -13190,7 +8413,7 @@
     </p:spTree>
     <p:extLst>
       <p:ext uri="{BB962C8B-B14F-4D97-AF65-F5344CB8AC3E}">
-        <p14:creationId xmlns:p14="http://schemas.microsoft.com/office/powerpoint/2010/main" val="3494267238"/>
+        <p14:creationId xmlns:p14="http://schemas.microsoft.com/office/powerpoint/2010/main" val="3218749519"/>
       </p:ext>
     </p:extLst>
   </p:cSld>
@@ -13275,7 +8498,7 @@
         <p:spPr>
           <a:xfrm>
             <a:off x="8407189" y="546538"/>
-            <a:ext cx="1696298" cy="369332"/>
+            <a:ext cx="1685077" cy="369332"/>
           </a:xfrm>
           <a:prstGeom prst="rect">
             <a:avLst/>
@@ -13307,7 +8530,7 @@
                 <a:latin typeface="MS PMincho" panose="02020600040205080304" pitchFamily="18" charset="-128"/>
                 <a:ea typeface="MS PMincho" panose="02020600040205080304" pitchFamily="18" charset="-128"/>
               </a:rPr>
-              <a:t>9</a:t>
+              <a:t>10</a:t>
             </a:r>
             <a:r>
               <a:rPr lang="ja-JP" altLang="en-US" u="sng">
@@ -13321,7 +8544,7 @@
                 <a:latin typeface="MS PMincho" panose="02020600040205080304" pitchFamily="18" charset="-128"/>
                 <a:ea typeface="MS PMincho" panose="02020600040205080304" pitchFamily="18" charset="-128"/>
               </a:rPr>
-              <a:t>19</a:t>
+              <a:t>3</a:t>
             </a:r>
             <a:r>
               <a:rPr lang="ja-JP" altLang="en-US" u="sng">
@@ -13393,8 +8616,8 @@
         </p:nvSpPr>
         <p:spPr>
           <a:xfrm>
-            <a:off x="4423106" y="2282740"/>
-            <a:ext cx="3345788" cy="1015663"/>
+            <a:off x="4217922" y="2282740"/>
+            <a:ext cx="3756157" cy="1015663"/>
           </a:xfrm>
           <a:prstGeom prst="rect">
             <a:avLst/>
@@ -13413,7 +8636,7 @@
                 <a:latin typeface="MS PMincho" panose="02020600040205080304" pitchFamily="18" charset="-128"/>
                 <a:ea typeface="MS PMincho" panose="02020600040205080304" pitchFamily="18" charset="-128"/>
               </a:rPr>
-              <a:t>￥500 </a:t>
+              <a:t>￥2000 </a:t>
             </a:r>
             <a:r>
               <a:rPr lang="en-US" sz="3000" b="1" u="sng" dirty="0">
@@ -13516,7 +8739,7 @@
         <p:spPr>
           <a:xfrm>
             <a:off x="1618635" y="4888507"/>
-            <a:ext cx="2448106" cy="1015663"/>
+            <a:ext cx="2497800" cy="1015663"/>
           </a:xfrm>
           <a:prstGeom prst="rect">
             <a:avLst/>
@@ -13582,7 +8805,7 @@
                 <a:latin typeface="MS PMincho" panose="02020600040205080304" pitchFamily="18" charset="-128"/>
                 <a:ea typeface="MS PMincho" panose="02020600040205080304" pitchFamily="18" charset="-128"/>
               </a:rPr>
-              <a:t>463</a:t>
+              <a:t>1819</a:t>
             </a:r>
           </a:p>
           <a:p>
@@ -13598,7 +8821,7 @@
                 <a:latin typeface="MS PMincho" panose="02020600040205080304" pitchFamily="18" charset="-128"/>
                 <a:ea typeface="MS PMincho" panose="02020600040205080304" pitchFamily="18" charset="-128"/>
               </a:rPr>
-              <a:t>(8%)</a:t>
+              <a:t>(10%)</a:t>
             </a:r>
             <a:r>
               <a:rPr lang="ja-JP" altLang="en-US" sz="2000">
@@ -13619,14 +8842,14 @@
                 <a:latin typeface="MS PMincho" panose="02020600040205080304" pitchFamily="18" charset="-128"/>
                 <a:ea typeface="MS PMincho" panose="02020600040205080304" pitchFamily="18" charset="-128"/>
               </a:rPr>
-              <a:t>  ￥</a:t>
+              <a:t>￥</a:t>
             </a:r>
             <a:r>
               <a:rPr lang="en-US" altLang="ja-JP" sz="2000" dirty="0">
                 <a:latin typeface="MS PMincho" panose="02020600040205080304" pitchFamily="18" charset="-128"/>
                 <a:ea typeface="MS PMincho" panose="02020600040205080304" pitchFamily="18" charset="-128"/>
               </a:rPr>
-              <a:t>37</a:t>
+              <a:t>181</a:t>
             </a:r>
             <a:endParaRPr lang="en-US" sz="2000" dirty="0">
               <a:latin typeface="MS PMincho" panose="02020600040205080304" pitchFamily="18" charset="-128"/>
@@ -13675,21 +8898,7 @@
                 <a:latin typeface="MS PMincho" panose="02020600040205080304" pitchFamily="18" charset="-128"/>
                 <a:ea typeface="MS PMincho" panose="02020600040205080304" pitchFamily="18" charset="-128"/>
               </a:rPr>
-              <a:t>1</a:t>
-            </a:r>
-            <a:r>
-              <a:rPr lang="ja-JP" altLang="en-US">
-                <a:latin typeface="MS PMincho" panose="02020600040205080304" pitchFamily="18" charset="-128"/>
-                <a:ea typeface="MS PMincho" panose="02020600040205080304" pitchFamily="18" charset="-128"/>
-              </a:rPr>
-              <a:t> </a:t>
-            </a:r>
-            <a:r>
-              <a:rPr lang="en-US" altLang="ja-JP" dirty="0">
-                <a:latin typeface="MS PMincho" panose="02020600040205080304" pitchFamily="18" charset="-128"/>
-                <a:ea typeface="MS PMincho" panose="02020600040205080304" pitchFamily="18" charset="-128"/>
-              </a:rPr>
-              <a:t>03-0023</a:t>
+              <a:t>103-0023</a:t>
             </a:r>
             <a:br>
               <a:rPr lang="en-US" altLang="ja-JP" dirty="0">
@@ -13771,7 +8980,7 @@
     </p:spTree>
     <p:extLst>
       <p:ext uri="{BB962C8B-B14F-4D97-AF65-F5344CB8AC3E}">
-        <p14:creationId xmlns:p14="http://schemas.microsoft.com/office/powerpoint/2010/main" val="956894278"/>
+        <p14:creationId xmlns:p14="http://schemas.microsoft.com/office/powerpoint/2010/main" val="961657370"/>
       </p:ext>
     </p:extLst>
   </p:cSld>
@@ -13856,7 +9065,7 @@
         <p:spPr>
           <a:xfrm>
             <a:off x="8407189" y="546538"/>
-            <a:ext cx="1696298" cy="369332"/>
+            <a:ext cx="1685077" cy="369332"/>
           </a:xfrm>
           <a:prstGeom prst="rect">
             <a:avLst/>
@@ -13888,7 +9097,7 @@
                 <a:latin typeface="MS PMincho" panose="02020600040205080304" pitchFamily="18" charset="-128"/>
                 <a:ea typeface="MS PMincho" panose="02020600040205080304" pitchFamily="18" charset="-128"/>
               </a:rPr>
-              <a:t>9</a:t>
+              <a:t>10</a:t>
             </a:r>
             <a:r>
               <a:rPr lang="ja-JP" altLang="en-US" u="sng">
@@ -13902,7 +9111,7 @@
                 <a:latin typeface="MS PMincho" panose="02020600040205080304" pitchFamily="18" charset="-128"/>
                 <a:ea typeface="MS PMincho" panose="02020600040205080304" pitchFamily="18" charset="-128"/>
               </a:rPr>
-              <a:t>19</a:t>
+              <a:t>3</a:t>
             </a:r>
             <a:r>
               <a:rPr lang="ja-JP" altLang="en-US" u="sng">
@@ -13974,8 +9183,8 @@
         </p:nvSpPr>
         <p:spPr>
           <a:xfrm>
-            <a:off x="4423106" y="2282740"/>
-            <a:ext cx="3345788" cy="1015663"/>
+            <a:off x="4217922" y="2282740"/>
+            <a:ext cx="3756157" cy="1015663"/>
           </a:xfrm>
           <a:prstGeom prst="rect">
             <a:avLst/>
@@ -13994,7 +9203,7 @@
                 <a:latin typeface="MS PMincho" panose="02020600040205080304" pitchFamily="18" charset="-128"/>
                 <a:ea typeface="MS PMincho" panose="02020600040205080304" pitchFamily="18" charset="-128"/>
               </a:rPr>
-              <a:t>￥500 </a:t>
+              <a:t>￥2000 </a:t>
             </a:r>
             <a:r>
               <a:rPr lang="en-US" sz="3000" b="1" u="sng" dirty="0">
@@ -14097,7 +9306,7 @@
         <p:spPr>
           <a:xfrm>
             <a:off x="1618635" y="4888507"/>
-            <a:ext cx="2448106" cy="1015663"/>
+            <a:ext cx="2497800" cy="1015663"/>
           </a:xfrm>
           <a:prstGeom prst="rect">
             <a:avLst/>
@@ -14163,7 +9372,7 @@
                 <a:latin typeface="MS PMincho" panose="02020600040205080304" pitchFamily="18" charset="-128"/>
                 <a:ea typeface="MS PMincho" panose="02020600040205080304" pitchFamily="18" charset="-128"/>
               </a:rPr>
-              <a:t>463</a:t>
+              <a:t>1819</a:t>
             </a:r>
           </a:p>
           <a:p>
@@ -14179,7 +9388,7 @@
                 <a:latin typeface="MS PMincho" panose="02020600040205080304" pitchFamily="18" charset="-128"/>
                 <a:ea typeface="MS PMincho" panose="02020600040205080304" pitchFamily="18" charset="-128"/>
               </a:rPr>
-              <a:t>(8%)</a:t>
+              <a:t>(10%)</a:t>
             </a:r>
             <a:r>
               <a:rPr lang="ja-JP" altLang="en-US" sz="2000">
@@ -14200,14 +9409,14 @@
                 <a:latin typeface="MS PMincho" panose="02020600040205080304" pitchFamily="18" charset="-128"/>
                 <a:ea typeface="MS PMincho" panose="02020600040205080304" pitchFamily="18" charset="-128"/>
               </a:rPr>
-              <a:t>  ￥</a:t>
+              <a:t>￥</a:t>
             </a:r>
             <a:r>
               <a:rPr lang="en-US" altLang="ja-JP" sz="2000" dirty="0">
                 <a:latin typeface="MS PMincho" panose="02020600040205080304" pitchFamily="18" charset="-128"/>
                 <a:ea typeface="MS PMincho" panose="02020600040205080304" pitchFamily="18" charset="-128"/>
               </a:rPr>
-              <a:t>37</a:t>
+              <a:t>181</a:t>
             </a:r>
             <a:endParaRPr lang="en-US" sz="2000" dirty="0">
               <a:latin typeface="MS PMincho" panose="02020600040205080304" pitchFamily="18" charset="-128"/>
@@ -14256,21 +9465,7 @@
                 <a:latin typeface="MS PMincho" panose="02020600040205080304" pitchFamily="18" charset="-128"/>
                 <a:ea typeface="MS PMincho" panose="02020600040205080304" pitchFamily="18" charset="-128"/>
               </a:rPr>
-              <a:t>1</a:t>
-            </a:r>
-            <a:r>
-              <a:rPr lang="ja-JP" altLang="en-US">
-                <a:latin typeface="MS PMincho" panose="02020600040205080304" pitchFamily="18" charset="-128"/>
-                <a:ea typeface="MS PMincho" panose="02020600040205080304" pitchFamily="18" charset="-128"/>
-              </a:rPr>
-              <a:t> </a:t>
-            </a:r>
-            <a:r>
-              <a:rPr lang="en-US" altLang="ja-JP" dirty="0">
-                <a:latin typeface="MS PMincho" panose="02020600040205080304" pitchFamily="18" charset="-128"/>
-                <a:ea typeface="MS PMincho" panose="02020600040205080304" pitchFamily="18" charset="-128"/>
-              </a:rPr>
-              <a:t>03-0023</a:t>
+              <a:t>103-0023</a:t>
             </a:r>
             <a:br>
               <a:rPr lang="en-US" altLang="ja-JP" dirty="0">
@@ -14352,7 +9547,7 @@
     </p:spTree>
     <p:extLst>
       <p:ext uri="{BB962C8B-B14F-4D97-AF65-F5344CB8AC3E}">
-        <p14:creationId xmlns:p14="http://schemas.microsoft.com/office/powerpoint/2010/main" val="949060497"/>
+        <p14:creationId xmlns:p14="http://schemas.microsoft.com/office/powerpoint/2010/main" val="3531759837"/>
       </p:ext>
     </p:extLst>
   </p:cSld>
@@ -14437,7 +9632,7 @@
         <p:spPr>
           <a:xfrm>
             <a:off x="8407189" y="546538"/>
-            <a:ext cx="1696298" cy="369332"/>
+            <a:ext cx="1685077" cy="369332"/>
           </a:xfrm>
           <a:prstGeom prst="rect">
             <a:avLst/>
@@ -14469,7 +9664,7 @@
                 <a:latin typeface="MS PMincho" panose="02020600040205080304" pitchFamily="18" charset="-128"/>
                 <a:ea typeface="MS PMincho" panose="02020600040205080304" pitchFamily="18" charset="-128"/>
               </a:rPr>
-              <a:t>9</a:t>
+              <a:t>10</a:t>
             </a:r>
             <a:r>
               <a:rPr lang="ja-JP" altLang="en-US" u="sng">
@@ -14483,7 +9678,7 @@
                 <a:latin typeface="MS PMincho" panose="02020600040205080304" pitchFamily="18" charset="-128"/>
                 <a:ea typeface="MS PMincho" panose="02020600040205080304" pitchFamily="18" charset="-128"/>
               </a:rPr>
-              <a:t>19</a:t>
+              <a:t>3</a:t>
             </a:r>
             <a:r>
               <a:rPr lang="ja-JP" altLang="en-US" u="sng">
@@ -14555,8 +9750,8 @@
         </p:nvSpPr>
         <p:spPr>
           <a:xfrm>
-            <a:off x="4423106" y="2282740"/>
-            <a:ext cx="3345788" cy="1015663"/>
+            <a:off x="4217922" y="2282740"/>
+            <a:ext cx="3756157" cy="1015663"/>
           </a:xfrm>
           <a:prstGeom prst="rect">
             <a:avLst/>
@@ -14575,7 +9770,7 @@
                 <a:latin typeface="MS PMincho" panose="02020600040205080304" pitchFamily="18" charset="-128"/>
                 <a:ea typeface="MS PMincho" panose="02020600040205080304" pitchFamily="18" charset="-128"/>
               </a:rPr>
-              <a:t>￥500 </a:t>
+              <a:t>￥2000 </a:t>
             </a:r>
             <a:r>
               <a:rPr lang="en-US" sz="3000" b="1" u="sng" dirty="0">
@@ -14678,7 +9873,7 @@
         <p:spPr>
           <a:xfrm>
             <a:off x="1618635" y="4888507"/>
-            <a:ext cx="2448106" cy="1015663"/>
+            <a:ext cx="2497800" cy="1015663"/>
           </a:xfrm>
           <a:prstGeom prst="rect">
             <a:avLst/>
@@ -14744,7 +9939,7 @@
                 <a:latin typeface="MS PMincho" panose="02020600040205080304" pitchFamily="18" charset="-128"/>
                 <a:ea typeface="MS PMincho" panose="02020600040205080304" pitchFamily="18" charset="-128"/>
               </a:rPr>
-              <a:t>463</a:t>
+              <a:t>1819</a:t>
             </a:r>
           </a:p>
           <a:p>
@@ -14760,7 +9955,7 @@
                 <a:latin typeface="MS PMincho" panose="02020600040205080304" pitchFamily="18" charset="-128"/>
                 <a:ea typeface="MS PMincho" panose="02020600040205080304" pitchFamily="18" charset="-128"/>
               </a:rPr>
-              <a:t>(8%)</a:t>
+              <a:t>(10%)</a:t>
             </a:r>
             <a:r>
               <a:rPr lang="ja-JP" altLang="en-US" sz="2000">
@@ -14781,14 +9976,14 @@
                 <a:latin typeface="MS PMincho" panose="02020600040205080304" pitchFamily="18" charset="-128"/>
                 <a:ea typeface="MS PMincho" panose="02020600040205080304" pitchFamily="18" charset="-128"/>
               </a:rPr>
-              <a:t>  ￥</a:t>
+              <a:t>￥</a:t>
             </a:r>
             <a:r>
               <a:rPr lang="en-US" altLang="ja-JP" sz="2000" dirty="0">
                 <a:latin typeface="MS PMincho" panose="02020600040205080304" pitchFamily="18" charset="-128"/>
                 <a:ea typeface="MS PMincho" panose="02020600040205080304" pitchFamily="18" charset="-128"/>
               </a:rPr>
-              <a:t>37</a:t>
+              <a:t>181</a:t>
             </a:r>
             <a:endParaRPr lang="en-US" sz="2000" dirty="0">
               <a:latin typeface="MS PMincho" panose="02020600040205080304" pitchFamily="18" charset="-128"/>
@@ -14837,21 +10032,7 @@
                 <a:latin typeface="MS PMincho" panose="02020600040205080304" pitchFamily="18" charset="-128"/>
                 <a:ea typeface="MS PMincho" panose="02020600040205080304" pitchFamily="18" charset="-128"/>
               </a:rPr>
-              <a:t>1</a:t>
-            </a:r>
-            <a:r>
-              <a:rPr lang="ja-JP" altLang="en-US">
-                <a:latin typeface="MS PMincho" panose="02020600040205080304" pitchFamily="18" charset="-128"/>
-                <a:ea typeface="MS PMincho" panose="02020600040205080304" pitchFamily="18" charset="-128"/>
-              </a:rPr>
-              <a:t> </a:t>
-            </a:r>
-            <a:r>
-              <a:rPr lang="en-US" altLang="ja-JP" dirty="0">
-                <a:latin typeface="MS PMincho" panose="02020600040205080304" pitchFamily="18" charset="-128"/>
-                <a:ea typeface="MS PMincho" panose="02020600040205080304" pitchFamily="18" charset="-128"/>
-              </a:rPr>
-              <a:t>03-0023</a:t>
+              <a:t>103-0023</a:t>
             </a:r>
             <a:br>
               <a:rPr lang="en-US" altLang="ja-JP" dirty="0">
@@ -14933,7 +10114,7 @@
     </p:spTree>
     <p:extLst>
       <p:ext uri="{BB962C8B-B14F-4D97-AF65-F5344CB8AC3E}">
-        <p14:creationId xmlns:p14="http://schemas.microsoft.com/office/powerpoint/2010/main" val="3762111164"/>
+        <p14:creationId xmlns:p14="http://schemas.microsoft.com/office/powerpoint/2010/main" val="296398768"/>
       </p:ext>
     </p:extLst>
   </p:cSld>
